--- a/Module 3 Final Project Presentation.pptx
+++ b/Module 3 Final Project Presentation.pptx
@@ -3,25 +3,27 @@
 <p:presentation xmlns:a="http://schemas.openxmlformats.org/drawingml/2006/main" xmlns:r="http://schemas.openxmlformats.org/officeDocument/2006/relationships" xmlns:p="http://schemas.openxmlformats.org/presentationml/2006/main" autoCompressPictures="0">
   <p:sldMasterIdLst>
     <p:sldMasterId id="2147483793" r:id="rId1"/>
+    <p:sldMasterId id="2147483810" r:id="rId2"/>
   </p:sldMasterIdLst>
   <p:notesMasterIdLst>
-    <p:notesMasterId r:id="rId16"/>
+    <p:notesMasterId r:id="rId18"/>
   </p:notesMasterIdLst>
   <p:sldIdLst>
-    <p:sldId id="256" r:id="rId2"/>
-    <p:sldId id="258" r:id="rId3"/>
-    <p:sldId id="259" r:id="rId4"/>
-    <p:sldId id="280" r:id="rId5"/>
-    <p:sldId id="282" r:id="rId6"/>
-    <p:sldId id="283" r:id="rId7"/>
-    <p:sldId id="276" r:id="rId8"/>
-    <p:sldId id="284" r:id="rId9"/>
-    <p:sldId id="286" r:id="rId10"/>
-    <p:sldId id="285" r:id="rId11"/>
-    <p:sldId id="287" r:id="rId12"/>
-    <p:sldId id="288" r:id="rId13"/>
+    <p:sldId id="256" r:id="rId3"/>
+    <p:sldId id="258" r:id="rId4"/>
+    <p:sldId id="259" r:id="rId5"/>
+    <p:sldId id="280" r:id="rId6"/>
+    <p:sldId id="290" r:id="rId7"/>
+    <p:sldId id="291" r:id="rId8"/>
+    <p:sldId id="282" r:id="rId9"/>
+    <p:sldId id="276" r:id="rId10"/>
+    <p:sldId id="288" r:id="rId11"/>
+    <p:sldId id="292" r:id="rId12"/>
+    <p:sldId id="293" r:id="rId13"/>
     <p:sldId id="279" r:id="rId14"/>
-    <p:sldId id="273" r:id="rId15"/>
+    <p:sldId id="294" r:id="rId15"/>
+    <p:sldId id="295" r:id="rId16"/>
+    <p:sldId id="273" r:id="rId17"/>
   </p:sldIdLst>
   <p:sldSz cx="12192000" cy="6858000"/>
   <p:notesSz cx="6858000" cy="9144000"/>
@@ -984,7 +986,7 @@
             </a:lnSpc>
           </a:pPr>
           <a:r>
-            <a:rPr lang="en-US"/>
+            <a:rPr lang="en-US" dirty="0"/>
             <a:t>Prepare Data for Modeling</a:t>
           </a:r>
         </a:p>
@@ -1025,7 +1027,7 @@
             </a:lnSpc>
           </a:pPr>
           <a:r>
-            <a:rPr lang="en-US"/>
+            <a:rPr lang="en-US" dirty="0"/>
             <a:t>Create Models</a:t>
           </a:r>
         </a:p>
@@ -1066,8 +1068,8 @@
             </a:lnSpc>
           </a:pPr>
           <a:r>
-            <a:rPr lang="en-US"/>
-            <a:t>Generate Regression Results</a:t>
+            <a:rPr lang="en-US" dirty="0"/>
+            <a:t>Generate Results</a:t>
           </a:r>
         </a:p>
       </dgm:t>
@@ -1858,7 +1860,7 @@
             <a:buNone/>
           </a:pPr>
           <a:r>
-            <a:rPr lang="en-US" sz="1900" kern="1200"/>
+            <a:rPr lang="en-US" sz="1900" kern="1200" dirty="0"/>
             <a:t>Prepare Data for Modeling</a:t>
           </a:r>
         </a:p>
@@ -2014,7 +2016,7 @@
             <a:buNone/>
           </a:pPr>
           <a:r>
-            <a:rPr lang="en-US" sz="1900" kern="1200"/>
+            <a:rPr lang="en-US" sz="1900" kern="1200" dirty="0"/>
             <a:t>Create Models</a:t>
           </a:r>
         </a:p>
@@ -2170,8 +2172,8 @@
             <a:buNone/>
           </a:pPr>
           <a:r>
-            <a:rPr lang="en-US" sz="1900" kern="1200"/>
-            <a:t>Generate Regression Results</a:t>
+            <a:rPr lang="en-US" sz="1900" kern="1200" dirty="0"/>
+            <a:t>Generate Results</a:t>
           </a:r>
         </a:p>
       </dsp:txBody>
@@ -4073,7 +4075,10 @@
           <a:bodyPr/>
           <a:lstStyle/>
           <a:p>
-            <a:endParaRPr lang="en-US" dirty="0"/>
+            <a:r>
+              <a:rPr lang="en-US" dirty="0"/>
+              <a:t>Gives our categorical variables numeric meaning</a:t>
+            </a:r>
           </a:p>
         </p:txBody>
       </p:sp>
@@ -4094,7 +4099,7 @@
           <a:p>
             <a:fld id="{0B838DC2-7E67-B547-87C6-3E50E81A8319}" type="slidenum">
               <a:rPr lang="en-US" smtClean="0"/>
-              <a:t>5</a:t>
+              <a:t>7</a:t>
             </a:fld>
             <a:endParaRPr lang="en-US"/>
           </a:p>
@@ -4178,7 +4183,7 @@
           <a:p>
             <a:fld id="{0B838DC2-7E67-B547-87C6-3E50E81A8319}" type="slidenum">
               <a:rPr lang="en-US" smtClean="0"/>
-              <a:t>6</a:t>
+              <a:t>9</a:t>
             </a:fld>
             <a:endParaRPr lang="en-US"/>
           </a:p>
@@ -4187,7 +4192,7 @@
     </p:spTree>
     <p:extLst>
       <p:ext uri="{BB962C8B-B14F-4D97-AF65-F5344CB8AC3E}">
-        <p14:creationId xmlns:p14="http://schemas.microsoft.com/office/powerpoint/2010/main" val="675641472"/>
+        <p14:creationId xmlns:p14="http://schemas.microsoft.com/office/powerpoint/2010/main" val="1625647761"/>
       </p:ext>
     </p:extLst>
   </p:cSld>
@@ -4262,6 +4267,208 @@
           <a:p>
             <a:fld id="{0B838DC2-7E67-B547-87C6-3E50E81A8319}" type="slidenum">
               <a:rPr lang="en-US" smtClean="0"/>
+              <a:t>10</a:t>
+            </a:fld>
+            <a:endParaRPr lang="en-US"/>
+          </a:p>
+        </p:txBody>
+      </p:sp>
+    </p:spTree>
+    <p:extLst>
+      <p:ext uri="{BB962C8B-B14F-4D97-AF65-F5344CB8AC3E}">
+        <p14:creationId xmlns:p14="http://schemas.microsoft.com/office/powerpoint/2010/main" val="1338968386"/>
+      </p:ext>
+    </p:extLst>
+  </p:cSld>
+  <p:clrMapOvr>
+    <a:masterClrMapping/>
+  </p:clrMapOvr>
+</p:notes>
+</file>
+
+<file path=ppt/notesSlides/notesSlide6.xml><?xml version="1.0" encoding="utf-8"?>
+<p:notes xmlns:a="http://schemas.openxmlformats.org/drawingml/2006/main" xmlns:r="http://schemas.openxmlformats.org/officeDocument/2006/relationships" xmlns:p="http://schemas.openxmlformats.org/presentationml/2006/main">
+  <p:cSld>
+    <p:spTree>
+      <p:nvGrpSpPr>
+        <p:cNvPr id="1" name=""/>
+        <p:cNvGrpSpPr/>
+        <p:nvPr/>
+      </p:nvGrpSpPr>
+      <p:grpSpPr>
+        <a:xfrm>
+          <a:off x="0" y="0"/>
+          <a:ext cx="0" cy="0"/>
+          <a:chOff x="0" y="0"/>
+          <a:chExt cx="0" cy="0"/>
+        </a:xfrm>
+      </p:grpSpPr>
+      <p:sp>
+        <p:nvSpPr>
+          <p:cNvPr id="2" name="Slide Image Placeholder 1"/>
+          <p:cNvSpPr>
+            <a:spLocks noGrp="1" noRot="1" noChangeAspect="1"/>
+          </p:cNvSpPr>
+          <p:nvPr>
+            <p:ph type="sldImg"/>
+          </p:nvPr>
+        </p:nvSpPr>
+        <p:spPr/>
+      </p:sp>
+      <p:sp>
+        <p:nvSpPr>
+          <p:cNvPr id="3" name="Notes Placeholder 2"/>
+          <p:cNvSpPr>
+            <a:spLocks noGrp="1"/>
+          </p:cNvSpPr>
+          <p:nvPr>
+            <p:ph type="body" idx="1"/>
+          </p:nvPr>
+        </p:nvSpPr>
+        <p:spPr/>
+        <p:txBody>
+          <a:bodyPr/>
+          <a:lstStyle/>
+          <a:p>
+            <a:endParaRPr lang="en-US" dirty="0"/>
+          </a:p>
+        </p:txBody>
+      </p:sp>
+      <p:sp>
+        <p:nvSpPr>
+          <p:cNvPr id="4" name="Slide Number Placeholder 3"/>
+          <p:cNvSpPr>
+            <a:spLocks noGrp="1"/>
+          </p:cNvSpPr>
+          <p:nvPr>
+            <p:ph type="sldNum" sz="quarter" idx="5"/>
+          </p:nvPr>
+        </p:nvSpPr>
+        <p:spPr/>
+        <p:txBody>
+          <a:bodyPr/>
+          <a:lstStyle/>
+          <a:p>
+            <a:fld id="{0B838DC2-7E67-B547-87C6-3E50E81A8319}" type="slidenum">
+              <a:rPr lang="en-US" smtClean="0"/>
+              <a:t>11</a:t>
+            </a:fld>
+            <a:endParaRPr lang="en-US"/>
+          </a:p>
+        </p:txBody>
+      </p:sp>
+    </p:spTree>
+    <p:extLst>
+      <p:ext uri="{BB962C8B-B14F-4D97-AF65-F5344CB8AC3E}">
+        <p14:creationId xmlns:p14="http://schemas.microsoft.com/office/powerpoint/2010/main" val="3615780795"/>
+      </p:ext>
+    </p:extLst>
+  </p:cSld>
+  <p:clrMapOvr>
+    <a:masterClrMapping/>
+  </p:clrMapOvr>
+</p:notes>
+</file>
+
+<file path=ppt/notesSlides/notesSlide7.xml><?xml version="1.0" encoding="utf-8"?>
+<p:notes xmlns:a="http://schemas.openxmlformats.org/drawingml/2006/main" xmlns:r="http://schemas.openxmlformats.org/officeDocument/2006/relationships" xmlns:p="http://schemas.openxmlformats.org/presentationml/2006/main">
+  <p:cSld>
+    <p:spTree>
+      <p:nvGrpSpPr>
+        <p:cNvPr id="1" name=""/>
+        <p:cNvGrpSpPr/>
+        <p:nvPr/>
+      </p:nvGrpSpPr>
+      <p:grpSpPr>
+        <a:xfrm>
+          <a:off x="0" y="0"/>
+          <a:ext cx="0" cy="0"/>
+          <a:chOff x="0" y="0"/>
+          <a:chExt cx="0" cy="0"/>
+        </a:xfrm>
+      </p:grpSpPr>
+      <p:sp>
+        <p:nvSpPr>
+          <p:cNvPr id="2" name="Slide Image Placeholder 1"/>
+          <p:cNvSpPr>
+            <a:spLocks noGrp="1" noRot="1" noChangeAspect="1"/>
+          </p:cNvSpPr>
+          <p:nvPr>
+            <p:ph type="sldImg"/>
+          </p:nvPr>
+        </p:nvSpPr>
+        <p:spPr/>
+      </p:sp>
+      <p:sp>
+        <p:nvSpPr>
+          <p:cNvPr id="3" name="Notes Placeholder 2"/>
+          <p:cNvSpPr>
+            <a:spLocks noGrp="1"/>
+          </p:cNvSpPr>
+          <p:nvPr>
+            <p:ph type="body" idx="1"/>
+          </p:nvPr>
+        </p:nvSpPr>
+        <p:spPr/>
+        <p:txBody>
+          <a:bodyPr/>
+          <a:lstStyle/>
+          <a:p>
+            <a:r>
+              <a:rPr lang="en-US" dirty="0"/>
+              <a:t>Precision: If our model says that it will rain tomorrow, there is a 65% chance that it is a class 1 and will actually rain the next day.</a:t>
+            </a:r>
+          </a:p>
+          <a:p>
+            <a:endParaRPr lang="en-US" dirty="0"/>
+          </a:p>
+          <a:p>
+            <a:r>
+              <a:rPr lang="en-US" dirty="0"/>
+              <a:t>Recall: If a given cell of rain data for the next day really is class 1, there is about a 60% chance that our model will label it correctly.</a:t>
+            </a:r>
+          </a:p>
+          <a:p>
+            <a:endParaRPr lang="en-US" dirty="0"/>
+          </a:p>
+          <a:p>
+            <a:r>
+              <a:rPr lang="en-US" dirty="0"/>
+              <a:t>AUC: </a:t>
+            </a:r>
+            <a:r>
+              <a:rPr lang="en-US" sz="1200" b="0" i="0" u="none" strike="noStrike" kern="1200" dirty="0">
+                <a:solidFill>
+                  <a:schemeClr val="tx1"/>
+                </a:solidFill>
+                <a:effectLst/>
+                <a:latin typeface="+mn-lt"/>
+                <a:ea typeface="+mn-ea"/>
+                <a:cs typeface="+mn-cs"/>
+              </a:rPr>
+              <a:t>Our AUC Score is .86. That means that our classifiers have an 86% true positive rate. Our model seems sufficient at predicting whether or not it will rain, and that it isn’t classifying in a random manner.</a:t>
+            </a:r>
+            <a:endParaRPr lang="en-US" dirty="0"/>
+          </a:p>
+        </p:txBody>
+      </p:sp>
+      <p:sp>
+        <p:nvSpPr>
+          <p:cNvPr id="4" name="Slide Number Placeholder 3"/>
+          <p:cNvSpPr>
+            <a:spLocks noGrp="1"/>
+          </p:cNvSpPr>
+          <p:nvPr>
+            <p:ph type="sldNum" sz="quarter" idx="5"/>
+          </p:nvPr>
+        </p:nvSpPr>
+        <p:spPr/>
+        <p:txBody>
+          <a:bodyPr/>
+          <a:lstStyle/>
+          <a:p>
+            <a:fld id="{0B838DC2-7E67-B547-87C6-3E50E81A8319}" type="slidenum">
+              <a:rPr lang="en-US" smtClean="0"/>
               <a:t>12</a:t>
             </a:fld>
             <a:endParaRPr lang="en-US"/>
@@ -4271,7 +4478,91 @@
     </p:spTree>
     <p:extLst>
       <p:ext uri="{BB962C8B-B14F-4D97-AF65-F5344CB8AC3E}">
-        <p14:creationId xmlns:p14="http://schemas.microsoft.com/office/powerpoint/2010/main" val="1625647761"/>
+        <p14:creationId xmlns:p14="http://schemas.microsoft.com/office/powerpoint/2010/main" val="3604329749"/>
+      </p:ext>
+    </p:extLst>
+  </p:cSld>
+  <p:clrMapOvr>
+    <a:masterClrMapping/>
+  </p:clrMapOvr>
+</p:notes>
+</file>
+
+<file path=ppt/notesSlides/notesSlide8.xml><?xml version="1.0" encoding="utf-8"?>
+<p:notes xmlns:a="http://schemas.openxmlformats.org/drawingml/2006/main" xmlns:r="http://schemas.openxmlformats.org/officeDocument/2006/relationships" xmlns:p="http://schemas.openxmlformats.org/presentationml/2006/main">
+  <p:cSld>
+    <p:spTree>
+      <p:nvGrpSpPr>
+        <p:cNvPr id="1" name=""/>
+        <p:cNvGrpSpPr/>
+        <p:nvPr/>
+      </p:nvGrpSpPr>
+      <p:grpSpPr>
+        <a:xfrm>
+          <a:off x="0" y="0"/>
+          <a:ext cx="0" cy="0"/>
+          <a:chOff x="0" y="0"/>
+          <a:chExt cx="0" cy="0"/>
+        </a:xfrm>
+      </p:grpSpPr>
+      <p:sp>
+        <p:nvSpPr>
+          <p:cNvPr id="2" name="Slide Image Placeholder 1"/>
+          <p:cNvSpPr>
+            <a:spLocks noGrp="1" noRot="1" noChangeAspect="1"/>
+          </p:cNvSpPr>
+          <p:nvPr>
+            <p:ph type="sldImg"/>
+          </p:nvPr>
+        </p:nvSpPr>
+        <p:spPr/>
+      </p:sp>
+      <p:sp>
+        <p:nvSpPr>
+          <p:cNvPr id="3" name="Notes Placeholder 2"/>
+          <p:cNvSpPr>
+            <a:spLocks noGrp="1"/>
+          </p:cNvSpPr>
+          <p:nvPr>
+            <p:ph type="body" idx="1"/>
+          </p:nvPr>
+        </p:nvSpPr>
+        <p:spPr/>
+        <p:txBody>
+          <a:bodyPr/>
+          <a:lstStyle/>
+          <a:p>
+            <a:endParaRPr lang="en-US" dirty="0"/>
+          </a:p>
+        </p:txBody>
+      </p:sp>
+      <p:sp>
+        <p:nvSpPr>
+          <p:cNvPr id="4" name="Slide Number Placeholder 3"/>
+          <p:cNvSpPr>
+            <a:spLocks noGrp="1"/>
+          </p:cNvSpPr>
+          <p:nvPr>
+            <p:ph type="sldNum" sz="quarter" idx="5"/>
+          </p:nvPr>
+        </p:nvSpPr>
+        <p:spPr/>
+        <p:txBody>
+          <a:bodyPr/>
+          <a:lstStyle/>
+          <a:p>
+            <a:fld id="{0B838DC2-7E67-B547-87C6-3E50E81A8319}" type="slidenum">
+              <a:rPr lang="en-US" smtClean="0"/>
+              <a:t>14</a:t>
+            </a:fld>
+            <a:endParaRPr lang="en-US"/>
+          </a:p>
+        </p:txBody>
+      </p:sp>
+    </p:spTree>
+    <p:extLst>
+      <p:ext uri="{BB962C8B-B14F-4D97-AF65-F5344CB8AC3E}">
+        <p14:creationId xmlns:p14="http://schemas.microsoft.com/office/powerpoint/2010/main" val="734007163"/>
       </p:ext>
     </p:extLst>
   </p:cSld>
@@ -6975,6 +7266,707 @@
 </p:sldLayout>
 </file>
 
+<file path=ppt/slideLayouts/slideLayout17.xml><?xml version="1.0" encoding="utf-8"?>
+<p:sldLayout xmlns:a="http://schemas.openxmlformats.org/drawingml/2006/main" xmlns:r="http://schemas.openxmlformats.org/officeDocument/2006/relationships" xmlns:p="http://schemas.openxmlformats.org/presentationml/2006/main" type="title" preserve="1">
+  <p:cSld name="Title Slide">
+    <p:spTree>
+      <p:nvGrpSpPr>
+        <p:cNvPr id="1" name=""/>
+        <p:cNvGrpSpPr/>
+        <p:nvPr/>
+      </p:nvGrpSpPr>
+      <p:grpSpPr>
+        <a:xfrm>
+          <a:off x="0" y="0"/>
+          <a:ext cx="0" cy="0"/>
+          <a:chOff x="0" y="0"/>
+          <a:chExt cx="0" cy="0"/>
+        </a:xfrm>
+      </p:grpSpPr>
+      <p:sp>
+        <p:nvSpPr>
+          <p:cNvPr id="2" name="Title 1">
+            <a:extLst>
+              <a:ext uri="{FF2B5EF4-FFF2-40B4-BE49-F238E27FC236}">
+                <a16:creationId xmlns:a16="http://schemas.microsoft.com/office/drawing/2014/main" id="{5137C961-8E22-7140-A857-2A2ED2303116}"/>
+              </a:ext>
+            </a:extLst>
+          </p:cNvPr>
+          <p:cNvSpPr>
+            <a:spLocks noGrp="1"/>
+          </p:cNvSpPr>
+          <p:nvPr>
+            <p:ph type="ctrTitle"/>
+          </p:nvPr>
+        </p:nvSpPr>
+        <p:spPr>
+          <a:xfrm>
+            <a:off x="1524000" y="1122363"/>
+            <a:ext cx="9144000" cy="2387600"/>
+          </a:xfrm>
+        </p:spPr>
+        <p:txBody>
+          <a:bodyPr anchor="b"/>
+          <a:lstStyle>
+            <a:lvl1pPr algn="ctr">
+              <a:defRPr sz="6000"/>
+            </a:lvl1pPr>
+          </a:lstStyle>
+          <a:p>
+            <a:r>
+              <a:rPr lang="en-US"/>
+              <a:t>Click to edit Master title style</a:t>
+            </a:r>
+          </a:p>
+        </p:txBody>
+      </p:sp>
+      <p:sp>
+        <p:nvSpPr>
+          <p:cNvPr id="3" name="Subtitle 2">
+            <a:extLst>
+              <a:ext uri="{FF2B5EF4-FFF2-40B4-BE49-F238E27FC236}">
+                <a16:creationId xmlns:a16="http://schemas.microsoft.com/office/drawing/2014/main" id="{D9925002-5505-3A4D-BD7E-B05A706E5026}"/>
+              </a:ext>
+            </a:extLst>
+          </p:cNvPr>
+          <p:cNvSpPr>
+            <a:spLocks noGrp="1"/>
+          </p:cNvSpPr>
+          <p:nvPr>
+            <p:ph type="subTitle" idx="1"/>
+          </p:nvPr>
+        </p:nvSpPr>
+        <p:spPr>
+          <a:xfrm>
+            <a:off x="1524000" y="3602038"/>
+            <a:ext cx="9144000" cy="1655762"/>
+          </a:xfrm>
+        </p:spPr>
+        <p:txBody>
+          <a:bodyPr/>
+          <a:lstStyle>
+            <a:lvl1pPr marL="0" indent="0" algn="ctr">
+              <a:buNone/>
+              <a:defRPr sz="2400"/>
+            </a:lvl1pPr>
+            <a:lvl2pPr marL="457200" indent="0" algn="ctr">
+              <a:buNone/>
+              <a:defRPr sz="2000"/>
+            </a:lvl2pPr>
+            <a:lvl3pPr marL="914400" indent="0" algn="ctr">
+              <a:buNone/>
+              <a:defRPr sz="1800"/>
+            </a:lvl3pPr>
+            <a:lvl4pPr marL="1371600" indent="0" algn="ctr">
+              <a:buNone/>
+              <a:defRPr sz="1600"/>
+            </a:lvl4pPr>
+            <a:lvl5pPr marL="1828800" indent="0" algn="ctr">
+              <a:buNone/>
+              <a:defRPr sz="1600"/>
+            </a:lvl5pPr>
+            <a:lvl6pPr marL="2286000" indent="0" algn="ctr">
+              <a:buNone/>
+              <a:defRPr sz="1600"/>
+            </a:lvl6pPr>
+            <a:lvl7pPr marL="2743200" indent="0" algn="ctr">
+              <a:buNone/>
+              <a:defRPr sz="1600"/>
+            </a:lvl7pPr>
+            <a:lvl8pPr marL="3200400" indent="0" algn="ctr">
+              <a:buNone/>
+              <a:defRPr sz="1600"/>
+            </a:lvl8pPr>
+            <a:lvl9pPr marL="3657600" indent="0" algn="ctr">
+              <a:buNone/>
+              <a:defRPr sz="1600"/>
+            </a:lvl9pPr>
+          </a:lstStyle>
+          <a:p>
+            <a:r>
+              <a:rPr lang="en-US"/>
+              <a:t>Click to edit Master subtitle style</a:t>
+            </a:r>
+          </a:p>
+        </p:txBody>
+      </p:sp>
+      <p:sp>
+        <p:nvSpPr>
+          <p:cNvPr id="4" name="Date Placeholder 3">
+            <a:extLst>
+              <a:ext uri="{FF2B5EF4-FFF2-40B4-BE49-F238E27FC236}">
+                <a16:creationId xmlns:a16="http://schemas.microsoft.com/office/drawing/2014/main" id="{CD648C52-C53A-7440-93BF-9D945C047B5D}"/>
+              </a:ext>
+            </a:extLst>
+          </p:cNvPr>
+          <p:cNvSpPr>
+            <a:spLocks noGrp="1"/>
+          </p:cNvSpPr>
+          <p:nvPr>
+            <p:ph type="dt" sz="half" idx="10"/>
+          </p:nvPr>
+        </p:nvSpPr>
+        <p:spPr/>
+        <p:txBody>
+          <a:bodyPr/>
+          <a:lstStyle/>
+          <a:p>
+            <a:fld id="{11A6662E-FAF4-44BC-88B5-85A7CBFB6D30}" type="datetime1">
+              <a:rPr lang="en-US" smtClean="0"/>
+              <a:pPr/>
+              <a:t>12/13/21</a:t>
+            </a:fld>
+            <a:endParaRPr lang="en-US" dirty="0"/>
+          </a:p>
+        </p:txBody>
+      </p:sp>
+      <p:sp>
+        <p:nvSpPr>
+          <p:cNvPr id="5" name="Footer Placeholder 4">
+            <a:extLst>
+              <a:ext uri="{FF2B5EF4-FFF2-40B4-BE49-F238E27FC236}">
+                <a16:creationId xmlns:a16="http://schemas.microsoft.com/office/drawing/2014/main" id="{CC4AA8DA-7F01-F34C-BEBB-7C9552439A38}"/>
+              </a:ext>
+            </a:extLst>
+          </p:cNvPr>
+          <p:cNvSpPr>
+            <a:spLocks noGrp="1"/>
+          </p:cNvSpPr>
+          <p:nvPr>
+            <p:ph type="ftr" sz="quarter" idx="11"/>
+          </p:nvPr>
+        </p:nvSpPr>
+        <p:spPr/>
+        <p:txBody>
+          <a:bodyPr/>
+          <a:lstStyle/>
+          <a:p>
+            <a:endParaRPr lang="en-US">
+              <a:solidFill>
+                <a:schemeClr val="tx1">
+                  <a:alpha val="60000"/>
+                </a:schemeClr>
+              </a:solidFill>
+            </a:endParaRPr>
+          </a:p>
+        </p:txBody>
+      </p:sp>
+      <p:sp>
+        <p:nvSpPr>
+          <p:cNvPr id="6" name="Slide Number Placeholder 5">
+            <a:extLst>
+              <a:ext uri="{FF2B5EF4-FFF2-40B4-BE49-F238E27FC236}">
+                <a16:creationId xmlns:a16="http://schemas.microsoft.com/office/drawing/2014/main" id="{243F64EA-8ECE-1749-BF64-403D2DF20F36}"/>
+              </a:ext>
+            </a:extLst>
+          </p:cNvPr>
+          <p:cNvSpPr>
+            <a:spLocks noGrp="1"/>
+          </p:cNvSpPr>
+          <p:nvPr>
+            <p:ph type="sldNum" sz="quarter" idx="12"/>
+          </p:nvPr>
+        </p:nvSpPr>
+        <p:spPr/>
+        <p:txBody>
+          <a:bodyPr/>
+          <a:lstStyle/>
+          <a:p>
+            <a:fld id="{73B850FF-6169-4056-8077-06FFA93A5366}" type="slidenum">
+              <a:rPr lang="en-US" smtClean="0"/>
+              <a:pPr/>
+              <a:t>‹#›</a:t>
+            </a:fld>
+            <a:endParaRPr lang="en-US"/>
+          </a:p>
+        </p:txBody>
+      </p:sp>
+    </p:spTree>
+    <p:extLst>
+      <p:ext uri="{BB962C8B-B14F-4D97-AF65-F5344CB8AC3E}">
+        <p14:creationId xmlns:p14="http://schemas.microsoft.com/office/powerpoint/2010/main" val="2059893320"/>
+      </p:ext>
+    </p:extLst>
+  </p:cSld>
+  <p:clrMapOvr>
+    <a:masterClrMapping/>
+  </p:clrMapOvr>
+</p:sldLayout>
+</file>
+
+<file path=ppt/slideLayouts/slideLayout18.xml><?xml version="1.0" encoding="utf-8"?>
+<p:sldLayout xmlns:a="http://schemas.openxmlformats.org/drawingml/2006/main" xmlns:r="http://schemas.openxmlformats.org/officeDocument/2006/relationships" xmlns:p="http://schemas.openxmlformats.org/presentationml/2006/main" type="obj" preserve="1">
+  <p:cSld name="Title and Content">
+    <p:spTree>
+      <p:nvGrpSpPr>
+        <p:cNvPr id="1" name=""/>
+        <p:cNvGrpSpPr/>
+        <p:nvPr/>
+      </p:nvGrpSpPr>
+      <p:grpSpPr>
+        <a:xfrm>
+          <a:off x="0" y="0"/>
+          <a:ext cx="0" cy="0"/>
+          <a:chOff x="0" y="0"/>
+          <a:chExt cx="0" cy="0"/>
+        </a:xfrm>
+      </p:grpSpPr>
+      <p:sp>
+        <p:nvSpPr>
+          <p:cNvPr id="2" name="Title 1">
+            <a:extLst>
+              <a:ext uri="{FF2B5EF4-FFF2-40B4-BE49-F238E27FC236}">
+                <a16:creationId xmlns:a16="http://schemas.microsoft.com/office/drawing/2014/main" id="{2F244DF3-C451-EC48-9E77-04096FAD6BCA}"/>
+              </a:ext>
+            </a:extLst>
+          </p:cNvPr>
+          <p:cNvSpPr>
+            <a:spLocks noGrp="1"/>
+          </p:cNvSpPr>
+          <p:nvPr>
+            <p:ph type="title"/>
+          </p:nvPr>
+        </p:nvSpPr>
+        <p:spPr/>
+        <p:txBody>
+          <a:bodyPr/>
+          <a:lstStyle/>
+          <a:p>
+            <a:r>
+              <a:rPr lang="en-US"/>
+              <a:t>Click to edit Master title style</a:t>
+            </a:r>
+          </a:p>
+        </p:txBody>
+      </p:sp>
+      <p:sp>
+        <p:nvSpPr>
+          <p:cNvPr id="3" name="Content Placeholder 2">
+            <a:extLst>
+              <a:ext uri="{FF2B5EF4-FFF2-40B4-BE49-F238E27FC236}">
+                <a16:creationId xmlns:a16="http://schemas.microsoft.com/office/drawing/2014/main" id="{3BA46BC8-F463-584E-BF3E-232628658FE2}"/>
+              </a:ext>
+            </a:extLst>
+          </p:cNvPr>
+          <p:cNvSpPr>
+            <a:spLocks noGrp="1"/>
+          </p:cNvSpPr>
+          <p:nvPr>
+            <p:ph idx="1"/>
+          </p:nvPr>
+        </p:nvSpPr>
+        <p:spPr/>
+        <p:txBody>
+          <a:bodyPr/>
+          <a:lstStyle/>
+          <a:p>
+            <a:pPr lvl="0"/>
+            <a:r>
+              <a:rPr lang="en-US"/>
+              <a:t>Click to edit Master text styles</a:t>
+            </a:r>
+          </a:p>
+          <a:p>
+            <a:pPr lvl="1"/>
+            <a:r>
+              <a:rPr lang="en-US"/>
+              <a:t>Second level</a:t>
+            </a:r>
+          </a:p>
+          <a:p>
+            <a:pPr lvl="2"/>
+            <a:r>
+              <a:rPr lang="en-US"/>
+              <a:t>Third level</a:t>
+            </a:r>
+          </a:p>
+          <a:p>
+            <a:pPr lvl="3"/>
+            <a:r>
+              <a:rPr lang="en-US"/>
+              <a:t>Fourth level</a:t>
+            </a:r>
+          </a:p>
+          <a:p>
+            <a:pPr lvl="4"/>
+            <a:r>
+              <a:rPr lang="en-US"/>
+              <a:t>Fifth level</a:t>
+            </a:r>
+          </a:p>
+        </p:txBody>
+      </p:sp>
+      <p:sp>
+        <p:nvSpPr>
+          <p:cNvPr id="4" name="Date Placeholder 3">
+            <a:extLst>
+              <a:ext uri="{FF2B5EF4-FFF2-40B4-BE49-F238E27FC236}">
+                <a16:creationId xmlns:a16="http://schemas.microsoft.com/office/drawing/2014/main" id="{B5B4162B-A2E1-8B48-B2ED-95CD5237AB77}"/>
+              </a:ext>
+            </a:extLst>
+          </p:cNvPr>
+          <p:cNvSpPr>
+            <a:spLocks noGrp="1"/>
+          </p:cNvSpPr>
+          <p:nvPr>
+            <p:ph type="dt" sz="half" idx="10"/>
+          </p:nvPr>
+        </p:nvSpPr>
+        <p:spPr/>
+        <p:txBody>
+          <a:bodyPr/>
+          <a:lstStyle/>
+          <a:p>
+            <a:fld id="{0055F08A-1E71-4B2B-BB49-E743F2903911}" type="datetime1">
+              <a:rPr lang="en-US" smtClean="0"/>
+              <a:t>12/13/21</a:t>
+            </a:fld>
+            <a:endParaRPr lang="en-US" dirty="0"/>
+          </a:p>
+        </p:txBody>
+      </p:sp>
+      <p:sp>
+        <p:nvSpPr>
+          <p:cNvPr id="5" name="Footer Placeholder 4">
+            <a:extLst>
+              <a:ext uri="{FF2B5EF4-FFF2-40B4-BE49-F238E27FC236}">
+                <a16:creationId xmlns:a16="http://schemas.microsoft.com/office/drawing/2014/main" id="{73E4153E-260A-7349-846A-3B035EA59CD1}"/>
+              </a:ext>
+            </a:extLst>
+          </p:cNvPr>
+          <p:cNvSpPr>
+            <a:spLocks noGrp="1"/>
+          </p:cNvSpPr>
+          <p:nvPr>
+            <p:ph type="ftr" sz="quarter" idx="11"/>
+          </p:nvPr>
+        </p:nvSpPr>
+        <p:spPr/>
+        <p:txBody>
+          <a:bodyPr/>
+          <a:lstStyle/>
+          <a:p>
+            <a:endParaRPr lang="en-US"/>
+          </a:p>
+        </p:txBody>
+      </p:sp>
+      <p:sp>
+        <p:nvSpPr>
+          <p:cNvPr id="6" name="Slide Number Placeholder 5">
+            <a:extLst>
+              <a:ext uri="{FF2B5EF4-FFF2-40B4-BE49-F238E27FC236}">
+                <a16:creationId xmlns:a16="http://schemas.microsoft.com/office/drawing/2014/main" id="{975A8CDA-8FA7-034C-A3F8-74DDAAEEE052}"/>
+              </a:ext>
+            </a:extLst>
+          </p:cNvPr>
+          <p:cNvSpPr>
+            <a:spLocks noGrp="1"/>
+          </p:cNvSpPr>
+          <p:nvPr>
+            <p:ph type="sldNum" sz="quarter" idx="12"/>
+          </p:nvPr>
+        </p:nvSpPr>
+        <p:spPr/>
+        <p:txBody>
+          <a:bodyPr/>
+          <a:lstStyle/>
+          <a:p>
+            <a:fld id="{73B850FF-6169-4056-8077-06FFA93A5366}" type="slidenum">
+              <a:rPr lang="en-US" smtClean="0"/>
+              <a:t>‹#›</a:t>
+            </a:fld>
+            <a:endParaRPr lang="en-US"/>
+          </a:p>
+        </p:txBody>
+      </p:sp>
+    </p:spTree>
+    <p:extLst>
+      <p:ext uri="{BB962C8B-B14F-4D97-AF65-F5344CB8AC3E}">
+        <p14:creationId xmlns:p14="http://schemas.microsoft.com/office/powerpoint/2010/main" val="474011238"/>
+      </p:ext>
+    </p:extLst>
+  </p:cSld>
+  <p:clrMapOvr>
+    <a:masterClrMapping/>
+  </p:clrMapOvr>
+</p:sldLayout>
+</file>
+
+<file path=ppt/slideLayouts/slideLayout19.xml><?xml version="1.0" encoding="utf-8"?>
+<p:sldLayout xmlns:a="http://schemas.openxmlformats.org/drawingml/2006/main" xmlns:r="http://schemas.openxmlformats.org/officeDocument/2006/relationships" xmlns:p="http://schemas.openxmlformats.org/presentationml/2006/main" type="secHead" preserve="1">
+  <p:cSld name="Section Header">
+    <p:spTree>
+      <p:nvGrpSpPr>
+        <p:cNvPr id="1" name=""/>
+        <p:cNvGrpSpPr/>
+        <p:nvPr/>
+      </p:nvGrpSpPr>
+      <p:grpSpPr>
+        <a:xfrm>
+          <a:off x="0" y="0"/>
+          <a:ext cx="0" cy="0"/>
+          <a:chOff x="0" y="0"/>
+          <a:chExt cx="0" cy="0"/>
+        </a:xfrm>
+      </p:grpSpPr>
+      <p:sp>
+        <p:nvSpPr>
+          <p:cNvPr id="2" name="Title 1">
+            <a:extLst>
+              <a:ext uri="{FF2B5EF4-FFF2-40B4-BE49-F238E27FC236}">
+                <a16:creationId xmlns:a16="http://schemas.microsoft.com/office/drawing/2014/main" id="{E0CED68E-34D5-6441-9179-8A6BBEBF11AD}"/>
+              </a:ext>
+            </a:extLst>
+          </p:cNvPr>
+          <p:cNvSpPr>
+            <a:spLocks noGrp="1"/>
+          </p:cNvSpPr>
+          <p:nvPr>
+            <p:ph type="title"/>
+          </p:nvPr>
+        </p:nvSpPr>
+        <p:spPr>
+          <a:xfrm>
+            <a:off x="831850" y="1709738"/>
+            <a:ext cx="10515600" cy="2852737"/>
+          </a:xfrm>
+        </p:spPr>
+        <p:txBody>
+          <a:bodyPr anchor="b"/>
+          <a:lstStyle>
+            <a:lvl1pPr>
+              <a:defRPr sz="6000"/>
+            </a:lvl1pPr>
+          </a:lstStyle>
+          <a:p>
+            <a:r>
+              <a:rPr lang="en-US"/>
+              <a:t>Click to edit Master title style</a:t>
+            </a:r>
+          </a:p>
+        </p:txBody>
+      </p:sp>
+      <p:sp>
+        <p:nvSpPr>
+          <p:cNvPr id="3" name="Text Placeholder 2">
+            <a:extLst>
+              <a:ext uri="{FF2B5EF4-FFF2-40B4-BE49-F238E27FC236}">
+                <a16:creationId xmlns:a16="http://schemas.microsoft.com/office/drawing/2014/main" id="{20F30D52-57E3-C14B-8655-4F05171B87D3}"/>
+              </a:ext>
+            </a:extLst>
+          </p:cNvPr>
+          <p:cNvSpPr>
+            <a:spLocks noGrp="1"/>
+          </p:cNvSpPr>
+          <p:nvPr>
+            <p:ph type="body" idx="1"/>
+          </p:nvPr>
+        </p:nvSpPr>
+        <p:spPr>
+          <a:xfrm>
+            <a:off x="831850" y="4589463"/>
+            <a:ext cx="10515600" cy="1500187"/>
+          </a:xfrm>
+        </p:spPr>
+        <p:txBody>
+          <a:bodyPr/>
+          <a:lstStyle>
+            <a:lvl1pPr marL="0" indent="0">
+              <a:buNone/>
+              <a:defRPr sz="2400">
+                <a:solidFill>
+                  <a:schemeClr val="tx1">
+                    <a:tint val="75000"/>
+                  </a:schemeClr>
+                </a:solidFill>
+              </a:defRPr>
+            </a:lvl1pPr>
+            <a:lvl2pPr marL="457200" indent="0">
+              <a:buNone/>
+              <a:defRPr sz="2000">
+                <a:solidFill>
+                  <a:schemeClr val="tx1">
+                    <a:tint val="75000"/>
+                  </a:schemeClr>
+                </a:solidFill>
+              </a:defRPr>
+            </a:lvl2pPr>
+            <a:lvl3pPr marL="914400" indent="0">
+              <a:buNone/>
+              <a:defRPr sz="1800">
+                <a:solidFill>
+                  <a:schemeClr val="tx1">
+                    <a:tint val="75000"/>
+                  </a:schemeClr>
+                </a:solidFill>
+              </a:defRPr>
+            </a:lvl3pPr>
+            <a:lvl4pPr marL="1371600" indent="0">
+              <a:buNone/>
+              <a:defRPr sz="1600">
+                <a:solidFill>
+                  <a:schemeClr val="tx1">
+                    <a:tint val="75000"/>
+                  </a:schemeClr>
+                </a:solidFill>
+              </a:defRPr>
+            </a:lvl4pPr>
+            <a:lvl5pPr marL="1828800" indent="0">
+              <a:buNone/>
+              <a:defRPr sz="1600">
+                <a:solidFill>
+                  <a:schemeClr val="tx1">
+                    <a:tint val="75000"/>
+                  </a:schemeClr>
+                </a:solidFill>
+              </a:defRPr>
+            </a:lvl5pPr>
+            <a:lvl6pPr marL="2286000" indent="0">
+              <a:buNone/>
+              <a:defRPr sz="1600">
+                <a:solidFill>
+                  <a:schemeClr val="tx1">
+                    <a:tint val="75000"/>
+                  </a:schemeClr>
+                </a:solidFill>
+              </a:defRPr>
+            </a:lvl6pPr>
+            <a:lvl7pPr marL="2743200" indent="0">
+              <a:buNone/>
+              <a:defRPr sz="1600">
+                <a:solidFill>
+                  <a:schemeClr val="tx1">
+                    <a:tint val="75000"/>
+                  </a:schemeClr>
+                </a:solidFill>
+              </a:defRPr>
+            </a:lvl7pPr>
+            <a:lvl8pPr marL="3200400" indent="0">
+              <a:buNone/>
+              <a:defRPr sz="1600">
+                <a:solidFill>
+                  <a:schemeClr val="tx1">
+                    <a:tint val="75000"/>
+                  </a:schemeClr>
+                </a:solidFill>
+              </a:defRPr>
+            </a:lvl8pPr>
+            <a:lvl9pPr marL="3657600" indent="0">
+              <a:buNone/>
+              <a:defRPr sz="1600">
+                <a:solidFill>
+                  <a:schemeClr val="tx1">
+                    <a:tint val="75000"/>
+                  </a:schemeClr>
+                </a:solidFill>
+              </a:defRPr>
+            </a:lvl9pPr>
+          </a:lstStyle>
+          <a:p>
+            <a:pPr lvl="0"/>
+            <a:r>
+              <a:rPr lang="en-US"/>
+              <a:t>Click to edit Master text styles</a:t>
+            </a:r>
+          </a:p>
+        </p:txBody>
+      </p:sp>
+      <p:sp>
+        <p:nvSpPr>
+          <p:cNvPr id="4" name="Date Placeholder 3">
+            <a:extLst>
+              <a:ext uri="{FF2B5EF4-FFF2-40B4-BE49-F238E27FC236}">
+                <a16:creationId xmlns:a16="http://schemas.microsoft.com/office/drawing/2014/main" id="{057BD917-179F-4A46-A199-23ABA1F7D075}"/>
+              </a:ext>
+            </a:extLst>
+          </p:cNvPr>
+          <p:cNvSpPr>
+            <a:spLocks noGrp="1"/>
+          </p:cNvSpPr>
+          <p:nvPr>
+            <p:ph type="dt" sz="half" idx="10"/>
+          </p:nvPr>
+        </p:nvSpPr>
+        <p:spPr/>
+        <p:txBody>
+          <a:bodyPr/>
+          <a:lstStyle/>
+          <a:p>
+            <a:fld id="{15417D9E-721A-44BB-8863-9873FE64DA75}" type="datetime1">
+              <a:rPr lang="en-US" smtClean="0"/>
+              <a:t>12/13/21</a:t>
+            </a:fld>
+            <a:endParaRPr lang="en-US"/>
+          </a:p>
+        </p:txBody>
+      </p:sp>
+      <p:sp>
+        <p:nvSpPr>
+          <p:cNvPr id="5" name="Footer Placeholder 4">
+            <a:extLst>
+              <a:ext uri="{FF2B5EF4-FFF2-40B4-BE49-F238E27FC236}">
+                <a16:creationId xmlns:a16="http://schemas.microsoft.com/office/drawing/2014/main" id="{DBB984E4-DE05-1741-8D25-F27BCD067F67}"/>
+              </a:ext>
+            </a:extLst>
+          </p:cNvPr>
+          <p:cNvSpPr>
+            <a:spLocks noGrp="1"/>
+          </p:cNvSpPr>
+          <p:nvPr>
+            <p:ph type="ftr" sz="quarter" idx="11"/>
+          </p:nvPr>
+        </p:nvSpPr>
+        <p:spPr/>
+        <p:txBody>
+          <a:bodyPr/>
+          <a:lstStyle/>
+          <a:p>
+            <a:endParaRPr lang="en-US"/>
+          </a:p>
+        </p:txBody>
+      </p:sp>
+      <p:sp>
+        <p:nvSpPr>
+          <p:cNvPr id="6" name="Slide Number Placeholder 5">
+            <a:extLst>
+              <a:ext uri="{FF2B5EF4-FFF2-40B4-BE49-F238E27FC236}">
+                <a16:creationId xmlns:a16="http://schemas.microsoft.com/office/drawing/2014/main" id="{14035E25-7797-854C-870C-F48E8FA5CB10}"/>
+              </a:ext>
+            </a:extLst>
+          </p:cNvPr>
+          <p:cNvSpPr>
+            <a:spLocks noGrp="1"/>
+          </p:cNvSpPr>
+          <p:nvPr>
+            <p:ph type="sldNum" sz="quarter" idx="12"/>
+          </p:nvPr>
+        </p:nvSpPr>
+        <p:spPr/>
+        <p:txBody>
+          <a:bodyPr/>
+          <a:lstStyle/>
+          <a:p>
+            <a:fld id="{73B850FF-6169-4056-8077-06FFA93A5366}" type="slidenum">
+              <a:rPr lang="en-US" smtClean="0"/>
+              <a:t>‹#›</a:t>
+            </a:fld>
+            <a:endParaRPr lang="en-US"/>
+          </a:p>
+        </p:txBody>
+      </p:sp>
+    </p:spTree>
+    <p:extLst>
+      <p:ext uri="{BB962C8B-B14F-4D97-AF65-F5344CB8AC3E}">
+        <p14:creationId xmlns:p14="http://schemas.microsoft.com/office/powerpoint/2010/main" val="295923766"/>
+      </p:ext>
+    </p:extLst>
+  </p:cSld>
+  <p:clrMapOvr>
+    <a:masterClrMapping/>
+  </p:clrMapOvr>
+</p:sldLayout>
+</file>
+
 <file path=ppt/slideLayouts/slideLayout2.xml><?xml version="1.0" encoding="utf-8"?>
 <p:sldLayout xmlns:a="http://schemas.openxmlformats.org/drawingml/2006/main" xmlns:r="http://schemas.openxmlformats.org/officeDocument/2006/relationships" xmlns:p="http://schemas.openxmlformats.org/presentationml/2006/main" type="obj" preserve="1">
   <p:cSld name="Title and Content">
@@ -7228,6 +8220,1942 @@
     <p:extLst>
       <p:ext uri="{BB962C8B-B14F-4D97-AF65-F5344CB8AC3E}">
         <p14:creationId xmlns:p14="http://schemas.microsoft.com/office/powerpoint/2010/main" val="2893451538"/>
+      </p:ext>
+    </p:extLst>
+  </p:cSld>
+  <p:clrMapOvr>
+    <a:masterClrMapping/>
+  </p:clrMapOvr>
+</p:sldLayout>
+</file>
+
+<file path=ppt/slideLayouts/slideLayout20.xml><?xml version="1.0" encoding="utf-8"?>
+<p:sldLayout xmlns:a="http://schemas.openxmlformats.org/drawingml/2006/main" xmlns:r="http://schemas.openxmlformats.org/officeDocument/2006/relationships" xmlns:p="http://schemas.openxmlformats.org/presentationml/2006/main" type="twoObj" preserve="1">
+  <p:cSld name="Two Content">
+    <p:spTree>
+      <p:nvGrpSpPr>
+        <p:cNvPr id="1" name=""/>
+        <p:cNvGrpSpPr/>
+        <p:nvPr/>
+      </p:nvGrpSpPr>
+      <p:grpSpPr>
+        <a:xfrm>
+          <a:off x="0" y="0"/>
+          <a:ext cx="0" cy="0"/>
+          <a:chOff x="0" y="0"/>
+          <a:chExt cx="0" cy="0"/>
+        </a:xfrm>
+      </p:grpSpPr>
+      <p:sp>
+        <p:nvSpPr>
+          <p:cNvPr id="2" name="Title 1">
+            <a:extLst>
+              <a:ext uri="{FF2B5EF4-FFF2-40B4-BE49-F238E27FC236}">
+                <a16:creationId xmlns:a16="http://schemas.microsoft.com/office/drawing/2014/main" id="{902EFFDE-F72C-D04F-B49F-158DB51528DC}"/>
+              </a:ext>
+            </a:extLst>
+          </p:cNvPr>
+          <p:cNvSpPr>
+            <a:spLocks noGrp="1"/>
+          </p:cNvSpPr>
+          <p:nvPr>
+            <p:ph type="title"/>
+          </p:nvPr>
+        </p:nvSpPr>
+        <p:spPr/>
+        <p:txBody>
+          <a:bodyPr/>
+          <a:lstStyle/>
+          <a:p>
+            <a:r>
+              <a:rPr lang="en-US"/>
+              <a:t>Click to edit Master title style</a:t>
+            </a:r>
+          </a:p>
+        </p:txBody>
+      </p:sp>
+      <p:sp>
+        <p:nvSpPr>
+          <p:cNvPr id="3" name="Content Placeholder 2">
+            <a:extLst>
+              <a:ext uri="{FF2B5EF4-FFF2-40B4-BE49-F238E27FC236}">
+                <a16:creationId xmlns:a16="http://schemas.microsoft.com/office/drawing/2014/main" id="{F8196D64-3CE2-F746-A839-09D954B4B1B0}"/>
+              </a:ext>
+            </a:extLst>
+          </p:cNvPr>
+          <p:cNvSpPr>
+            <a:spLocks noGrp="1"/>
+          </p:cNvSpPr>
+          <p:nvPr>
+            <p:ph sz="half" idx="1"/>
+          </p:nvPr>
+        </p:nvSpPr>
+        <p:spPr>
+          <a:xfrm>
+            <a:off x="838200" y="1825625"/>
+            <a:ext cx="5181600" cy="4351338"/>
+          </a:xfrm>
+        </p:spPr>
+        <p:txBody>
+          <a:bodyPr/>
+          <a:lstStyle/>
+          <a:p>
+            <a:pPr lvl="0"/>
+            <a:r>
+              <a:rPr lang="en-US"/>
+              <a:t>Click to edit Master text styles</a:t>
+            </a:r>
+          </a:p>
+          <a:p>
+            <a:pPr lvl="1"/>
+            <a:r>
+              <a:rPr lang="en-US"/>
+              <a:t>Second level</a:t>
+            </a:r>
+          </a:p>
+          <a:p>
+            <a:pPr lvl="2"/>
+            <a:r>
+              <a:rPr lang="en-US"/>
+              <a:t>Third level</a:t>
+            </a:r>
+          </a:p>
+          <a:p>
+            <a:pPr lvl="3"/>
+            <a:r>
+              <a:rPr lang="en-US"/>
+              <a:t>Fourth level</a:t>
+            </a:r>
+          </a:p>
+          <a:p>
+            <a:pPr lvl="4"/>
+            <a:r>
+              <a:rPr lang="en-US"/>
+              <a:t>Fifth level</a:t>
+            </a:r>
+          </a:p>
+        </p:txBody>
+      </p:sp>
+      <p:sp>
+        <p:nvSpPr>
+          <p:cNvPr id="4" name="Content Placeholder 3">
+            <a:extLst>
+              <a:ext uri="{FF2B5EF4-FFF2-40B4-BE49-F238E27FC236}">
+                <a16:creationId xmlns:a16="http://schemas.microsoft.com/office/drawing/2014/main" id="{5C8F01EA-696D-CA43-935E-FD33A78AE76D}"/>
+              </a:ext>
+            </a:extLst>
+          </p:cNvPr>
+          <p:cNvSpPr>
+            <a:spLocks noGrp="1"/>
+          </p:cNvSpPr>
+          <p:nvPr>
+            <p:ph sz="half" idx="2"/>
+          </p:nvPr>
+        </p:nvSpPr>
+        <p:spPr>
+          <a:xfrm>
+            <a:off x="6172200" y="1825625"/>
+            <a:ext cx="5181600" cy="4351338"/>
+          </a:xfrm>
+        </p:spPr>
+        <p:txBody>
+          <a:bodyPr/>
+          <a:lstStyle/>
+          <a:p>
+            <a:pPr lvl="0"/>
+            <a:r>
+              <a:rPr lang="en-US"/>
+              <a:t>Click to edit Master text styles</a:t>
+            </a:r>
+          </a:p>
+          <a:p>
+            <a:pPr lvl="1"/>
+            <a:r>
+              <a:rPr lang="en-US"/>
+              <a:t>Second level</a:t>
+            </a:r>
+          </a:p>
+          <a:p>
+            <a:pPr lvl="2"/>
+            <a:r>
+              <a:rPr lang="en-US"/>
+              <a:t>Third level</a:t>
+            </a:r>
+          </a:p>
+          <a:p>
+            <a:pPr lvl="3"/>
+            <a:r>
+              <a:rPr lang="en-US"/>
+              <a:t>Fourth level</a:t>
+            </a:r>
+          </a:p>
+          <a:p>
+            <a:pPr lvl="4"/>
+            <a:r>
+              <a:rPr lang="en-US"/>
+              <a:t>Fifth level</a:t>
+            </a:r>
+          </a:p>
+        </p:txBody>
+      </p:sp>
+      <p:sp>
+        <p:nvSpPr>
+          <p:cNvPr id="5" name="Date Placeholder 4">
+            <a:extLst>
+              <a:ext uri="{FF2B5EF4-FFF2-40B4-BE49-F238E27FC236}">
+                <a16:creationId xmlns:a16="http://schemas.microsoft.com/office/drawing/2014/main" id="{F1266F6A-632B-354D-BC6A-3F536196DE6F}"/>
+              </a:ext>
+            </a:extLst>
+          </p:cNvPr>
+          <p:cNvSpPr>
+            <a:spLocks noGrp="1"/>
+          </p:cNvSpPr>
+          <p:nvPr>
+            <p:ph type="dt" sz="half" idx="10"/>
+          </p:nvPr>
+        </p:nvSpPr>
+        <p:spPr/>
+        <p:txBody>
+          <a:bodyPr/>
+          <a:lstStyle/>
+          <a:p>
+            <a:fld id="{5F31DA2F-80B8-49CF-99FB-5ABCA53A607A}" type="datetime1">
+              <a:rPr lang="en-US" smtClean="0"/>
+              <a:t>12/13/21</a:t>
+            </a:fld>
+            <a:endParaRPr lang="en-US"/>
+          </a:p>
+        </p:txBody>
+      </p:sp>
+      <p:sp>
+        <p:nvSpPr>
+          <p:cNvPr id="6" name="Footer Placeholder 5">
+            <a:extLst>
+              <a:ext uri="{FF2B5EF4-FFF2-40B4-BE49-F238E27FC236}">
+                <a16:creationId xmlns:a16="http://schemas.microsoft.com/office/drawing/2014/main" id="{9A22009D-9A30-7C44-8A35-82DDDA224363}"/>
+              </a:ext>
+            </a:extLst>
+          </p:cNvPr>
+          <p:cNvSpPr>
+            <a:spLocks noGrp="1"/>
+          </p:cNvSpPr>
+          <p:nvPr>
+            <p:ph type="ftr" sz="quarter" idx="11"/>
+          </p:nvPr>
+        </p:nvSpPr>
+        <p:spPr/>
+        <p:txBody>
+          <a:bodyPr/>
+          <a:lstStyle/>
+          <a:p>
+            <a:endParaRPr lang="en-US"/>
+          </a:p>
+        </p:txBody>
+      </p:sp>
+      <p:sp>
+        <p:nvSpPr>
+          <p:cNvPr id="7" name="Slide Number Placeholder 6">
+            <a:extLst>
+              <a:ext uri="{FF2B5EF4-FFF2-40B4-BE49-F238E27FC236}">
+                <a16:creationId xmlns:a16="http://schemas.microsoft.com/office/drawing/2014/main" id="{20931F41-BF12-B240-811F-A0C97DEEA7FF}"/>
+              </a:ext>
+            </a:extLst>
+          </p:cNvPr>
+          <p:cNvSpPr>
+            <a:spLocks noGrp="1"/>
+          </p:cNvSpPr>
+          <p:nvPr>
+            <p:ph type="sldNum" sz="quarter" idx="12"/>
+          </p:nvPr>
+        </p:nvSpPr>
+        <p:spPr/>
+        <p:txBody>
+          <a:bodyPr/>
+          <a:lstStyle/>
+          <a:p>
+            <a:fld id="{73B850FF-6169-4056-8077-06FFA93A5366}" type="slidenum">
+              <a:rPr lang="en-US" smtClean="0"/>
+              <a:t>‹#›</a:t>
+            </a:fld>
+            <a:endParaRPr lang="en-US"/>
+          </a:p>
+        </p:txBody>
+      </p:sp>
+    </p:spTree>
+    <p:extLst>
+      <p:ext uri="{BB962C8B-B14F-4D97-AF65-F5344CB8AC3E}">
+        <p14:creationId xmlns:p14="http://schemas.microsoft.com/office/powerpoint/2010/main" val="1537300651"/>
+      </p:ext>
+    </p:extLst>
+  </p:cSld>
+  <p:clrMapOvr>
+    <a:masterClrMapping/>
+  </p:clrMapOvr>
+</p:sldLayout>
+</file>
+
+<file path=ppt/slideLayouts/slideLayout21.xml><?xml version="1.0" encoding="utf-8"?>
+<p:sldLayout xmlns:a="http://schemas.openxmlformats.org/drawingml/2006/main" xmlns:r="http://schemas.openxmlformats.org/officeDocument/2006/relationships" xmlns:p="http://schemas.openxmlformats.org/presentationml/2006/main" type="twoTxTwoObj" preserve="1">
+  <p:cSld name="Comparison">
+    <p:spTree>
+      <p:nvGrpSpPr>
+        <p:cNvPr id="1" name=""/>
+        <p:cNvGrpSpPr/>
+        <p:nvPr/>
+      </p:nvGrpSpPr>
+      <p:grpSpPr>
+        <a:xfrm>
+          <a:off x="0" y="0"/>
+          <a:ext cx="0" cy="0"/>
+          <a:chOff x="0" y="0"/>
+          <a:chExt cx="0" cy="0"/>
+        </a:xfrm>
+      </p:grpSpPr>
+      <p:sp>
+        <p:nvSpPr>
+          <p:cNvPr id="2" name="Title 1">
+            <a:extLst>
+              <a:ext uri="{FF2B5EF4-FFF2-40B4-BE49-F238E27FC236}">
+                <a16:creationId xmlns:a16="http://schemas.microsoft.com/office/drawing/2014/main" id="{C2EA9281-66C0-9842-A002-EB3E954A65C8}"/>
+              </a:ext>
+            </a:extLst>
+          </p:cNvPr>
+          <p:cNvSpPr>
+            <a:spLocks noGrp="1"/>
+          </p:cNvSpPr>
+          <p:nvPr>
+            <p:ph type="title"/>
+          </p:nvPr>
+        </p:nvSpPr>
+        <p:spPr>
+          <a:xfrm>
+            <a:off x="839788" y="365125"/>
+            <a:ext cx="10515600" cy="1325563"/>
+          </a:xfrm>
+        </p:spPr>
+        <p:txBody>
+          <a:bodyPr/>
+          <a:lstStyle/>
+          <a:p>
+            <a:r>
+              <a:rPr lang="en-US"/>
+              <a:t>Click to edit Master title style</a:t>
+            </a:r>
+          </a:p>
+        </p:txBody>
+      </p:sp>
+      <p:sp>
+        <p:nvSpPr>
+          <p:cNvPr id="3" name="Text Placeholder 2">
+            <a:extLst>
+              <a:ext uri="{FF2B5EF4-FFF2-40B4-BE49-F238E27FC236}">
+                <a16:creationId xmlns:a16="http://schemas.microsoft.com/office/drawing/2014/main" id="{ACF0CCDE-5128-0948-A1F5-6AC039D27606}"/>
+              </a:ext>
+            </a:extLst>
+          </p:cNvPr>
+          <p:cNvSpPr>
+            <a:spLocks noGrp="1"/>
+          </p:cNvSpPr>
+          <p:nvPr>
+            <p:ph type="body" idx="1"/>
+          </p:nvPr>
+        </p:nvSpPr>
+        <p:spPr>
+          <a:xfrm>
+            <a:off x="839788" y="1681163"/>
+            <a:ext cx="5157787" cy="823912"/>
+          </a:xfrm>
+        </p:spPr>
+        <p:txBody>
+          <a:bodyPr anchor="b"/>
+          <a:lstStyle>
+            <a:lvl1pPr marL="0" indent="0">
+              <a:buNone/>
+              <a:defRPr sz="2400" b="1"/>
+            </a:lvl1pPr>
+            <a:lvl2pPr marL="457200" indent="0">
+              <a:buNone/>
+              <a:defRPr sz="2000" b="1"/>
+            </a:lvl2pPr>
+            <a:lvl3pPr marL="914400" indent="0">
+              <a:buNone/>
+              <a:defRPr sz="1800" b="1"/>
+            </a:lvl3pPr>
+            <a:lvl4pPr marL="1371600" indent="0">
+              <a:buNone/>
+              <a:defRPr sz="1600" b="1"/>
+            </a:lvl4pPr>
+            <a:lvl5pPr marL="1828800" indent="0">
+              <a:buNone/>
+              <a:defRPr sz="1600" b="1"/>
+            </a:lvl5pPr>
+            <a:lvl6pPr marL="2286000" indent="0">
+              <a:buNone/>
+              <a:defRPr sz="1600" b="1"/>
+            </a:lvl6pPr>
+            <a:lvl7pPr marL="2743200" indent="0">
+              <a:buNone/>
+              <a:defRPr sz="1600" b="1"/>
+            </a:lvl7pPr>
+            <a:lvl8pPr marL="3200400" indent="0">
+              <a:buNone/>
+              <a:defRPr sz="1600" b="1"/>
+            </a:lvl8pPr>
+            <a:lvl9pPr marL="3657600" indent="0">
+              <a:buNone/>
+              <a:defRPr sz="1600" b="1"/>
+            </a:lvl9pPr>
+          </a:lstStyle>
+          <a:p>
+            <a:pPr lvl="0"/>
+            <a:r>
+              <a:rPr lang="en-US"/>
+              <a:t>Click to edit Master text styles</a:t>
+            </a:r>
+          </a:p>
+        </p:txBody>
+      </p:sp>
+      <p:sp>
+        <p:nvSpPr>
+          <p:cNvPr id="4" name="Content Placeholder 3">
+            <a:extLst>
+              <a:ext uri="{FF2B5EF4-FFF2-40B4-BE49-F238E27FC236}">
+                <a16:creationId xmlns:a16="http://schemas.microsoft.com/office/drawing/2014/main" id="{39A86F57-357F-7347-A9C6-8D72853255DF}"/>
+              </a:ext>
+            </a:extLst>
+          </p:cNvPr>
+          <p:cNvSpPr>
+            <a:spLocks noGrp="1"/>
+          </p:cNvSpPr>
+          <p:nvPr>
+            <p:ph sz="half" idx="2"/>
+          </p:nvPr>
+        </p:nvSpPr>
+        <p:spPr>
+          <a:xfrm>
+            <a:off x="839788" y="2505075"/>
+            <a:ext cx="5157787" cy="3684588"/>
+          </a:xfrm>
+        </p:spPr>
+        <p:txBody>
+          <a:bodyPr/>
+          <a:lstStyle/>
+          <a:p>
+            <a:pPr lvl="0"/>
+            <a:r>
+              <a:rPr lang="en-US"/>
+              <a:t>Click to edit Master text styles</a:t>
+            </a:r>
+          </a:p>
+          <a:p>
+            <a:pPr lvl="1"/>
+            <a:r>
+              <a:rPr lang="en-US"/>
+              <a:t>Second level</a:t>
+            </a:r>
+          </a:p>
+          <a:p>
+            <a:pPr lvl="2"/>
+            <a:r>
+              <a:rPr lang="en-US"/>
+              <a:t>Third level</a:t>
+            </a:r>
+          </a:p>
+          <a:p>
+            <a:pPr lvl="3"/>
+            <a:r>
+              <a:rPr lang="en-US"/>
+              <a:t>Fourth level</a:t>
+            </a:r>
+          </a:p>
+          <a:p>
+            <a:pPr lvl="4"/>
+            <a:r>
+              <a:rPr lang="en-US"/>
+              <a:t>Fifth level</a:t>
+            </a:r>
+          </a:p>
+        </p:txBody>
+      </p:sp>
+      <p:sp>
+        <p:nvSpPr>
+          <p:cNvPr id="5" name="Text Placeholder 4">
+            <a:extLst>
+              <a:ext uri="{FF2B5EF4-FFF2-40B4-BE49-F238E27FC236}">
+                <a16:creationId xmlns:a16="http://schemas.microsoft.com/office/drawing/2014/main" id="{F62A4B05-37E8-F24B-B1A9-F303DA585EE7}"/>
+              </a:ext>
+            </a:extLst>
+          </p:cNvPr>
+          <p:cNvSpPr>
+            <a:spLocks noGrp="1"/>
+          </p:cNvSpPr>
+          <p:nvPr>
+            <p:ph type="body" sz="quarter" idx="3"/>
+          </p:nvPr>
+        </p:nvSpPr>
+        <p:spPr>
+          <a:xfrm>
+            <a:off x="6172200" y="1681163"/>
+            <a:ext cx="5183188" cy="823912"/>
+          </a:xfrm>
+        </p:spPr>
+        <p:txBody>
+          <a:bodyPr anchor="b"/>
+          <a:lstStyle>
+            <a:lvl1pPr marL="0" indent="0">
+              <a:buNone/>
+              <a:defRPr sz="2400" b="1"/>
+            </a:lvl1pPr>
+            <a:lvl2pPr marL="457200" indent="0">
+              <a:buNone/>
+              <a:defRPr sz="2000" b="1"/>
+            </a:lvl2pPr>
+            <a:lvl3pPr marL="914400" indent="0">
+              <a:buNone/>
+              <a:defRPr sz="1800" b="1"/>
+            </a:lvl3pPr>
+            <a:lvl4pPr marL="1371600" indent="0">
+              <a:buNone/>
+              <a:defRPr sz="1600" b="1"/>
+            </a:lvl4pPr>
+            <a:lvl5pPr marL="1828800" indent="0">
+              <a:buNone/>
+              <a:defRPr sz="1600" b="1"/>
+            </a:lvl5pPr>
+            <a:lvl6pPr marL="2286000" indent="0">
+              <a:buNone/>
+              <a:defRPr sz="1600" b="1"/>
+            </a:lvl6pPr>
+            <a:lvl7pPr marL="2743200" indent="0">
+              <a:buNone/>
+              <a:defRPr sz="1600" b="1"/>
+            </a:lvl7pPr>
+            <a:lvl8pPr marL="3200400" indent="0">
+              <a:buNone/>
+              <a:defRPr sz="1600" b="1"/>
+            </a:lvl8pPr>
+            <a:lvl9pPr marL="3657600" indent="0">
+              <a:buNone/>
+              <a:defRPr sz="1600" b="1"/>
+            </a:lvl9pPr>
+          </a:lstStyle>
+          <a:p>
+            <a:pPr lvl="0"/>
+            <a:r>
+              <a:rPr lang="en-US"/>
+              <a:t>Click to edit Master text styles</a:t>
+            </a:r>
+          </a:p>
+        </p:txBody>
+      </p:sp>
+      <p:sp>
+        <p:nvSpPr>
+          <p:cNvPr id="6" name="Content Placeholder 5">
+            <a:extLst>
+              <a:ext uri="{FF2B5EF4-FFF2-40B4-BE49-F238E27FC236}">
+                <a16:creationId xmlns:a16="http://schemas.microsoft.com/office/drawing/2014/main" id="{1532CB7B-D7AC-0F48-8885-70C4BAB6F98A}"/>
+              </a:ext>
+            </a:extLst>
+          </p:cNvPr>
+          <p:cNvSpPr>
+            <a:spLocks noGrp="1"/>
+          </p:cNvSpPr>
+          <p:nvPr>
+            <p:ph sz="quarter" idx="4"/>
+          </p:nvPr>
+        </p:nvSpPr>
+        <p:spPr>
+          <a:xfrm>
+            <a:off x="6172200" y="2505075"/>
+            <a:ext cx="5183188" cy="3684588"/>
+          </a:xfrm>
+        </p:spPr>
+        <p:txBody>
+          <a:bodyPr/>
+          <a:lstStyle/>
+          <a:p>
+            <a:pPr lvl="0"/>
+            <a:r>
+              <a:rPr lang="en-US"/>
+              <a:t>Click to edit Master text styles</a:t>
+            </a:r>
+          </a:p>
+          <a:p>
+            <a:pPr lvl="1"/>
+            <a:r>
+              <a:rPr lang="en-US"/>
+              <a:t>Second level</a:t>
+            </a:r>
+          </a:p>
+          <a:p>
+            <a:pPr lvl="2"/>
+            <a:r>
+              <a:rPr lang="en-US"/>
+              <a:t>Third level</a:t>
+            </a:r>
+          </a:p>
+          <a:p>
+            <a:pPr lvl="3"/>
+            <a:r>
+              <a:rPr lang="en-US"/>
+              <a:t>Fourth level</a:t>
+            </a:r>
+          </a:p>
+          <a:p>
+            <a:pPr lvl="4"/>
+            <a:r>
+              <a:rPr lang="en-US"/>
+              <a:t>Fifth level</a:t>
+            </a:r>
+          </a:p>
+        </p:txBody>
+      </p:sp>
+      <p:sp>
+        <p:nvSpPr>
+          <p:cNvPr id="7" name="Date Placeholder 6">
+            <a:extLst>
+              <a:ext uri="{FF2B5EF4-FFF2-40B4-BE49-F238E27FC236}">
+                <a16:creationId xmlns:a16="http://schemas.microsoft.com/office/drawing/2014/main" id="{4685484C-F58D-0642-853A-3DFC71F83F81}"/>
+              </a:ext>
+            </a:extLst>
+          </p:cNvPr>
+          <p:cNvSpPr>
+            <a:spLocks noGrp="1"/>
+          </p:cNvSpPr>
+          <p:nvPr>
+            <p:ph type="dt" sz="half" idx="10"/>
+          </p:nvPr>
+        </p:nvSpPr>
+        <p:spPr/>
+        <p:txBody>
+          <a:bodyPr/>
+          <a:lstStyle/>
+          <a:p>
+            <a:fld id="{28852172-E6C9-4B6C-929A-A9DE3837BBF1}" type="datetime1">
+              <a:rPr lang="en-US" smtClean="0"/>
+              <a:t>12/13/21</a:t>
+            </a:fld>
+            <a:endParaRPr lang="en-US"/>
+          </a:p>
+        </p:txBody>
+      </p:sp>
+      <p:sp>
+        <p:nvSpPr>
+          <p:cNvPr id="8" name="Footer Placeholder 7">
+            <a:extLst>
+              <a:ext uri="{FF2B5EF4-FFF2-40B4-BE49-F238E27FC236}">
+                <a16:creationId xmlns:a16="http://schemas.microsoft.com/office/drawing/2014/main" id="{527924C6-6A9C-F249-87C8-E17A2837C518}"/>
+              </a:ext>
+            </a:extLst>
+          </p:cNvPr>
+          <p:cNvSpPr>
+            <a:spLocks noGrp="1"/>
+          </p:cNvSpPr>
+          <p:nvPr>
+            <p:ph type="ftr" sz="quarter" idx="11"/>
+          </p:nvPr>
+        </p:nvSpPr>
+        <p:spPr/>
+        <p:txBody>
+          <a:bodyPr/>
+          <a:lstStyle/>
+          <a:p>
+            <a:endParaRPr lang="en-US"/>
+          </a:p>
+        </p:txBody>
+      </p:sp>
+      <p:sp>
+        <p:nvSpPr>
+          <p:cNvPr id="9" name="Slide Number Placeholder 8">
+            <a:extLst>
+              <a:ext uri="{FF2B5EF4-FFF2-40B4-BE49-F238E27FC236}">
+                <a16:creationId xmlns:a16="http://schemas.microsoft.com/office/drawing/2014/main" id="{2B72D4C0-46AD-3445-BEDE-D133239F5C45}"/>
+              </a:ext>
+            </a:extLst>
+          </p:cNvPr>
+          <p:cNvSpPr>
+            <a:spLocks noGrp="1"/>
+          </p:cNvSpPr>
+          <p:nvPr>
+            <p:ph type="sldNum" sz="quarter" idx="12"/>
+          </p:nvPr>
+        </p:nvSpPr>
+        <p:spPr/>
+        <p:txBody>
+          <a:bodyPr/>
+          <a:lstStyle/>
+          <a:p>
+            <a:fld id="{73B850FF-6169-4056-8077-06FFA93A5366}" type="slidenum">
+              <a:rPr lang="en-US" smtClean="0"/>
+              <a:t>‹#›</a:t>
+            </a:fld>
+            <a:endParaRPr lang="en-US"/>
+          </a:p>
+        </p:txBody>
+      </p:sp>
+    </p:spTree>
+    <p:extLst>
+      <p:ext uri="{BB962C8B-B14F-4D97-AF65-F5344CB8AC3E}">
+        <p14:creationId xmlns:p14="http://schemas.microsoft.com/office/powerpoint/2010/main" val="1023626966"/>
+      </p:ext>
+    </p:extLst>
+  </p:cSld>
+  <p:clrMapOvr>
+    <a:masterClrMapping/>
+  </p:clrMapOvr>
+</p:sldLayout>
+</file>
+
+<file path=ppt/slideLayouts/slideLayout22.xml><?xml version="1.0" encoding="utf-8"?>
+<p:sldLayout xmlns:a="http://schemas.openxmlformats.org/drawingml/2006/main" xmlns:r="http://schemas.openxmlformats.org/officeDocument/2006/relationships" xmlns:p="http://schemas.openxmlformats.org/presentationml/2006/main" type="titleOnly" preserve="1">
+  <p:cSld name="Title Only">
+    <p:spTree>
+      <p:nvGrpSpPr>
+        <p:cNvPr id="1" name=""/>
+        <p:cNvGrpSpPr/>
+        <p:nvPr/>
+      </p:nvGrpSpPr>
+      <p:grpSpPr>
+        <a:xfrm>
+          <a:off x="0" y="0"/>
+          <a:ext cx="0" cy="0"/>
+          <a:chOff x="0" y="0"/>
+          <a:chExt cx="0" cy="0"/>
+        </a:xfrm>
+      </p:grpSpPr>
+      <p:sp>
+        <p:nvSpPr>
+          <p:cNvPr id="2" name="Title 1">
+            <a:extLst>
+              <a:ext uri="{FF2B5EF4-FFF2-40B4-BE49-F238E27FC236}">
+                <a16:creationId xmlns:a16="http://schemas.microsoft.com/office/drawing/2014/main" id="{F95B0493-45EC-4F47-AC38-9D9AC7BA09B7}"/>
+              </a:ext>
+            </a:extLst>
+          </p:cNvPr>
+          <p:cNvSpPr>
+            <a:spLocks noGrp="1"/>
+          </p:cNvSpPr>
+          <p:nvPr>
+            <p:ph type="title"/>
+          </p:nvPr>
+        </p:nvSpPr>
+        <p:spPr/>
+        <p:txBody>
+          <a:bodyPr/>
+          <a:lstStyle/>
+          <a:p>
+            <a:r>
+              <a:rPr lang="en-US"/>
+              <a:t>Click to edit Master title style</a:t>
+            </a:r>
+          </a:p>
+        </p:txBody>
+      </p:sp>
+      <p:sp>
+        <p:nvSpPr>
+          <p:cNvPr id="3" name="Date Placeholder 2">
+            <a:extLst>
+              <a:ext uri="{FF2B5EF4-FFF2-40B4-BE49-F238E27FC236}">
+                <a16:creationId xmlns:a16="http://schemas.microsoft.com/office/drawing/2014/main" id="{2450D586-6E87-5147-9E57-429D35EE2A08}"/>
+              </a:ext>
+            </a:extLst>
+          </p:cNvPr>
+          <p:cNvSpPr>
+            <a:spLocks noGrp="1"/>
+          </p:cNvSpPr>
+          <p:nvPr>
+            <p:ph type="dt" sz="half" idx="10"/>
+          </p:nvPr>
+        </p:nvSpPr>
+        <p:spPr/>
+        <p:txBody>
+          <a:bodyPr/>
+          <a:lstStyle/>
+          <a:p>
+            <a:fld id="{3AB41CFF-90C9-47B3-9DA1-F2BF8D839F7E}" type="datetime1">
+              <a:rPr lang="en-US" smtClean="0"/>
+              <a:t>12/13/21</a:t>
+            </a:fld>
+            <a:endParaRPr lang="en-US"/>
+          </a:p>
+        </p:txBody>
+      </p:sp>
+      <p:sp>
+        <p:nvSpPr>
+          <p:cNvPr id="4" name="Footer Placeholder 3">
+            <a:extLst>
+              <a:ext uri="{FF2B5EF4-FFF2-40B4-BE49-F238E27FC236}">
+                <a16:creationId xmlns:a16="http://schemas.microsoft.com/office/drawing/2014/main" id="{FF63F41B-13E0-574F-B5F5-F67A9CB80B31}"/>
+              </a:ext>
+            </a:extLst>
+          </p:cNvPr>
+          <p:cNvSpPr>
+            <a:spLocks noGrp="1"/>
+          </p:cNvSpPr>
+          <p:nvPr>
+            <p:ph type="ftr" sz="quarter" idx="11"/>
+          </p:nvPr>
+        </p:nvSpPr>
+        <p:spPr/>
+        <p:txBody>
+          <a:bodyPr/>
+          <a:lstStyle/>
+          <a:p>
+            <a:endParaRPr lang="en-US"/>
+          </a:p>
+        </p:txBody>
+      </p:sp>
+      <p:sp>
+        <p:nvSpPr>
+          <p:cNvPr id="5" name="Slide Number Placeholder 4">
+            <a:extLst>
+              <a:ext uri="{FF2B5EF4-FFF2-40B4-BE49-F238E27FC236}">
+                <a16:creationId xmlns:a16="http://schemas.microsoft.com/office/drawing/2014/main" id="{246ED0AB-9549-CF4C-8359-B0811248ABB3}"/>
+              </a:ext>
+            </a:extLst>
+          </p:cNvPr>
+          <p:cNvSpPr>
+            <a:spLocks noGrp="1"/>
+          </p:cNvSpPr>
+          <p:nvPr>
+            <p:ph type="sldNum" sz="quarter" idx="12"/>
+          </p:nvPr>
+        </p:nvSpPr>
+        <p:spPr/>
+        <p:txBody>
+          <a:bodyPr/>
+          <a:lstStyle/>
+          <a:p>
+            <a:fld id="{73B850FF-6169-4056-8077-06FFA93A5366}" type="slidenum">
+              <a:rPr lang="en-US" smtClean="0"/>
+              <a:t>‹#›</a:t>
+            </a:fld>
+            <a:endParaRPr lang="en-US"/>
+          </a:p>
+        </p:txBody>
+      </p:sp>
+    </p:spTree>
+    <p:extLst>
+      <p:ext uri="{BB962C8B-B14F-4D97-AF65-F5344CB8AC3E}">
+        <p14:creationId xmlns:p14="http://schemas.microsoft.com/office/powerpoint/2010/main" val="666301334"/>
+      </p:ext>
+    </p:extLst>
+  </p:cSld>
+  <p:clrMapOvr>
+    <a:masterClrMapping/>
+  </p:clrMapOvr>
+</p:sldLayout>
+</file>
+
+<file path=ppt/slideLayouts/slideLayout23.xml><?xml version="1.0" encoding="utf-8"?>
+<p:sldLayout xmlns:a="http://schemas.openxmlformats.org/drawingml/2006/main" xmlns:r="http://schemas.openxmlformats.org/officeDocument/2006/relationships" xmlns:p="http://schemas.openxmlformats.org/presentationml/2006/main" type="blank" preserve="1">
+  <p:cSld name="Blank">
+    <p:spTree>
+      <p:nvGrpSpPr>
+        <p:cNvPr id="1" name=""/>
+        <p:cNvGrpSpPr/>
+        <p:nvPr/>
+      </p:nvGrpSpPr>
+      <p:grpSpPr>
+        <a:xfrm>
+          <a:off x="0" y="0"/>
+          <a:ext cx="0" cy="0"/>
+          <a:chOff x="0" y="0"/>
+          <a:chExt cx="0" cy="0"/>
+        </a:xfrm>
+      </p:grpSpPr>
+      <p:sp>
+        <p:nvSpPr>
+          <p:cNvPr id="2" name="Date Placeholder 1">
+            <a:extLst>
+              <a:ext uri="{FF2B5EF4-FFF2-40B4-BE49-F238E27FC236}">
+                <a16:creationId xmlns:a16="http://schemas.microsoft.com/office/drawing/2014/main" id="{EC4DA435-A1E3-834B-9AC9-2D95C600DAA7}"/>
+              </a:ext>
+            </a:extLst>
+          </p:cNvPr>
+          <p:cNvSpPr>
+            <a:spLocks noGrp="1"/>
+          </p:cNvSpPr>
+          <p:nvPr>
+            <p:ph type="dt" sz="half" idx="10"/>
+          </p:nvPr>
+        </p:nvSpPr>
+        <p:spPr/>
+        <p:txBody>
+          <a:bodyPr/>
+          <a:lstStyle/>
+          <a:p>
+            <a:fld id="{F06048FA-06AB-4884-A69B-986B96E68A24}" type="datetime1">
+              <a:rPr lang="en-US" smtClean="0"/>
+              <a:t>12/13/21</a:t>
+            </a:fld>
+            <a:endParaRPr lang="en-US"/>
+          </a:p>
+        </p:txBody>
+      </p:sp>
+      <p:sp>
+        <p:nvSpPr>
+          <p:cNvPr id="3" name="Footer Placeholder 2">
+            <a:extLst>
+              <a:ext uri="{FF2B5EF4-FFF2-40B4-BE49-F238E27FC236}">
+                <a16:creationId xmlns:a16="http://schemas.microsoft.com/office/drawing/2014/main" id="{8CFB7F93-6AAA-B64C-955E-437CB9B0525F}"/>
+              </a:ext>
+            </a:extLst>
+          </p:cNvPr>
+          <p:cNvSpPr>
+            <a:spLocks noGrp="1"/>
+          </p:cNvSpPr>
+          <p:nvPr>
+            <p:ph type="ftr" sz="quarter" idx="11"/>
+          </p:nvPr>
+        </p:nvSpPr>
+        <p:spPr/>
+        <p:txBody>
+          <a:bodyPr/>
+          <a:lstStyle/>
+          <a:p>
+            <a:endParaRPr lang="en-US"/>
+          </a:p>
+        </p:txBody>
+      </p:sp>
+      <p:sp>
+        <p:nvSpPr>
+          <p:cNvPr id="4" name="Slide Number Placeholder 3">
+            <a:extLst>
+              <a:ext uri="{FF2B5EF4-FFF2-40B4-BE49-F238E27FC236}">
+                <a16:creationId xmlns:a16="http://schemas.microsoft.com/office/drawing/2014/main" id="{E6D6B7C0-F84C-DE42-A993-7BD6772E1648}"/>
+              </a:ext>
+            </a:extLst>
+          </p:cNvPr>
+          <p:cNvSpPr>
+            <a:spLocks noGrp="1"/>
+          </p:cNvSpPr>
+          <p:nvPr>
+            <p:ph type="sldNum" sz="quarter" idx="12"/>
+          </p:nvPr>
+        </p:nvSpPr>
+        <p:spPr/>
+        <p:txBody>
+          <a:bodyPr/>
+          <a:lstStyle/>
+          <a:p>
+            <a:fld id="{73B850FF-6169-4056-8077-06FFA93A5366}" type="slidenum">
+              <a:rPr lang="en-US" smtClean="0"/>
+              <a:t>‹#›</a:t>
+            </a:fld>
+            <a:endParaRPr lang="en-US"/>
+          </a:p>
+        </p:txBody>
+      </p:sp>
+    </p:spTree>
+    <p:extLst>
+      <p:ext uri="{BB962C8B-B14F-4D97-AF65-F5344CB8AC3E}">
+        <p14:creationId xmlns:p14="http://schemas.microsoft.com/office/powerpoint/2010/main" val="2049907835"/>
+      </p:ext>
+    </p:extLst>
+  </p:cSld>
+  <p:clrMapOvr>
+    <a:masterClrMapping/>
+  </p:clrMapOvr>
+</p:sldLayout>
+</file>
+
+<file path=ppt/slideLayouts/slideLayout24.xml><?xml version="1.0" encoding="utf-8"?>
+<p:sldLayout xmlns:a="http://schemas.openxmlformats.org/drawingml/2006/main" xmlns:r="http://schemas.openxmlformats.org/officeDocument/2006/relationships" xmlns:p="http://schemas.openxmlformats.org/presentationml/2006/main" type="objTx" preserve="1">
+  <p:cSld name="Content with Caption">
+    <p:spTree>
+      <p:nvGrpSpPr>
+        <p:cNvPr id="1" name=""/>
+        <p:cNvGrpSpPr/>
+        <p:nvPr/>
+      </p:nvGrpSpPr>
+      <p:grpSpPr>
+        <a:xfrm>
+          <a:off x="0" y="0"/>
+          <a:ext cx="0" cy="0"/>
+          <a:chOff x="0" y="0"/>
+          <a:chExt cx="0" cy="0"/>
+        </a:xfrm>
+      </p:grpSpPr>
+      <p:sp>
+        <p:nvSpPr>
+          <p:cNvPr id="2" name="Title 1">
+            <a:extLst>
+              <a:ext uri="{FF2B5EF4-FFF2-40B4-BE49-F238E27FC236}">
+                <a16:creationId xmlns:a16="http://schemas.microsoft.com/office/drawing/2014/main" id="{3248E377-4A5F-CD47-A6A2-FE30F42F1588}"/>
+              </a:ext>
+            </a:extLst>
+          </p:cNvPr>
+          <p:cNvSpPr>
+            <a:spLocks noGrp="1"/>
+          </p:cNvSpPr>
+          <p:nvPr>
+            <p:ph type="title"/>
+          </p:nvPr>
+        </p:nvSpPr>
+        <p:spPr>
+          <a:xfrm>
+            <a:off x="839788" y="457200"/>
+            <a:ext cx="3932237" cy="1600200"/>
+          </a:xfrm>
+        </p:spPr>
+        <p:txBody>
+          <a:bodyPr anchor="b"/>
+          <a:lstStyle>
+            <a:lvl1pPr>
+              <a:defRPr sz="3200"/>
+            </a:lvl1pPr>
+          </a:lstStyle>
+          <a:p>
+            <a:r>
+              <a:rPr lang="en-US"/>
+              <a:t>Click to edit Master title style</a:t>
+            </a:r>
+          </a:p>
+        </p:txBody>
+      </p:sp>
+      <p:sp>
+        <p:nvSpPr>
+          <p:cNvPr id="3" name="Content Placeholder 2">
+            <a:extLst>
+              <a:ext uri="{FF2B5EF4-FFF2-40B4-BE49-F238E27FC236}">
+                <a16:creationId xmlns:a16="http://schemas.microsoft.com/office/drawing/2014/main" id="{958779B5-0272-2642-9914-7A442848F4A4}"/>
+              </a:ext>
+            </a:extLst>
+          </p:cNvPr>
+          <p:cNvSpPr>
+            <a:spLocks noGrp="1"/>
+          </p:cNvSpPr>
+          <p:nvPr>
+            <p:ph idx="1"/>
+          </p:nvPr>
+        </p:nvSpPr>
+        <p:spPr>
+          <a:xfrm>
+            <a:off x="5183188" y="987425"/>
+            <a:ext cx="6172200" cy="4873625"/>
+          </a:xfrm>
+        </p:spPr>
+        <p:txBody>
+          <a:bodyPr/>
+          <a:lstStyle>
+            <a:lvl1pPr>
+              <a:defRPr sz="3200"/>
+            </a:lvl1pPr>
+            <a:lvl2pPr>
+              <a:defRPr sz="2800"/>
+            </a:lvl2pPr>
+            <a:lvl3pPr>
+              <a:defRPr sz="2400"/>
+            </a:lvl3pPr>
+            <a:lvl4pPr>
+              <a:defRPr sz="2000"/>
+            </a:lvl4pPr>
+            <a:lvl5pPr>
+              <a:defRPr sz="2000"/>
+            </a:lvl5pPr>
+            <a:lvl6pPr>
+              <a:defRPr sz="2000"/>
+            </a:lvl6pPr>
+            <a:lvl7pPr>
+              <a:defRPr sz="2000"/>
+            </a:lvl7pPr>
+            <a:lvl8pPr>
+              <a:defRPr sz="2000"/>
+            </a:lvl8pPr>
+            <a:lvl9pPr>
+              <a:defRPr sz="2000"/>
+            </a:lvl9pPr>
+          </a:lstStyle>
+          <a:p>
+            <a:pPr lvl="0"/>
+            <a:r>
+              <a:rPr lang="en-US"/>
+              <a:t>Click to edit Master text styles</a:t>
+            </a:r>
+          </a:p>
+          <a:p>
+            <a:pPr lvl="1"/>
+            <a:r>
+              <a:rPr lang="en-US"/>
+              <a:t>Second level</a:t>
+            </a:r>
+          </a:p>
+          <a:p>
+            <a:pPr lvl="2"/>
+            <a:r>
+              <a:rPr lang="en-US"/>
+              <a:t>Third level</a:t>
+            </a:r>
+          </a:p>
+          <a:p>
+            <a:pPr lvl="3"/>
+            <a:r>
+              <a:rPr lang="en-US"/>
+              <a:t>Fourth level</a:t>
+            </a:r>
+          </a:p>
+          <a:p>
+            <a:pPr lvl="4"/>
+            <a:r>
+              <a:rPr lang="en-US"/>
+              <a:t>Fifth level</a:t>
+            </a:r>
+          </a:p>
+        </p:txBody>
+      </p:sp>
+      <p:sp>
+        <p:nvSpPr>
+          <p:cNvPr id="4" name="Text Placeholder 3">
+            <a:extLst>
+              <a:ext uri="{FF2B5EF4-FFF2-40B4-BE49-F238E27FC236}">
+                <a16:creationId xmlns:a16="http://schemas.microsoft.com/office/drawing/2014/main" id="{8796C23A-E84B-4D49-9F75-51397889BA07}"/>
+              </a:ext>
+            </a:extLst>
+          </p:cNvPr>
+          <p:cNvSpPr>
+            <a:spLocks noGrp="1"/>
+          </p:cNvSpPr>
+          <p:nvPr>
+            <p:ph type="body" sz="half" idx="2"/>
+          </p:nvPr>
+        </p:nvSpPr>
+        <p:spPr>
+          <a:xfrm>
+            <a:off x="839788" y="2057400"/>
+            <a:ext cx="3932237" cy="3811588"/>
+          </a:xfrm>
+        </p:spPr>
+        <p:txBody>
+          <a:bodyPr/>
+          <a:lstStyle>
+            <a:lvl1pPr marL="0" indent="0">
+              <a:buNone/>
+              <a:defRPr sz="1600"/>
+            </a:lvl1pPr>
+            <a:lvl2pPr marL="457200" indent="0">
+              <a:buNone/>
+              <a:defRPr sz="1400"/>
+            </a:lvl2pPr>
+            <a:lvl3pPr marL="914400" indent="0">
+              <a:buNone/>
+              <a:defRPr sz="1200"/>
+            </a:lvl3pPr>
+            <a:lvl4pPr marL="1371600" indent="0">
+              <a:buNone/>
+              <a:defRPr sz="1000"/>
+            </a:lvl4pPr>
+            <a:lvl5pPr marL="1828800" indent="0">
+              <a:buNone/>
+              <a:defRPr sz="1000"/>
+            </a:lvl5pPr>
+            <a:lvl6pPr marL="2286000" indent="0">
+              <a:buNone/>
+              <a:defRPr sz="1000"/>
+            </a:lvl6pPr>
+            <a:lvl7pPr marL="2743200" indent="0">
+              <a:buNone/>
+              <a:defRPr sz="1000"/>
+            </a:lvl7pPr>
+            <a:lvl8pPr marL="3200400" indent="0">
+              <a:buNone/>
+              <a:defRPr sz="1000"/>
+            </a:lvl8pPr>
+            <a:lvl9pPr marL="3657600" indent="0">
+              <a:buNone/>
+              <a:defRPr sz="1000"/>
+            </a:lvl9pPr>
+          </a:lstStyle>
+          <a:p>
+            <a:pPr lvl="0"/>
+            <a:r>
+              <a:rPr lang="en-US"/>
+              <a:t>Click to edit Master text styles</a:t>
+            </a:r>
+          </a:p>
+        </p:txBody>
+      </p:sp>
+      <p:sp>
+        <p:nvSpPr>
+          <p:cNvPr id="5" name="Date Placeholder 4">
+            <a:extLst>
+              <a:ext uri="{FF2B5EF4-FFF2-40B4-BE49-F238E27FC236}">
+                <a16:creationId xmlns:a16="http://schemas.microsoft.com/office/drawing/2014/main" id="{B1A1CCD4-0437-B946-BDD0-04475C263E6F}"/>
+              </a:ext>
+            </a:extLst>
+          </p:cNvPr>
+          <p:cNvSpPr>
+            <a:spLocks noGrp="1"/>
+          </p:cNvSpPr>
+          <p:nvPr>
+            <p:ph type="dt" sz="half" idx="10"/>
+          </p:nvPr>
+        </p:nvSpPr>
+        <p:spPr/>
+        <p:txBody>
+          <a:bodyPr/>
+          <a:lstStyle/>
+          <a:p>
+            <a:fld id="{50DB7ABA-0172-4F9C-889D-567164F66BCD}" type="datetime1">
+              <a:rPr lang="en-US" smtClean="0"/>
+              <a:t>12/13/21</a:t>
+            </a:fld>
+            <a:endParaRPr lang="en-US"/>
+          </a:p>
+        </p:txBody>
+      </p:sp>
+      <p:sp>
+        <p:nvSpPr>
+          <p:cNvPr id="6" name="Footer Placeholder 5">
+            <a:extLst>
+              <a:ext uri="{FF2B5EF4-FFF2-40B4-BE49-F238E27FC236}">
+                <a16:creationId xmlns:a16="http://schemas.microsoft.com/office/drawing/2014/main" id="{C59F1C85-EC4D-1247-B971-E942244FE6EA}"/>
+              </a:ext>
+            </a:extLst>
+          </p:cNvPr>
+          <p:cNvSpPr>
+            <a:spLocks noGrp="1"/>
+          </p:cNvSpPr>
+          <p:nvPr>
+            <p:ph type="ftr" sz="quarter" idx="11"/>
+          </p:nvPr>
+        </p:nvSpPr>
+        <p:spPr/>
+        <p:txBody>
+          <a:bodyPr/>
+          <a:lstStyle/>
+          <a:p>
+            <a:endParaRPr lang="en-US"/>
+          </a:p>
+        </p:txBody>
+      </p:sp>
+      <p:sp>
+        <p:nvSpPr>
+          <p:cNvPr id="7" name="Slide Number Placeholder 6">
+            <a:extLst>
+              <a:ext uri="{FF2B5EF4-FFF2-40B4-BE49-F238E27FC236}">
+                <a16:creationId xmlns:a16="http://schemas.microsoft.com/office/drawing/2014/main" id="{B3A90A50-EE75-6B4F-8601-8FE5EBDC99C9}"/>
+              </a:ext>
+            </a:extLst>
+          </p:cNvPr>
+          <p:cNvSpPr>
+            <a:spLocks noGrp="1"/>
+          </p:cNvSpPr>
+          <p:nvPr>
+            <p:ph type="sldNum" sz="quarter" idx="12"/>
+          </p:nvPr>
+        </p:nvSpPr>
+        <p:spPr/>
+        <p:txBody>
+          <a:bodyPr/>
+          <a:lstStyle/>
+          <a:p>
+            <a:fld id="{73B850FF-6169-4056-8077-06FFA93A5366}" type="slidenum">
+              <a:rPr lang="en-US" smtClean="0"/>
+              <a:t>‹#›</a:t>
+            </a:fld>
+            <a:endParaRPr lang="en-US"/>
+          </a:p>
+        </p:txBody>
+      </p:sp>
+    </p:spTree>
+    <p:extLst>
+      <p:ext uri="{BB962C8B-B14F-4D97-AF65-F5344CB8AC3E}">
+        <p14:creationId xmlns:p14="http://schemas.microsoft.com/office/powerpoint/2010/main" val="2465140591"/>
+      </p:ext>
+    </p:extLst>
+  </p:cSld>
+  <p:clrMapOvr>
+    <a:masterClrMapping/>
+  </p:clrMapOvr>
+</p:sldLayout>
+</file>
+
+<file path=ppt/slideLayouts/slideLayout25.xml><?xml version="1.0" encoding="utf-8"?>
+<p:sldLayout xmlns:a="http://schemas.openxmlformats.org/drawingml/2006/main" xmlns:r="http://schemas.openxmlformats.org/officeDocument/2006/relationships" xmlns:p="http://schemas.openxmlformats.org/presentationml/2006/main" type="picTx" preserve="1">
+  <p:cSld name="Picture with Caption">
+    <p:spTree>
+      <p:nvGrpSpPr>
+        <p:cNvPr id="1" name=""/>
+        <p:cNvGrpSpPr/>
+        <p:nvPr/>
+      </p:nvGrpSpPr>
+      <p:grpSpPr>
+        <a:xfrm>
+          <a:off x="0" y="0"/>
+          <a:ext cx="0" cy="0"/>
+          <a:chOff x="0" y="0"/>
+          <a:chExt cx="0" cy="0"/>
+        </a:xfrm>
+      </p:grpSpPr>
+      <p:sp>
+        <p:nvSpPr>
+          <p:cNvPr id="2" name="Title 1">
+            <a:extLst>
+              <a:ext uri="{FF2B5EF4-FFF2-40B4-BE49-F238E27FC236}">
+                <a16:creationId xmlns:a16="http://schemas.microsoft.com/office/drawing/2014/main" id="{B8D7A830-6083-EB4C-9990-5DEEB7126628}"/>
+              </a:ext>
+            </a:extLst>
+          </p:cNvPr>
+          <p:cNvSpPr>
+            <a:spLocks noGrp="1"/>
+          </p:cNvSpPr>
+          <p:nvPr>
+            <p:ph type="title"/>
+          </p:nvPr>
+        </p:nvSpPr>
+        <p:spPr>
+          <a:xfrm>
+            <a:off x="839788" y="457200"/>
+            <a:ext cx="3932237" cy="1600200"/>
+          </a:xfrm>
+        </p:spPr>
+        <p:txBody>
+          <a:bodyPr anchor="b"/>
+          <a:lstStyle>
+            <a:lvl1pPr>
+              <a:defRPr sz="3200"/>
+            </a:lvl1pPr>
+          </a:lstStyle>
+          <a:p>
+            <a:r>
+              <a:rPr lang="en-US"/>
+              <a:t>Click to edit Master title style</a:t>
+            </a:r>
+          </a:p>
+        </p:txBody>
+      </p:sp>
+      <p:sp>
+        <p:nvSpPr>
+          <p:cNvPr id="3" name="Picture Placeholder 2">
+            <a:extLst>
+              <a:ext uri="{FF2B5EF4-FFF2-40B4-BE49-F238E27FC236}">
+                <a16:creationId xmlns:a16="http://schemas.microsoft.com/office/drawing/2014/main" id="{4E4D5F50-7915-3A45-908C-787F6CAB38CF}"/>
+              </a:ext>
+            </a:extLst>
+          </p:cNvPr>
+          <p:cNvSpPr>
+            <a:spLocks noGrp="1"/>
+          </p:cNvSpPr>
+          <p:nvPr>
+            <p:ph type="pic" idx="1"/>
+          </p:nvPr>
+        </p:nvSpPr>
+        <p:spPr>
+          <a:xfrm>
+            <a:off x="5183188" y="987425"/>
+            <a:ext cx="6172200" cy="4873625"/>
+          </a:xfrm>
+        </p:spPr>
+        <p:txBody>
+          <a:bodyPr/>
+          <a:lstStyle>
+            <a:lvl1pPr marL="0" indent="0">
+              <a:buNone/>
+              <a:defRPr sz="3200"/>
+            </a:lvl1pPr>
+            <a:lvl2pPr marL="457200" indent="0">
+              <a:buNone/>
+              <a:defRPr sz="2800"/>
+            </a:lvl2pPr>
+            <a:lvl3pPr marL="914400" indent="0">
+              <a:buNone/>
+              <a:defRPr sz="2400"/>
+            </a:lvl3pPr>
+            <a:lvl4pPr marL="1371600" indent="0">
+              <a:buNone/>
+              <a:defRPr sz="2000"/>
+            </a:lvl4pPr>
+            <a:lvl5pPr marL="1828800" indent="0">
+              <a:buNone/>
+              <a:defRPr sz="2000"/>
+            </a:lvl5pPr>
+            <a:lvl6pPr marL="2286000" indent="0">
+              <a:buNone/>
+              <a:defRPr sz="2000"/>
+            </a:lvl6pPr>
+            <a:lvl7pPr marL="2743200" indent="0">
+              <a:buNone/>
+              <a:defRPr sz="2000"/>
+            </a:lvl7pPr>
+            <a:lvl8pPr marL="3200400" indent="0">
+              <a:buNone/>
+              <a:defRPr sz="2000"/>
+            </a:lvl8pPr>
+            <a:lvl9pPr marL="3657600" indent="0">
+              <a:buNone/>
+              <a:defRPr sz="2000"/>
+            </a:lvl9pPr>
+          </a:lstStyle>
+          <a:p>
+            <a:endParaRPr lang="en-US"/>
+          </a:p>
+        </p:txBody>
+      </p:sp>
+      <p:sp>
+        <p:nvSpPr>
+          <p:cNvPr id="4" name="Text Placeholder 3">
+            <a:extLst>
+              <a:ext uri="{FF2B5EF4-FFF2-40B4-BE49-F238E27FC236}">
+                <a16:creationId xmlns:a16="http://schemas.microsoft.com/office/drawing/2014/main" id="{650572C7-FAB3-5641-9B85-A2A04608FB86}"/>
+              </a:ext>
+            </a:extLst>
+          </p:cNvPr>
+          <p:cNvSpPr>
+            <a:spLocks noGrp="1"/>
+          </p:cNvSpPr>
+          <p:nvPr>
+            <p:ph type="body" sz="half" idx="2"/>
+          </p:nvPr>
+        </p:nvSpPr>
+        <p:spPr>
+          <a:xfrm>
+            <a:off x="839788" y="2057400"/>
+            <a:ext cx="3932237" cy="3811588"/>
+          </a:xfrm>
+        </p:spPr>
+        <p:txBody>
+          <a:bodyPr/>
+          <a:lstStyle>
+            <a:lvl1pPr marL="0" indent="0">
+              <a:buNone/>
+              <a:defRPr sz="1600"/>
+            </a:lvl1pPr>
+            <a:lvl2pPr marL="457200" indent="0">
+              <a:buNone/>
+              <a:defRPr sz="1400"/>
+            </a:lvl2pPr>
+            <a:lvl3pPr marL="914400" indent="0">
+              <a:buNone/>
+              <a:defRPr sz="1200"/>
+            </a:lvl3pPr>
+            <a:lvl4pPr marL="1371600" indent="0">
+              <a:buNone/>
+              <a:defRPr sz="1000"/>
+            </a:lvl4pPr>
+            <a:lvl5pPr marL="1828800" indent="0">
+              <a:buNone/>
+              <a:defRPr sz="1000"/>
+            </a:lvl5pPr>
+            <a:lvl6pPr marL="2286000" indent="0">
+              <a:buNone/>
+              <a:defRPr sz="1000"/>
+            </a:lvl6pPr>
+            <a:lvl7pPr marL="2743200" indent="0">
+              <a:buNone/>
+              <a:defRPr sz="1000"/>
+            </a:lvl7pPr>
+            <a:lvl8pPr marL="3200400" indent="0">
+              <a:buNone/>
+              <a:defRPr sz="1000"/>
+            </a:lvl8pPr>
+            <a:lvl9pPr marL="3657600" indent="0">
+              <a:buNone/>
+              <a:defRPr sz="1000"/>
+            </a:lvl9pPr>
+          </a:lstStyle>
+          <a:p>
+            <a:pPr lvl="0"/>
+            <a:r>
+              <a:rPr lang="en-US"/>
+              <a:t>Click to edit Master text styles</a:t>
+            </a:r>
+          </a:p>
+        </p:txBody>
+      </p:sp>
+      <p:sp>
+        <p:nvSpPr>
+          <p:cNvPr id="5" name="Date Placeholder 4">
+            <a:extLst>
+              <a:ext uri="{FF2B5EF4-FFF2-40B4-BE49-F238E27FC236}">
+                <a16:creationId xmlns:a16="http://schemas.microsoft.com/office/drawing/2014/main" id="{07032307-7BF9-DB42-998D-B226F18E2EEE}"/>
+              </a:ext>
+            </a:extLst>
+          </p:cNvPr>
+          <p:cNvSpPr>
+            <a:spLocks noGrp="1"/>
+          </p:cNvSpPr>
+          <p:nvPr>
+            <p:ph type="dt" sz="half" idx="10"/>
+          </p:nvPr>
+        </p:nvSpPr>
+        <p:spPr/>
+        <p:txBody>
+          <a:bodyPr/>
+          <a:lstStyle/>
+          <a:p>
+            <a:fld id="{78AC6A5B-8AE7-4A41-B5A7-9ADC6686DC18}" type="datetime1">
+              <a:rPr lang="en-US" smtClean="0"/>
+              <a:t>12/13/21</a:t>
+            </a:fld>
+            <a:endParaRPr lang="en-US"/>
+          </a:p>
+        </p:txBody>
+      </p:sp>
+      <p:sp>
+        <p:nvSpPr>
+          <p:cNvPr id="6" name="Footer Placeholder 5">
+            <a:extLst>
+              <a:ext uri="{FF2B5EF4-FFF2-40B4-BE49-F238E27FC236}">
+                <a16:creationId xmlns:a16="http://schemas.microsoft.com/office/drawing/2014/main" id="{753A914B-F84D-2849-A3CC-E83B64330CD9}"/>
+              </a:ext>
+            </a:extLst>
+          </p:cNvPr>
+          <p:cNvSpPr>
+            <a:spLocks noGrp="1"/>
+          </p:cNvSpPr>
+          <p:nvPr>
+            <p:ph type="ftr" sz="quarter" idx="11"/>
+          </p:nvPr>
+        </p:nvSpPr>
+        <p:spPr/>
+        <p:txBody>
+          <a:bodyPr/>
+          <a:lstStyle/>
+          <a:p>
+            <a:endParaRPr lang="en-US"/>
+          </a:p>
+        </p:txBody>
+      </p:sp>
+      <p:sp>
+        <p:nvSpPr>
+          <p:cNvPr id="7" name="Slide Number Placeholder 6">
+            <a:extLst>
+              <a:ext uri="{FF2B5EF4-FFF2-40B4-BE49-F238E27FC236}">
+                <a16:creationId xmlns:a16="http://schemas.microsoft.com/office/drawing/2014/main" id="{E5AE5779-85EE-584F-8101-BDA9264245EF}"/>
+              </a:ext>
+            </a:extLst>
+          </p:cNvPr>
+          <p:cNvSpPr>
+            <a:spLocks noGrp="1"/>
+          </p:cNvSpPr>
+          <p:nvPr>
+            <p:ph type="sldNum" sz="quarter" idx="12"/>
+          </p:nvPr>
+        </p:nvSpPr>
+        <p:spPr/>
+        <p:txBody>
+          <a:bodyPr/>
+          <a:lstStyle/>
+          <a:p>
+            <a:fld id="{73B850FF-6169-4056-8077-06FFA93A5366}" type="slidenum">
+              <a:rPr lang="en-US" smtClean="0"/>
+              <a:t>‹#›</a:t>
+            </a:fld>
+            <a:endParaRPr lang="en-US"/>
+          </a:p>
+        </p:txBody>
+      </p:sp>
+    </p:spTree>
+    <p:extLst>
+      <p:ext uri="{BB962C8B-B14F-4D97-AF65-F5344CB8AC3E}">
+        <p14:creationId xmlns:p14="http://schemas.microsoft.com/office/powerpoint/2010/main" val="1064860287"/>
+      </p:ext>
+    </p:extLst>
+  </p:cSld>
+  <p:clrMapOvr>
+    <a:masterClrMapping/>
+  </p:clrMapOvr>
+</p:sldLayout>
+</file>
+
+<file path=ppt/slideLayouts/slideLayout26.xml><?xml version="1.0" encoding="utf-8"?>
+<p:sldLayout xmlns:a="http://schemas.openxmlformats.org/drawingml/2006/main" xmlns:r="http://schemas.openxmlformats.org/officeDocument/2006/relationships" xmlns:p="http://schemas.openxmlformats.org/presentationml/2006/main" type="vertTx" preserve="1">
+  <p:cSld name="Title and Vertical Text">
+    <p:spTree>
+      <p:nvGrpSpPr>
+        <p:cNvPr id="1" name=""/>
+        <p:cNvGrpSpPr/>
+        <p:nvPr/>
+      </p:nvGrpSpPr>
+      <p:grpSpPr>
+        <a:xfrm>
+          <a:off x="0" y="0"/>
+          <a:ext cx="0" cy="0"/>
+          <a:chOff x="0" y="0"/>
+          <a:chExt cx="0" cy="0"/>
+        </a:xfrm>
+      </p:grpSpPr>
+      <p:sp>
+        <p:nvSpPr>
+          <p:cNvPr id="2" name="Title 1">
+            <a:extLst>
+              <a:ext uri="{FF2B5EF4-FFF2-40B4-BE49-F238E27FC236}">
+                <a16:creationId xmlns:a16="http://schemas.microsoft.com/office/drawing/2014/main" id="{89BADF26-FB69-B44F-B29F-0221F3DF5AA4}"/>
+              </a:ext>
+            </a:extLst>
+          </p:cNvPr>
+          <p:cNvSpPr>
+            <a:spLocks noGrp="1"/>
+          </p:cNvSpPr>
+          <p:nvPr>
+            <p:ph type="title"/>
+          </p:nvPr>
+        </p:nvSpPr>
+        <p:spPr/>
+        <p:txBody>
+          <a:bodyPr/>
+          <a:lstStyle/>
+          <a:p>
+            <a:r>
+              <a:rPr lang="en-US"/>
+              <a:t>Click to edit Master title style</a:t>
+            </a:r>
+          </a:p>
+        </p:txBody>
+      </p:sp>
+      <p:sp>
+        <p:nvSpPr>
+          <p:cNvPr id="3" name="Vertical Text Placeholder 2">
+            <a:extLst>
+              <a:ext uri="{FF2B5EF4-FFF2-40B4-BE49-F238E27FC236}">
+                <a16:creationId xmlns:a16="http://schemas.microsoft.com/office/drawing/2014/main" id="{67452BA0-6C32-6447-894D-95BC3547A706}"/>
+              </a:ext>
+            </a:extLst>
+          </p:cNvPr>
+          <p:cNvSpPr>
+            <a:spLocks noGrp="1"/>
+          </p:cNvSpPr>
+          <p:nvPr>
+            <p:ph type="body" orient="vert" idx="1"/>
+          </p:nvPr>
+        </p:nvSpPr>
+        <p:spPr/>
+        <p:txBody>
+          <a:bodyPr vert="eaVert"/>
+          <a:lstStyle/>
+          <a:p>
+            <a:pPr lvl="0"/>
+            <a:r>
+              <a:rPr lang="en-US"/>
+              <a:t>Click to edit Master text styles</a:t>
+            </a:r>
+          </a:p>
+          <a:p>
+            <a:pPr lvl="1"/>
+            <a:r>
+              <a:rPr lang="en-US"/>
+              <a:t>Second level</a:t>
+            </a:r>
+          </a:p>
+          <a:p>
+            <a:pPr lvl="2"/>
+            <a:r>
+              <a:rPr lang="en-US"/>
+              <a:t>Third level</a:t>
+            </a:r>
+          </a:p>
+          <a:p>
+            <a:pPr lvl="3"/>
+            <a:r>
+              <a:rPr lang="en-US"/>
+              <a:t>Fourth level</a:t>
+            </a:r>
+          </a:p>
+          <a:p>
+            <a:pPr lvl="4"/>
+            <a:r>
+              <a:rPr lang="en-US"/>
+              <a:t>Fifth level</a:t>
+            </a:r>
+          </a:p>
+        </p:txBody>
+      </p:sp>
+      <p:sp>
+        <p:nvSpPr>
+          <p:cNvPr id="4" name="Date Placeholder 3">
+            <a:extLst>
+              <a:ext uri="{FF2B5EF4-FFF2-40B4-BE49-F238E27FC236}">
+                <a16:creationId xmlns:a16="http://schemas.microsoft.com/office/drawing/2014/main" id="{A0D2B4FC-C80F-964E-B3B2-231E4DD707C2}"/>
+              </a:ext>
+            </a:extLst>
+          </p:cNvPr>
+          <p:cNvSpPr>
+            <a:spLocks noGrp="1"/>
+          </p:cNvSpPr>
+          <p:nvPr>
+            <p:ph type="dt" sz="half" idx="10"/>
+          </p:nvPr>
+        </p:nvSpPr>
+        <p:spPr/>
+        <p:txBody>
+          <a:bodyPr/>
+          <a:lstStyle/>
+          <a:p>
+            <a:fld id="{4C559632-1575-4E14-B53B-3DC3D5ED3947}" type="datetime1">
+              <a:rPr lang="en-US" smtClean="0"/>
+              <a:t>12/13/21</a:t>
+            </a:fld>
+            <a:endParaRPr lang="en-US"/>
+          </a:p>
+        </p:txBody>
+      </p:sp>
+      <p:sp>
+        <p:nvSpPr>
+          <p:cNvPr id="5" name="Footer Placeholder 4">
+            <a:extLst>
+              <a:ext uri="{FF2B5EF4-FFF2-40B4-BE49-F238E27FC236}">
+                <a16:creationId xmlns:a16="http://schemas.microsoft.com/office/drawing/2014/main" id="{6879610D-1896-8C49-B49E-1B22D4B86756}"/>
+              </a:ext>
+            </a:extLst>
+          </p:cNvPr>
+          <p:cNvSpPr>
+            <a:spLocks noGrp="1"/>
+          </p:cNvSpPr>
+          <p:nvPr>
+            <p:ph type="ftr" sz="quarter" idx="11"/>
+          </p:nvPr>
+        </p:nvSpPr>
+        <p:spPr/>
+        <p:txBody>
+          <a:bodyPr/>
+          <a:lstStyle/>
+          <a:p>
+            <a:endParaRPr lang="en-US"/>
+          </a:p>
+        </p:txBody>
+      </p:sp>
+      <p:sp>
+        <p:nvSpPr>
+          <p:cNvPr id="6" name="Slide Number Placeholder 5">
+            <a:extLst>
+              <a:ext uri="{FF2B5EF4-FFF2-40B4-BE49-F238E27FC236}">
+                <a16:creationId xmlns:a16="http://schemas.microsoft.com/office/drawing/2014/main" id="{57BD4229-FF46-CD4E-92CC-870B126D3074}"/>
+              </a:ext>
+            </a:extLst>
+          </p:cNvPr>
+          <p:cNvSpPr>
+            <a:spLocks noGrp="1"/>
+          </p:cNvSpPr>
+          <p:nvPr>
+            <p:ph type="sldNum" sz="quarter" idx="12"/>
+          </p:nvPr>
+        </p:nvSpPr>
+        <p:spPr/>
+        <p:txBody>
+          <a:bodyPr/>
+          <a:lstStyle/>
+          <a:p>
+            <a:fld id="{73B850FF-6169-4056-8077-06FFA93A5366}" type="slidenum">
+              <a:rPr lang="en-US" smtClean="0"/>
+              <a:t>‹#›</a:t>
+            </a:fld>
+            <a:endParaRPr lang="en-US"/>
+          </a:p>
+        </p:txBody>
+      </p:sp>
+    </p:spTree>
+    <p:extLst>
+      <p:ext uri="{BB962C8B-B14F-4D97-AF65-F5344CB8AC3E}">
+        <p14:creationId xmlns:p14="http://schemas.microsoft.com/office/powerpoint/2010/main" val="3934480617"/>
+      </p:ext>
+    </p:extLst>
+  </p:cSld>
+  <p:clrMapOvr>
+    <a:masterClrMapping/>
+  </p:clrMapOvr>
+</p:sldLayout>
+</file>
+
+<file path=ppt/slideLayouts/slideLayout27.xml><?xml version="1.0" encoding="utf-8"?>
+<p:sldLayout xmlns:a="http://schemas.openxmlformats.org/drawingml/2006/main" xmlns:r="http://schemas.openxmlformats.org/officeDocument/2006/relationships" xmlns:p="http://schemas.openxmlformats.org/presentationml/2006/main" type="vertTitleAndTx" preserve="1">
+  <p:cSld name="Vertical Title and Text">
+    <p:spTree>
+      <p:nvGrpSpPr>
+        <p:cNvPr id="1" name=""/>
+        <p:cNvGrpSpPr/>
+        <p:nvPr/>
+      </p:nvGrpSpPr>
+      <p:grpSpPr>
+        <a:xfrm>
+          <a:off x="0" y="0"/>
+          <a:ext cx="0" cy="0"/>
+          <a:chOff x="0" y="0"/>
+          <a:chExt cx="0" cy="0"/>
+        </a:xfrm>
+      </p:grpSpPr>
+      <p:sp>
+        <p:nvSpPr>
+          <p:cNvPr id="2" name="Vertical Title 1">
+            <a:extLst>
+              <a:ext uri="{FF2B5EF4-FFF2-40B4-BE49-F238E27FC236}">
+                <a16:creationId xmlns:a16="http://schemas.microsoft.com/office/drawing/2014/main" id="{B71EE07B-2152-D547-98DD-FA7B35203780}"/>
+              </a:ext>
+            </a:extLst>
+          </p:cNvPr>
+          <p:cNvSpPr>
+            <a:spLocks noGrp="1"/>
+          </p:cNvSpPr>
+          <p:nvPr>
+            <p:ph type="title" orient="vert"/>
+          </p:nvPr>
+        </p:nvSpPr>
+        <p:spPr>
+          <a:xfrm>
+            <a:off x="8724900" y="365125"/>
+            <a:ext cx="2628900" cy="5811838"/>
+          </a:xfrm>
+        </p:spPr>
+        <p:txBody>
+          <a:bodyPr vert="eaVert"/>
+          <a:lstStyle/>
+          <a:p>
+            <a:r>
+              <a:rPr lang="en-US"/>
+              <a:t>Click to edit Master title style</a:t>
+            </a:r>
+          </a:p>
+        </p:txBody>
+      </p:sp>
+      <p:sp>
+        <p:nvSpPr>
+          <p:cNvPr id="3" name="Vertical Text Placeholder 2">
+            <a:extLst>
+              <a:ext uri="{FF2B5EF4-FFF2-40B4-BE49-F238E27FC236}">
+                <a16:creationId xmlns:a16="http://schemas.microsoft.com/office/drawing/2014/main" id="{791BEEB4-F6F2-1746-89F4-A6504F942A42}"/>
+              </a:ext>
+            </a:extLst>
+          </p:cNvPr>
+          <p:cNvSpPr>
+            <a:spLocks noGrp="1"/>
+          </p:cNvSpPr>
+          <p:nvPr>
+            <p:ph type="body" orient="vert" idx="1"/>
+          </p:nvPr>
+        </p:nvSpPr>
+        <p:spPr>
+          <a:xfrm>
+            <a:off x="838200" y="365125"/>
+            <a:ext cx="7734300" cy="5811838"/>
+          </a:xfrm>
+        </p:spPr>
+        <p:txBody>
+          <a:bodyPr vert="eaVert"/>
+          <a:lstStyle/>
+          <a:p>
+            <a:pPr lvl="0"/>
+            <a:r>
+              <a:rPr lang="en-US"/>
+              <a:t>Click to edit Master text styles</a:t>
+            </a:r>
+          </a:p>
+          <a:p>
+            <a:pPr lvl="1"/>
+            <a:r>
+              <a:rPr lang="en-US"/>
+              <a:t>Second level</a:t>
+            </a:r>
+          </a:p>
+          <a:p>
+            <a:pPr lvl="2"/>
+            <a:r>
+              <a:rPr lang="en-US"/>
+              <a:t>Third level</a:t>
+            </a:r>
+          </a:p>
+          <a:p>
+            <a:pPr lvl="3"/>
+            <a:r>
+              <a:rPr lang="en-US"/>
+              <a:t>Fourth level</a:t>
+            </a:r>
+          </a:p>
+          <a:p>
+            <a:pPr lvl="4"/>
+            <a:r>
+              <a:rPr lang="en-US"/>
+              <a:t>Fifth level</a:t>
+            </a:r>
+          </a:p>
+        </p:txBody>
+      </p:sp>
+      <p:sp>
+        <p:nvSpPr>
+          <p:cNvPr id="4" name="Date Placeholder 3">
+            <a:extLst>
+              <a:ext uri="{FF2B5EF4-FFF2-40B4-BE49-F238E27FC236}">
+                <a16:creationId xmlns:a16="http://schemas.microsoft.com/office/drawing/2014/main" id="{83458288-8D2F-4648-860C-0DFC69D7FA53}"/>
+              </a:ext>
+            </a:extLst>
+          </p:cNvPr>
+          <p:cNvSpPr>
+            <a:spLocks noGrp="1"/>
+          </p:cNvSpPr>
+          <p:nvPr>
+            <p:ph type="dt" sz="half" idx="10"/>
+          </p:nvPr>
+        </p:nvSpPr>
+        <p:spPr/>
+        <p:txBody>
+          <a:bodyPr/>
+          <a:lstStyle/>
+          <a:p>
+            <a:fld id="{CC4A6868-2568-4CC9-B302-F37117B01A6E}" type="datetime1">
+              <a:rPr lang="en-US" smtClean="0"/>
+              <a:t>12/13/21</a:t>
+            </a:fld>
+            <a:endParaRPr lang="en-US"/>
+          </a:p>
+        </p:txBody>
+      </p:sp>
+      <p:sp>
+        <p:nvSpPr>
+          <p:cNvPr id="5" name="Footer Placeholder 4">
+            <a:extLst>
+              <a:ext uri="{FF2B5EF4-FFF2-40B4-BE49-F238E27FC236}">
+                <a16:creationId xmlns:a16="http://schemas.microsoft.com/office/drawing/2014/main" id="{E0E7261B-91E6-2E4C-96E3-D7F6C36DCD60}"/>
+              </a:ext>
+            </a:extLst>
+          </p:cNvPr>
+          <p:cNvSpPr>
+            <a:spLocks noGrp="1"/>
+          </p:cNvSpPr>
+          <p:nvPr>
+            <p:ph type="ftr" sz="quarter" idx="11"/>
+          </p:nvPr>
+        </p:nvSpPr>
+        <p:spPr/>
+        <p:txBody>
+          <a:bodyPr/>
+          <a:lstStyle/>
+          <a:p>
+            <a:endParaRPr lang="en-US"/>
+          </a:p>
+        </p:txBody>
+      </p:sp>
+      <p:sp>
+        <p:nvSpPr>
+          <p:cNvPr id="6" name="Slide Number Placeholder 5">
+            <a:extLst>
+              <a:ext uri="{FF2B5EF4-FFF2-40B4-BE49-F238E27FC236}">
+                <a16:creationId xmlns:a16="http://schemas.microsoft.com/office/drawing/2014/main" id="{B210FAD6-B45F-7942-9677-141028E011AA}"/>
+              </a:ext>
+            </a:extLst>
+          </p:cNvPr>
+          <p:cNvSpPr>
+            <a:spLocks noGrp="1"/>
+          </p:cNvSpPr>
+          <p:nvPr>
+            <p:ph type="sldNum" sz="quarter" idx="12"/>
+          </p:nvPr>
+        </p:nvSpPr>
+        <p:spPr/>
+        <p:txBody>
+          <a:bodyPr/>
+          <a:lstStyle/>
+          <a:p>
+            <a:fld id="{73B850FF-6169-4056-8077-06FFA93A5366}" type="slidenum">
+              <a:rPr lang="en-US" smtClean="0"/>
+              <a:t>‹#›</a:t>
+            </a:fld>
+            <a:endParaRPr lang="en-US"/>
+          </a:p>
+        </p:txBody>
+      </p:sp>
+    </p:spTree>
+    <p:extLst>
+      <p:ext uri="{BB962C8B-B14F-4D97-AF65-F5344CB8AC3E}">
+        <p14:creationId xmlns:p14="http://schemas.microsoft.com/office/powerpoint/2010/main" val="957966622"/>
       </p:ext>
     </p:extLst>
   </p:cSld>
@@ -11889,6 +14817,583 @@
 </p:sldMaster>
 </file>
 
+<file path=ppt/slideMasters/slideMaster2.xml><?xml version="1.0" encoding="utf-8"?>
+<p:sldMaster xmlns:a="http://schemas.openxmlformats.org/drawingml/2006/main" xmlns:r="http://schemas.openxmlformats.org/officeDocument/2006/relationships" xmlns:p="http://schemas.openxmlformats.org/presentationml/2006/main">
+  <p:cSld>
+    <p:bg>
+      <p:bgRef idx="1001">
+        <a:schemeClr val="bg1"/>
+      </p:bgRef>
+    </p:bg>
+    <p:spTree>
+      <p:nvGrpSpPr>
+        <p:cNvPr id="1" name=""/>
+        <p:cNvGrpSpPr/>
+        <p:nvPr/>
+      </p:nvGrpSpPr>
+      <p:grpSpPr>
+        <a:xfrm>
+          <a:off x="0" y="0"/>
+          <a:ext cx="0" cy="0"/>
+          <a:chOff x="0" y="0"/>
+          <a:chExt cx="0" cy="0"/>
+        </a:xfrm>
+      </p:grpSpPr>
+      <p:sp>
+        <p:nvSpPr>
+          <p:cNvPr id="2" name="Title Placeholder 1">
+            <a:extLst>
+              <a:ext uri="{FF2B5EF4-FFF2-40B4-BE49-F238E27FC236}">
+                <a16:creationId xmlns:a16="http://schemas.microsoft.com/office/drawing/2014/main" id="{1C161CA1-59F5-8148-AE59-F872860F6E95}"/>
+              </a:ext>
+            </a:extLst>
+          </p:cNvPr>
+          <p:cNvSpPr>
+            <a:spLocks noGrp="1"/>
+          </p:cNvSpPr>
+          <p:nvPr>
+            <p:ph type="title"/>
+          </p:nvPr>
+        </p:nvSpPr>
+        <p:spPr>
+          <a:xfrm>
+            <a:off x="838200" y="365125"/>
+            <a:ext cx="10515600" cy="1325563"/>
+          </a:xfrm>
+          <a:prstGeom prst="rect">
+            <a:avLst/>
+          </a:prstGeom>
+        </p:spPr>
+        <p:txBody>
+          <a:bodyPr vert="horz" lIns="91440" tIns="45720" rIns="91440" bIns="45720" rtlCol="0" anchor="ctr">
+            <a:normAutofit/>
+          </a:bodyPr>
+          <a:lstStyle/>
+          <a:p>
+            <a:r>
+              <a:rPr lang="en-US"/>
+              <a:t>Click to edit Master title style</a:t>
+            </a:r>
+          </a:p>
+        </p:txBody>
+      </p:sp>
+      <p:sp>
+        <p:nvSpPr>
+          <p:cNvPr id="3" name="Text Placeholder 2">
+            <a:extLst>
+              <a:ext uri="{FF2B5EF4-FFF2-40B4-BE49-F238E27FC236}">
+                <a16:creationId xmlns:a16="http://schemas.microsoft.com/office/drawing/2014/main" id="{326A268D-1F69-8F47-B2E4-4243087F7D3A}"/>
+              </a:ext>
+            </a:extLst>
+          </p:cNvPr>
+          <p:cNvSpPr>
+            <a:spLocks noGrp="1"/>
+          </p:cNvSpPr>
+          <p:nvPr>
+            <p:ph type="body" idx="1"/>
+          </p:nvPr>
+        </p:nvSpPr>
+        <p:spPr>
+          <a:xfrm>
+            <a:off x="838200" y="1825625"/>
+            <a:ext cx="10515600" cy="4351338"/>
+          </a:xfrm>
+          <a:prstGeom prst="rect">
+            <a:avLst/>
+          </a:prstGeom>
+        </p:spPr>
+        <p:txBody>
+          <a:bodyPr vert="horz" lIns="91440" tIns="45720" rIns="91440" bIns="45720" rtlCol="0">
+            <a:normAutofit/>
+          </a:bodyPr>
+          <a:lstStyle/>
+          <a:p>
+            <a:pPr lvl="0"/>
+            <a:r>
+              <a:rPr lang="en-US"/>
+              <a:t>Click to edit Master text styles</a:t>
+            </a:r>
+          </a:p>
+          <a:p>
+            <a:pPr lvl="1"/>
+            <a:r>
+              <a:rPr lang="en-US"/>
+              <a:t>Second level</a:t>
+            </a:r>
+          </a:p>
+          <a:p>
+            <a:pPr lvl="2"/>
+            <a:r>
+              <a:rPr lang="en-US"/>
+              <a:t>Third level</a:t>
+            </a:r>
+          </a:p>
+          <a:p>
+            <a:pPr lvl="3"/>
+            <a:r>
+              <a:rPr lang="en-US"/>
+              <a:t>Fourth level</a:t>
+            </a:r>
+          </a:p>
+          <a:p>
+            <a:pPr lvl="4"/>
+            <a:r>
+              <a:rPr lang="en-US"/>
+              <a:t>Fifth level</a:t>
+            </a:r>
+          </a:p>
+        </p:txBody>
+      </p:sp>
+      <p:sp>
+        <p:nvSpPr>
+          <p:cNvPr id="4" name="Date Placeholder 3">
+            <a:extLst>
+              <a:ext uri="{FF2B5EF4-FFF2-40B4-BE49-F238E27FC236}">
+                <a16:creationId xmlns:a16="http://schemas.microsoft.com/office/drawing/2014/main" id="{BCB16F05-8794-124A-BAAB-9260FEF3DF05}"/>
+              </a:ext>
+            </a:extLst>
+          </p:cNvPr>
+          <p:cNvSpPr>
+            <a:spLocks noGrp="1"/>
+          </p:cNvSpPr>
+          <p:nvPr>
+            <p:ph type="dt" sz="half" idx="2"/>
+          </p:nvPr>
+        </p:nvSpPr>
+        <p:spPr>
+          <a:xfrm>
+            <a:off x="838200" y="6356350"/>
+            <a:ext cx="2743200" cy="365125"/>
+          </a:xfrm>
+          <a:prstGeom prst="rect">
+            <a:avLst/>
+          </a:prstGeom>
+        </p:spPr>
+        <p:txBody>
+          <a:bodyPr vert="horz" lIns="91440" tIns="45720" rIns="91440" bIns="45720" rtlCol="0" anchor="ctr"/>
+          <a:lstStyle>
+            <a:lvl1pPr algn="l">
+              <a:defRPr sz="1200">
+                <a:solidFill>
+                  <a:schemeClr val="tx1">
+                    <a:tint val="75000"/>
+                  </a:schemeClr>
+                </a:solidFill>
+              </a:defRPr>
+            </a:lvl1pPr>
+          </a:lstStyle>
+          <a:p>
+            <a:fld id="{57E0CF6C-748E-4B7A-BC8B-3011EF78ED13}" type="datetime1">
+              <a:rPr lang="en-US" smtClean="0"/>
+              <a:pPr/>
+              <a:t>12/13/21</a:t>
+            </a:fld>
+            <a:endParaRPr lang="en-US" dirty="0"/>
+          </a:p>
+        </p:txBody>
+      </p:sp>
+      <p:sp>
+        <p:nvSpPr>
+          <p:cNvPr id="5" name="Footer Placeholder 4">
+            <a:extLst>
+              <a:ext uri="{FF2B5EF4-FFF2-40B4-BE49-F238E27FC236}">
+                <a16:creationId xmlns:a16="http://schemas.microsoft.com/office/drawing/2014/main" id="{35BEE919-E273-714D-A3E3-895DC8E9EFF2}"/>
+              </a:ext>
+            </a:extLst>
+          </p:cNvPr>
+          <p:cNvSpPr>
+            <a:spLocks noGrp="1"/>
+          </p:cNvSpPr>
+          <p:nvPr>
+            <p:ph type="ftr" sz="quarter" idx="3"/>
+          </p:nvPr>
+        </p:nvSpPr>
+        <p:spPr>
+          <a:xfrm>
+            <a:off x="4038600" y="6356350"/>
+            <a:ext cx="4114800" cy="365125"/>
+          </a:xfrm>
+          <a:prstGeom prst="rect">
+            <a:avLst/>
+          </a:prstGeom>
+        </p:spPr>
+        <p:txBody>
+          <a:bodyPr vert="horz" lIns="91440" tIns="45720" rIns="91440" bIns="45720" rtlCol="0" anchor="ctr"/>
+          <a:lstStyle>
+            <a:lvl1pPr algn="ctr">
+              <a:defRPr sz="1200">
+                <a:solidFill>
+                  <a:schemeClr val="tx1">
+                    <a:tint val="75000"/>
+                  </a:schemeClr>
+                </a:solidFill>
+              </a:defRPr>
+            </a:lvl1pPr>
+          </a:lstStyle>
+          <a:p>
+            <a:endParaRPr lang="en-US" dirty="0">
+              <a:solidFill>
+                <a:schemeClr val="tx1">
+                  <a:alpha val="60000"/>
+                </a:schemeClr>
+              </a:solidFill>
+            </a:endParaRPr>
+          </a:p>
+        </p:txBody>
+      </p:sp>
+      <p:sp>
+        <p:nvSpPr>
+          <p:cNvPr id="6" name="Slide Number Placeholder 5">
+            <a:extLst>
+              <a:ext uri="{FF2B5EF4-FFF2-40B4-BE49-F238E27FC236}">
+                <a16:creationId xmlns:a16="http://schemas.microsoft.com/office/drawing/2014/main" id="{C0CF2337-7840-0041-9AC3-8AB98324FB7A}"/>
+              </a:ext>
+            </a:extLst>
+          </p:cNvPr>
+          <p:cNvSpPr>
+            <a:spLocks noGrp="1"/>
+          </p:cNvSpPr>
+          <p:nvPr>
+            <p:ph type="sldNum" sz="quarter" idx="4"/>
+          </p:nvPr>
+        </p:nvSpPr>
+        <p:spPr>
+          <a:xfrm>
+            <a:off x="8610600" y="6356350"/>
+            <a:ext cx="2743200" cy="365125"/>
+          </a:xfrm>
+          <a:prstGeom prst="rect">
+            <a:avLst/>
+          </a:prstGeom>
+        </p:spPr>
+        <p:txBody>
+          <a:bodyPr vert="horz" lIns="91440" tIns="45720" rIns="91440" bIns="45720" rtlCol="0" anchor="ctr"/>
+          <a:lstStyle>
+            <a:lvl1pPr algn="r">
+              <a:defRPr sz="1200">
+                <a:solidFill>
+                  <a:schemeClr val="tx1">
+                    <a:tint val="75000"/>
+                  </a:schemeClr>
+                </a:solidFill>
+              </a:defRPr>
+            </a:lvl1pPr>
+          </a:lstStyle>
+          <a:p>
+            <a:fld id="{73B850FF-6169-4056-8077-06FFA93A5366}" type="slidenum">
+              <a:rPr lang="en-US" smtClean="0"/>
+              <a:pPr/>
+              <a:t>‹#›</a:t>
+            </a:fld>
+            <a:endParaRPr lang="en-US" dirty="0"/>
+          </a:p>
+        </p:txBody>
+      </p:sp>
+    </p:spTree>
+    <p:extLst>
+      <p:ext uri="{BB962C8B-B14F-4D97-AF65-F5344CB8AC3E}">
+        <p14:creationId xmlns:p14="http://schemas.microsoft.com/office/powerpoint/2010/main" val="4027534872"/>
+      </p:ext>
+    </p:extLst>
+  </p:cSld>
+  <p:clrMap bg1="lt1" tx1="dk1" bg2="lt2" tx2="dk2" accent1="accent1" accent2="accent2" accent3="accent3" accent4="accent4" accent5="accent5" accent6="accent6" hlink="hlink" folHlink="folHlink"/>
+  <p:sldLayoutIdLst>
+    <p:sldLayoutId id="2147483811" r:id="rId1"/>
+    <p:sldLayoutId id="2147483812" r:id="rId2"/>
+    <p:sldLayoutId id="2147483813" r:id="rId3"/>
+    <p:sldLayoutId id="2147483814" r:id="rId4"/>
+    <p:sldLayoutId id="2147483815" r:id="rId5"/>
+    <p:sldLayoutId id="2147483816" r:id="rId6"/>
+    <p:sldLayoutId id="2147483817" r:id="rId7"/>
+    <p:sldLayoutId id="2147483818" r:id="rId8"/>
+    <p:sldLayoutId id="2147483819" r:id="rId9"/>
+    <p:sldLayoutId id="2147483820" r:id="rId10"/>
+    <p:sldLayoutId id="2147483821" r:id="rId11"/>
+  </p:sldLayoutIdLst>
+  <p:hf sldNum="0" hdr="0" ftr="0" dt="0"/>
+  <p:txStyles>
+    <p:titleStyle>
+      <a:lvl1pPr algn="l" defTabSz="914400" rtl="0" eaLnBrk="1" latinLnBrk="0" hangingPunct="1">
+        <a:lnSpc>
+          <a:spcPct val="90000"/>
+        </a:lnSpc>
+        <a:spcBef>
+          <a:spcPct val="0"/>
+        </a:spcBef>
+        <a:buNone/>
+        <a:defRPr sz="4400" kern="1200">
+          <a:solidFill>
+            <a:schemeClr val="tx1"/>
+          </a:solidFill>
+          <a:latin typeface="+mj-lt"/>
+          <a:ea typeface="+mj-ea"/>
+          <a:cs typeface="+mj-cs"/>
+        </a:defRPr>
+      </a:lvl1pPr>
+    </p:titleStyle>
+    <p:bodyStyle>
+      <a:lvl1pPr marL="228600" indent="-228600" algn="l" defTabSz="914400" rtl="0" eaLnBrk="1" latinLnBrk="0" hangingPunct="1">
+        <a:lnSpc>
+          <a:spcPct val="90000"/>
+        </a:lnSpc>
+        <a:spcBef>
+          <a:spcPts val="1000"/>
+        </a:spcBef>
+        <a:buFont typeface="Arial" panose="020B0604020202020204" pitchFamily="34" charset="0"/>
+        <a:buChar char="•"/>
+        <a:defRPr sz="2800" kern="1200">
+          <a:solidFill>
+            <a:schemeClr val="tx1"/>
+          </a:solidFill>
+          <a:latin typeface="+mn-lt"/>
+          <a:ea typeface="+mn-ea"/>
+          <a:cs typeface="+mn-cs"/>
+        </a:defRPr>
+      </a:lvl1pPr>
+      <a:lvl2pPr marL="685800" indent="-228600" algn="l" defTabSz="914400" rtl="0" eaLnBrk="1" latinLnBrk="0" hangingPunct="1">
+        <a:lnSpc>
+          <a:spcPct val="90000"/>
+        </a:lnSpc>
+        <a:spcBef>
+          <a:spcPts val="500"/>
+        </a:spcBef>
+        <a:buFont typeface="Arial" panose="020B0604020202020204" pitchFamily="34" charset="0"/>
+        <a:buChar char="•"/>
+        <a:defRPr sz="2400" kern="1200">
+          <a:solidFill>
+            <a:schemeClr val="tx1"/>
+          </a:solidFill>
+          <a:latin typeface="+mn-lt"/>
+          <a:ea typeface="+mn-ea"/>
+          <a:cs typeface="+mn-cs"/>
+        </a:defRPr>
+      </a:lvl2pPr>
+      <a:lvl3pPr marL="1143000" indent="-228600" algn="l" defTabSz="914400" rtl="0" eaLnBrk="1" latinLnBrk="0" hangingPunct="1">
+        <a:lnSpc>
+          <a:spcPct val="90000"/>
+        </a:lnSpc>
+        <a:spcBef>
+          <a:spcPts val="500"/>
+        </a:spcBef>
+        <a:buFont typeface="Arial" panose="020B0604020202020204" pitchFamily="34" charset="0"/>
+        <a:buChar char="•"/>
+        <a:defRPr sz="2000" kern="1200">
+          <a:solidFill>
+            <a:schemeClr val="tx1"/>
+          </a:solidFill>
+          <a:latin typeface="+mn-lt"/>
+          <a:ea typeface="+mn-ea"/>
+          <a:cs typeface="+mn-cs"/>
+        </a:defRPr>
+      </a:lvl3pPr>
+      <a:lvl4pPr marL="1600200" indent="-228600" algn="l" defTabSz="914400" rtl="0" eaLnBrk="1" latinLnBrk="0" hangingPunct="1">
+        <a:lnSpc>
+          <a:spcPct val="90000"/>
+        </a:lnSpc>
+        <a:spcBef>
+          <a:spcPts val="500"/>
+        </a:spcBef>
+        <a:buFont typeface="Arial" panose="020B0604020202020204" pitchFamily="34" charset="0"/>
+        <a:buChar char="•"/>
+        <a:defRPr sz="1800" kern="1200">
+          <a:solidFill>
+            <a:schemeClr val="tx1"/>
+          </a:solidFill>
+          <a:latin typeface="+mn-lt"/>
+          <a:ea typeface="+mn-ea"/>
+          <a:cs typeface="+mn-cs"/>
+        </a:defRPr>
+      </a:lvl4pPr>
+      <a:lvl5pPr marL="2057400" indent="-228600" algn="l" defTabSz="914400" rtl="0" eaLnBrk="1" latinLnBrk="0" hangingPunct="1">
+        <a:lnSpc>
+          <a:spcPct val="90000"/>
+        </a:lnSpc>
+        <a:spcBef>
+          <a:spcPts val="500"/>
+        </a:spcBef>
+        <a:buFont typeface="Arial" panose="020B0604020202020204" pitchFamily="34" charset="0"/>
+        <a:buChar char="•"/>
+        <a:defRPr sz="1800" kern="1200">
+          <a:solidFill>
+            <a:schemeClr val="tx1"/>
+          </a:solidFill>
+          <a:latin typeface="+mn-lt"/>
+          <a:ea typeface="+mn-ea"/>
+          <a:cs typeface="+mn-cs"/>
+        </a:defRPr>
+      </a:lvl5pPr>
+      <a:lvl6pPr marL="2514600" indent="-228600" algn="l" defTabSz="914400" rtl="0" eaLnBrk="1" latinLnBrk="0" hangingPunct="1">
+        <a:lnSpc>
+          <a:spcPct val="90000"/>
+        </a:lnSpc>
+        <a:spcBef>
+          <a:spcPts val="500"/>
+        </a:spcBef>
+        <a:buFont typeface="Arial" panose="020B0604020202020204" pitchFamily="34" charset="0"/>
+        <a:buChar char="•"/>
+        <a:defRPr sz="1800" kern="1200">
+          <a:solidFill>
+            <a:schemeClr val="tx1"/>
+          </a:solidFill>
+          <a:latin typeface="+mn-lt"/>
+          <a:ea typeface="+mn-ea"/>
+          <a:cs typeface="+mn-cs"/>
+        </a:defRPr>
+      </a:lvl6pPr>
+      <a:lvl7pPr marL="2971800" indent="-228600" algn="l" defTabSz="914400" rtl="0" eaLnBrk="1" latinLnBrk="0" hangingPunct="1">
+        <a:lnSpc>
+          <a:spcPct val="90000"/>
+        </a:lnSpc>
+        <a:spcBef>
+          <a:spcPts val="500"/>
+        </a:spcBef>
+        <a:buFont typeface="Arial" panose="020B0604020202020204" pitchFamily="34" charset="0"/>
+        <a:buChar char="•"/>
+        <a:defRPr sz="1800" kern="1200">
+          <a:solidFill>
+            <a:schemeClr val="tx1"/>
+          </a:solidFill>
+          <a:latin typeface="+mn-lt"/>
+          <a:ea typeface="+mn-ea"/>
+          <a:cs typeface="+mn-cs"/>
+        </a:defRPr>
+      </a:lvl7pPr>
+      <a:lvl8pPr marL="3429000" indent="-228600" algn="l" defTabSz="914400" rtl="0" eaLnBrk="1" latinLnBrk="0" hangingPunct="1">
+        <a:lnSpc>
+          <a:spcPct val="90000"/>
+        </a:lnSpc>
+        <a:spcBef>
+          <a:spcPts val="500"/>
+        </a:spcBef>
+        <a:buFont typeface="Arial" panose="020B0604020202020204" pitchFamily="34" charset="0"/>
+        <a:buChar char="•"/>
+        <a:defRPr sz="1800" kern="1200">
+          <a:solidFill>
+            <a:schemeClr val="tx1"/>
+          </a:solidFill>
+          <a:latin typeface="+mn-lt"/>
+          <a:ea typeface="+mn-ea"/>
+          <a:cs typeface="+mn-cs"/>
+        </a:defRPr>
+      </a:lvl8pPr>
+      <a:lvl9pPr marL="3886200" indent="-228600" algn="l" defTabSz="914400" rtl="0" eaLnBrk="1" latinLnBrk="0" hangingPunct="1">
+        <a:lnSpc>
+          <a:spcPct val="90000"/>
+        </a:lnSpc>
+        <a:spcBef>
+          <a:spcPts val="500"/>
+        </a:spcBef>
+        <a:buFont typeface="Arial" panose="020B0604020202020204" pitchFamily="34" charset="0"/>
+        <a:buChar char="•"/>
+        <a:defRPr sz="1800" kern="1200">
+          <a:solidFill>
+            <a:schemeClr val="tx1"/>
+          </a:solidFill>
+          <a:latin typeface="+mn-lt"/>
+          <a:ea typeface="+mn-ea"/>
+          <a:cs typeface="+mn-cs"/>
+        </a:defRPr>
+      </a:lvl9pPr>
+    </p:bodyStyle>
+    <p:otherStyle>
+      <a:defPPr>
+        <a:defRPr lang="en-US"/>
+      </a:defPPr>
+      <a:lvl1pPr marL="0" algn="l" defTabSz="914400" rtl="0" eaLnBrk="1" latinLnBrk="0" hangingPunct="1">
+        <a:defRPr sz="1800" kern="1200">
+          <a:solidFill>
+            <a:schemeClr val="tx1"/>
+          </a:solidFill>
+          <a:latin typeface="+mn-lt"/>
+          <a:ea typeface="+mn-ea"/>
+          <a:cs typeface="+mn-cs"/>
+        </a:defRPr>
+      </a:lvl1pPr>
+      <a:lvl2pPr marL="457200" algn="l" defTabSz="914400" rtl="0" eaLnBrk="1" latinLnBrk="0" hangingPunct="1">
+        <a:defRPr sz="1800" kern="1200">
+          <a:solidFill>
+            <a:schemeClr val="tx1"/>
+          </a:solidFill>
+          <a:latin typeface="+mn-lt"/>
+          <a:ea typeface="+mn-ea"/>
+          <a:cs typeface="+mn-cs"/>
+        </a:defRPr>
+      </a:lvl2pPr>
+      <a:lvl3pPr marL="914400" algn="l" defTabSz="914400" rtl="0" eaLnBrk="1" latinLnBrk="0" hangingPunct="1">
+        <a:defRPr sz="1800" kern="1200">
+          <a:solidFill>
+            <a:schemeClr val="tx1"/>
+          </a:solidFill>
+          <a:latin typeface="+mn-lt"/>
+          <a:ea typeface="+mn-ea"/>
+          <a:cs typeface="+mn-cs"/>
+        </a:defRPr>
+      </a:lvl3pPr>
+      <a:lvl4pPr marL="1371600" algn="l" defTabSz="914400" rtl="0" eaLnBrk="1" latinLnBrk="0" hangingPunct="1">
+        <a:defRPr sz="1800" kern="1200">
+          <a:solidFill>
+            <a:schemeClr val="tx1"/>
+          </a:solidFill>
+          <a:latin typeface="+mn-lt"/>
+          <a:ea typeface="+mn-ea"/>
+          <a:cs typeface="+mn-cs"/>
+        </a:defRPr>
+      </a:lvl4pPr>
+      <a:lvl5pPr marL="1828800" algn="l" defTabSz="914400" rtl="0" eaLnBrk="1" latinLnBrk="0" hangingPunct="1">
+        <a:defRPr sz="1800" kern="1200">
+          <a:solidFill>
+            <a:schemeClr val="tx1"/>
+          </a:solidFill>
+          <a:latin typeface="+mn-lt"/>
+          <a:ea typeface="+mn-ea"/>
+          <a:cs typeface="+mn-cs"/>
+        </a:defRPr>
+      </a:lvl5pPr>
+      <a:lvl6pPr marL="2286000" algn="l" defTabSz="914400" rtl="0" eaLnBrk="1" latinLnBrk="0" hangingPunct="1">
+        <a:defRPr sz="1800" kern="1200">
+          <a:solidFill>
+            <a:schemeClr val="tx1"/>
+          </a:solidFill>
+          <a:latin typeface="+mn-lt"/>
+          <a:ea typeface="+mn-ea"/>
+          <a:cs typeface="+mn-cs"/>
+        </a:defRPr>
+      </a:lvl6pPr>
+      <a:lvl7pPr marL="2743200" algn="l" defTabSz="914400" rtl="0" eaLnBrk="1" latinLnBrk="0" hangingPunct="1">
+        <a:defRPr sz="1800" kern="1200">
+          <a:solidFill>
+            <a:schemeClr val="tx1"/>
+          </a:solidFill>
+          <a:latin typeface="+mn-lt"/>
+          <a:ea typeface="+mn-ea"/>
+          <a:cs typeface="+mn-cs"/>
+        </a:defRPr>
+      </a:lvl7pPr>
+      <a:lvl8pPr marL="3200400" algn="l" defTabSz="914400" rtl="0" eaLnBrk="1" latinLnBrk="0" hangingPunct="1">
+        <a:defRPr sz="1800" kern="1200">
+          <a:solidFill>
+            <a:schemeClr val="tx1"/>
+          </a:solidFill>
+          <a:latin typeface="+mn-lt"/>
+          <a:ea typeface="+mn-ea"/>
+          <a:cs typeface="+mn-cs"/>
+        </a:defRPr>
+      </a:lvl8pPr>
+      <a:lvl9pPr marL="3657600" algn="l" defTabSz="914400" rtl="0" eaLnBrk="1" latinLnBrk="0" hangingPunct="1">
+        <a:defRPr sz="1800" kern="1200">
+          <a:solidFill>
+            <a:schemeClr val="tx1"/>
+          </a:solidFill>
+          <a:latin typeface="+mn-lt"/>
+          <a:ea typeface="+mn-ea"/>
+          <a:cs typeface="+mn-cs"/>
+        </a:defRPr>
+      </a:lvl9pPr>
+    </p:otherStyle>
+  </p:txStyles>
+</p:sldMaster>
+</file>
+
 <file path=ppt/slides/slide1.xml><?xml version="1.0" encoding="utf-8"?>
 <p:sld xmlns:a="http://schemas.openxmlformats.org/drawingml/2006/main" xmlns:r="http://schemas.openxmlformats.org/officeDocument/2006/relationships" xmlns:p="http://schemas.openxmlformats.org/presentationml/2006/main">
   <p:cSld>
@@ -11997,7 +15502,7 @@
                   <a:srgbClr val="FEFFFF"/>
                 </a:solidFill>
               </a:rPr>
-              <a:t>Real-Estate Pricing Predictors</a:t>
+              <a:t>Predicting Rain Patterns in Australia</a:t>
             </a:r>
           </a:p>
         </p:txBody>
@@ -12097,7 +15602,7 @@
         </p:nvSpPr>
         <p:spPr>
           <a:xfrm>
-            <a:off x="811017" y="0"/>
+            <a:off x="1551797" y="64924"/>
             <a:ext cx="8911687" cy="1280890"/>
           </a:xfrm>
         </p:spPr>
@@ -12107,7 +15612,7 @@
           <a:p>
             <a:r>
               <a:rPr lang="en-US" dirty="0"/>
-              <a:t>Normality Assumptions - Linearity</a:t>
+              <a:t>K-Nearest Neighbors: Confusion Matrix</a:t>
             </a:r>
           </a:p>
         </p:txBody>
@@ -12203,42 +15708,12 @@
           </a:p>
         </p:txBody>
       </p:sp>
-      <p:pic>
-        <p:nvPicPr>
-          <p:cNvPr id="5" name="Picture 4" descr="Chart, scatter chart&#10;&#10;Description automatically generated">
+      <p:sp>
+        <p:nvSpPr>
+          <p:cNvPr id="7" name="Content Placeholder 2">
             <a:extLst>
               <a:ext uri="{FF2B5EF4-FFF2-40B4-BE49-F238E27FC236}">
-                <a16:creationId xmlns:a16="http://schemas.microsoft.com/office/drawing/2014/main" id="{A8D29E1E-3D25-9843-A3E2-C473E657422B}"/>
-              </a:ext>
-            </a:extLst>
-          </p:cNvPr>
-          <p:cNvPicPr>
-            <a:picLocks noChangeAspect="1"/>
-          </p:cNvPicPr>
-          <p:nvPr/>
-        </p:nvPicPr>
-        <p:blipFill>
-          <a:blip r:embed="rId2"/>
-          <a:stretch>
-            <a:fillRect/>
-          </a:stretch>
-        </p:blipFill>
-        <p:spPr>
-          <a:xfrm>
-            <a:off x="0" y="619786"/>
-            <a:ext cx="8054486" cy="6238214"/>
-          </a:xfrm>
-          <a:prstGeom prst="rect">
-            <a:avLst/>
-          </a:prstGeom>
-        </p:spPr>
-      </p:pic>
-      <p:sp>
-        <p:nvSpPr>
-          <p:cNvPr id="11" name="Content Placeholder 2">
-            <a:extLst>
-              <a:ext uri="{FF2B5EF4-FFF2-40B4-BE49-F238E27FC236}">
-                <a16:creationId xmlns:a16="http://schemas.microsoft.com/office/drawing/2014/main" id="{BDB891AE-2DAB-B641-AD61-B54F1C213662}"/>
+                <a16:creationId xmlns:a16="http://schemas.microsoft.com/office/drawing/2014/main" id="{83DCF316-457F-1F44-B2BD-89DEA2598192}"/>
               </a:ext>
             </a:extLst>
           </p:cNvPr>
@@ -12481,15 +15956,57 @@
           <a:p>
             <a:r>
               <a:rPr lang="en-US" sz="2200" dirty="0"/>
-              <a:t>Normal trend with r^2 statistic of .51 </a:t>
-            </a:r>
-          </a:p>
-        </p:txBody>
-      </p:sp>
+              <a:t>81% Accurate</a:t>
+            </a:r>
+          </a:p>
+          <a:p>
+            <a:r>
+              <a:rPr lang="en-US" sz="2200" dirty="0"/>
+              <a:t>1% Type I Error</a:t>
+            </a:r>
+          </a:p>
+          <a:p>
+            <a:r>
+              <a:rPr lang="en-US" sz="2200" dirty="0"/>
+              <a:t>18% Type II Error</a:t>
+            </a:r>
+          </a:p>
+        </p:txBody>
+      </p:sp>
+      <p:pic>
+        <p:nvPicPr>
+          <p:cNvPr id="5" name="Picture 4" descr="Chart&#10;&#10;Description automatically generated">
+            <a:extLst>
+              <a:ext uri="{FF2B5EF4-FFF2-40B4-BE49-F238E27FC236}">
+                <a16:creationId xmlns:a16="http://schemas.microsoft.com/office/drawing/2014/main" id="{FE57EFC4-1174-DA44-8A6C-49B1FBBE493A}"/>
+              </a:ext>
+            </a:extLst>
+          </p:cNvPr>
+          <p:cNvPicPr>
+            <a:picLocks noChangeAspect="1"/>
+          </p:cNvPicPr>
+          <p:nvPr/>
+        </p:nvPicPr>
+        <p:blipFill>
+          <a:blip r:embed="rId3"/>
+          <a:stretch>
+            <a:fillRect/>
+          </a:stretch>
+        </p:blipFill>
+        <p:spPr>
+          <a:xfrm>
+            <a:off x="2436812" y="1502680"/>
+            <a:ext cx="5279633" cy="4129145"/>
+          </a:xfrm>
+          <a:prstGeom prst="rect">
+            <a:avLst/>
+          </a:prstGeom>
+        </p:spPr>
+      </p:pic>
     </p:spTree>
     <p:extLst>
       <p:ext uri="{BB962C8B-B14F-4D97-AF65-F5344CB8AC3E}">
-        <p14:creationId xmlns:p14="http://schemas.microsoft.com/office/powerpoint/2010/main" val="541448435"/>
+        <p14:creationId xmlns:p14="http://schemas.microsoft.com/office/powerpoint/2010/main" val="2026638476"/>
       </p:ext>
     </p:extLst>
   </p:cSld>
@@ -12542,7 +16059,7 @@
         </p:nvSpPr>
         <p:spPr>
           <a:xfrm>
-            <a:off x="811017" y="0"/>
+            <a:off x="1412901" y="30123"/>
             <a:ext cx="8911687" cy="1280890"/>
           </a:xfrm>
         </p:spPr>
@@ -12552,7 +16069,7 @@
           <a:p>
             <a:r>
               <a:rPr lang="en-US" dirty="0"/>
-              <a:t>Normality Assumptions – Q-Q</a:t>
+              <a:t>Decision Trees: Confusion Matrix</a:t>
             </a:r>
           </a:p>
         </p:txBody>
@@ -12648,36 +16165,6 @@
           </a:p>
         </p:txBody>
       </p:sp>
-      <p:pic>
-        <p:nvPicPr>
-          <p:cNvPr id="8" name="Picture 7" descr="Chart, line chart&#10;&#10;Description automatically generated">
-            <a:extLst>
-              <a:ext uri="{FF2B5EF4-FFF2-40B4-BE49-F238E27FC236}">
-                <a16:creationId xmlns:a16="http://schemas.microsoft.com/office/drawing/2014/main" id="{A58786DC-4012-3F40-A444-5699A410D98B}"/>
-              </a:ext>
-            </a:extLst>
-          </p:cNvPr>
-          <p:cNvPicPr>
-            <a:picLocks noChangeAspect="1"/>
-          </p:cNvPicPr>
-          <p:nvPr/>
-        </p:nvPicPr>
-        <p:blipFill>
-          <a:blip r:embed="rId2"/>
-          <a:stretch>
-            <a:fillRect/>
-          </a:stretch>
-        </p:blipFill>
-        <p:spPr>
-          <a:xfrm>
-            <a:off x="0" y="619786"/>
-            <a:ext cx="7785100" cy="6243054"/>
-          </a:xfrm>
-          <a:prstGeom prst="rect">
-            <a:avLst/>
-          </a:prstGeom>
-        </p:spPr>
-      </p:pic>
       <p:sp>
         <p:nvSpPr>
           <p:cNvPr id="7" name="Content Placeholder 2">
@@ -12926,15 +16413,57 @@
           <a:p>
             <a:r>
               <a:rPr lang="en-US" sz="2200" dirty="0"/>
-              <a:t>Seems like a normal distribution, with few outliers at higher prices</a:t>
-            </a:r>
-          </a:p>
-        </p:txBody>
-      </p:sp>
+              <a:t>82% Accurate</a:t>
+            </a:r>
+          </a:p>
+          <a:p>
+            <a:r>
+              <a:rPr lang="en-US" sz="2200" dirty="0"/>
+              <a:t>2% Type I Error</a:t>
+            </a:r>
+          </a:p>
+          <a:p>
+            <a:r>
+              <a:rPr lang="en-US" sz="2200" dirty="0"/>
+              <a:t>16% Type II Error</a:t>
+            </a:r>
+          </a:p>
+        </p:txBody>
+      </p:sp>
+      <p:pic>
+        <p:nvPicPr>
+          <p:cNvPr id="6" name="Picture 5" descr="Chart&#10;&#10;Description automatically generated">
+            <a:extLst>
+              <a:ext uri="{FF2B5EF4-FFF2-40B4-BE49-F238E27FC236}">
+                <a16:creationId xmlns:a16="http://schemas.microsoft.com/office/drawing/2014/main" id="{3BAF96B5-A5F1-A04B-AEA0-AF86025ACD76}"/>
+              </a:ext>
+            </a:extLst>
+          </p:cNvPr>
+          <p:cNvPicPr>
+            <a:picLocks noChangeAspect="1"/>
+          </p:cNvPicPr>
+          <p:nvPr/>
+        </p:nvPicPr>
+        <p:blipFill>
+          <a:blip r:embed="rId3"/>
+          <a:stretch>
+            <a:fillRect/>
+          </a:stretch>
+        </p:blipFill>
+        <p:spPr>
+          <a:xfrm>
+            <a:off x="2436812" y="1525631"/>
+            <a:ext cx="5269694" cy="4121372"/>
+          </a:xfrm>
+          <a:prstGeom prst="rect">
+            <a:avLst/>
+          </a:prstGeom>
+        </p:spPr>
+      </p:pic>
     </p:spTree>
     <p:extLst>
       <p:ext uri="{BB962C8B-B14F-4D97-AF65-F5344CB8AC3E}">
-        <p14:creationId xmlns:p14="http://schemas.microsoft.com/office/powerpoint/2010/main" val="3767043874"/>
+        <p14:creationId xmlns:p14="http://schemas.microsoft.com/office/powerpoint/2010/main" val="2711363796"/>
       </p:ext>
     </p:extLst>
   </p:cSld>
@@ -12945,6 +16474,1141 @@
 </file>
 
 <file path=ppt/slides/slide12.xml><?xml version="1.0" encoding="utf-8"?>
+<p:sld xmlns:a="http://schemas.openxmlformats.org/drawingml/2006/main" xmlns:r="http://schemas.openxmlformats.org/officeDocument/2006/relationships" xmlns:p="http://schemas.openxmlformats.org/presentationml/2006/main">
+  <p:cSld>
+    <p:spTree>
+      <p:nvGrpSpPr>
+        <p:cNvPr id="1" name=""/>
+        <p:cNvGrpSpPr/>
+        <p:nvPr/>
+      </p:nvGrpSpPr>
+      <p:grpSpPr>
+        <a:xfrm>
+          <a:off x="0" y="0"/>
+          <a:ext cx="0" cy="0"/>
+          <a:chOff x="0" y="0"/>
+          <a:chExt cx="0" cy="0"/>
+        </a:xfrm>
+      </p:grpSpPr>
+      <p:sp>
+        <p:nvSpPr>
+          <p:cNvPr id="2" name="Title 1">
+            <a:extLst>
+              <a:ext uri="{FF2B5EF4-FFF2-40B4-BE49-F238E27FC236}">
+                <a16:creationId xmlns:a16="http://schemas.microsoft.com/office/drawing/2014/main" id="{AE3B13C3-41F1-0549-9618-E8E0DBDB646E}"/>
+              </a:ext>
+            </a:extLst>
+          </p:cNvPr>
+          <p:cNvSpPr>
+            <a:spLocks noGrp="1"/>
+          </p:cNvSpPr>
+          <p:nvPr>
+            <p:ph type="title"/>
+          </p:nvPr>
+        </p:nvSpPr>
+        <p:spPr/>
+        <p:txBody>
+          <a:bodyPr/>
+          <a:lstStyle/>
+          <a:p>
+            <a:r>
+              <a:rPr lang="en-US" dirty="0"/>
+              <a:t>Results</a:t>
+            </a:r>
+          </a:p>
+        </p:txBody>
+      </p:sp>
+      <p:sp>
+        <p:nvSpPr>
+          <p:cNvPr id="3" name="Content Placeholder 2">
+            <a:extLst>
+              <a:ext uri="{FF2B5EF4-FFF2-40B4-BE49-F238E27FC236}">
+                <a16:creationId xmlns:a16="http://schemas.microsoft.com/office/drawing/2014/main" id="{CA8CA6DF-0C6A-3847-9AD2-89A8ED34CB5C}"/>
+              </a:ext>
+            </a:extLst>
+          </p:cNvPr>
+          <p:cNvSpPr>
+            <a:spLocks noGrp="1"/>
+          </p:cNvSpPr>
+          <p:nvPr>
+            <p:ph idx="1"/>
+          </p:nvPr>
+        </p:nvSpPr>
+        <p:spPr>
+          <a:xfrm>
+            <a:off x="2441728" y="1651819"/>
+            <a:ext cx="8915400" cy="3777622"/>
+          </a:xfrm>
+        </p:spPr>
+        <p:txBody>
+          <a:bodyPr>
+            <a:normAutofit/>
+          </a:bodyPr>
+          <a:lstStyle/>
+          <a:p>
+            <a:r>
+              <a:rPr lang="en-US" sz="2400" dirty="0"/>
+              <a:t>Best Model: Logistic Regression with an 82% Accuracy Score</a:t>
+            </a:r>
+          </a:p>
+          <a:p>
+            <a:pPr lvl="1"/>
+            <a:r>
+              <a:rPr lang="en-US" sz="2200" dirty="0"/>
+              <a:t>Precision: 65%</a:t>
+            </a:r>
+          </a:p>
+          <a:p>
+            <a:pPr lvl="1"/>
+            <a:r>
+              <a:rPr lang="en-US" sz="2200" dirty="0"/>
+              <a:t>Recall: 60%</a:t>
+            </a:r>
+          </a:p>
+          <a:p>
+            <a:r>
+              <a:rPr lang="en-US" sz="2400" dirty="0"/>
+              <a:t>AUC: .86</a:t>
+            </a:r>
+          </a:p>
+          <a:p>
+            <a:r>
+              <a:rPr lang="en-US" sz="2400" dirty="0" err="1"/>
+              <a:t>kNN</a:t>
+            </a:r>
+            <a:r>
+              <a:rPr lang="en-US" sz="2400" dirty="0"/>
+              <a:t> and Decision Trees have less Type I error but more Type II Error</a:t>
+            </a:r>
+          </a:p>
+          <a:p>
+            <a:pPr marL="0" indent="0">
+              <a:buNone/>
+            </a:pPr>
+            <a:endParaRPr lang="en-US" sz="2400" dirty="0"/>
+          </a:p>
+        </p:txBody>
+      </p:sp>
+    </p:spTree>
+    <p:extLst>
+      <p:ext uri="{BB962C8B-B14F-4D97-AF65-F5344CB8AC3E}">
+        <p14:creationId xmlns:p14="http://schemas.microsoft.com/office/powerpoint/2010/main" val="3741287621"/>
+      </p:ext>
+    </p:extLst>
+  </p:cSld>
+  <p:clrMapOvr>
+    <a:masterClrMapping/>
+  </p:clrMapOvr>
+</p:sld>
+</file>
+
+<file path=ppt/slides/slide13.xml><?xml version="1.0" encoding="utf-8"?>
+<p:sld xmlns:a="http://schemas.openxmlformats.org/drawingml/2006/main" xmlns:r="http://schemas.openxmlformats.org/officeDocument/2006/relationships" xmlns:p="http://schemas.openxmlformats.org/presentationml/2006/main">
+  <p:cSld>
+    <p:spTree>
+      <p:nvGrpSpPr>
+        <p:cNvPr id="1" name=""/>
+        <p:cNvGrpSpPr/>
+        <p:nvPr/>
+      </p:nvGrpSpPr>
+      <p:grpSpPr>
+        <a:xfrm>
+          <a:off x="0" y="0"/>
+          <a:ext cx="0" cy="0"/>
+          <a:chOff x="0" y="0"/>
+          <a:chExt cx="0" cy="0"/>
+        </a:xfrm>
+      </p:grpSpPr>
+      <p:pic>
+        <p:nvPicPr>
+          <p:cNvPr id="7" name="Picture 6" descr="Chart, line chart&#10;&#10;Description automatically generated">
+            <a:extLst>
+              <a:ext uri="{FF2B5EF4-FFF2-40B4-BE49-F238E27FC236}">
+                <a16:creationId xmlns:a16="http://schemas.microsoft.com/office/drawing/2014/main" id="{A91A465A-CFC5-144A-9BD9-7C5043C91338}"/>
+              </a:ext>
+            </a:extLst>
+          </p:cNvPr>
+          <p:cNvPicPr>
+            <a:picLocks noChangeAspect="1"/>
+          </p:cNvPicPr>
+          <p:nvPr/>
+        </p:nvPicPr>
+        <p:blipFill>
+          <a:blip r:embed="rId2"/>
+          <a:stretch>
+            <a:fillRect/>
+          </a:stretch>
+        </p:blipFill>
+        <p:spPr>
+          <a:xfrm>
+            <a:off x="3069847" y="0"/>
+            <a:ext cx="8656133" cy="6858000"/>
+          </a:xfrm>
+          <a:prstGeom prst="rect">
+            <a:avLst/>
+          </a:prstGeom>
+        </p:spPr>
+      </p:pic>
+    </p:spTree>
+    <p:extLst>
+      <p:ext uri="{BB962C8B-B14F-4D97-AF65-F5344CB8AC3E}">
+        <p14:creationId xmlns:p14="http://schemas.microsoft.com/office/powerpoint/2010/main" val="1175245808"/>
+      </p:ext>
+    </p:extLst>
+  </p:cSld>
+  <p:clrMapOvr>
+    <a:masterClrMapping/>
+  </p:clrMapOvr>
+</p:sld>
+</file>
+
+<file path=ppt/slides/slide14.xml><?xml version="1.0" encoding="utf-8"?>
+<p:sld xmlns:a="http://schemas.openxmlformats.org/drawingml/2006/main" xmlns:r="http://schemas.openxmlformats.org/officeDocument/2006/relationships" xmlns:p="http://schemas.openxmlformats.org/presentationml/2006/main">
+  <p:cSld>
+    <p:spTree>
+      <p:nvGrpSpPr>
+        <p:cNvPr id="1" name=""/>
+        <p:cNvGrpSpPr/>
+        <p:nvPr/>
+      </p:nvGrpSpPr>
+      <p:grpSpPr>
+        <a:xfrm>
+          <a:off x="0" y="0"/>
+          <a:ext cx="0" cy="0"/>
+          <a:chOff x="0" y="0"/>
+          <a:chExt cx="0" cy="0"/>
+        </a:xfrm>
+      </p:grpSpPr>
+      <p:sp>
+        <p:nvSpPr>
+          <p:cNvPr id="2" name="Title 1">
+            <a:extLst>
+              <a:ext uri="{FF2B5EF4-FFF2-40B4-BE49-F238E27FC236}">
+                <a16:creationId xmlns:a16="http://schemas.microsoft.com/office/drawing/2014/main" id="{AE3B13C3-41F1-0549-9618-E8E0DBDB646E}"/>
+              </a:ext>
+            </a:extLst>
+          </p:cNvPr>
+          <p:cNvSpPr>
+            <a:spLocks noGrp="1"/>
+          </p:cNvSpPr>
+          <p:nvPr>
+            <p:ph type="title"/>
+          </p:nvPr>
+        </p:nvSpPr>
+        <p:spPr/>
+        <p:txBody>
+          <a:bodyPr/>
+          <a:lstStyle/>
+          <a:p>
+            <a:r>
+              <a:rPr lang="en-US" dirty="0"/>
+              <a:t>Next Steps:</a:t>
+            </a:r>
+          </a:p>
+        </p:txBody>
+      </p:sp>
+      <p:sp>
+        <p:nvSpPr>
+          <p:cNvPr id="3" name="Content Placeholder 2">
+            <a:extLst>
+              <a:ext uri="{FF2B5EF4-FFF2-40B4-BE49-F238E27FC236}">
+                <a16:creationId xmlns:a16="http://schemas.microsoft.com/office/drawing/2014/main" id="{CA8CA6DF-0C6A-3847-9AD2-89A8ED34CB5C}"/>
+              </a:ext>
+            </a:extLst>
+          </p:cNvPr>
+          <p:cNvSpPr>
+            <a:spLocks noGrp="1"/>
+          </p:cNvSpPr>
+          <p:nvPr>
+            <p:ph idx="1"/>
+          </p:nvPr>
+        </p:nvSpPr>
+        <p:spPr>
+          <a:xfrm>
+            <a:off x="2441728" y="1651819"/>
+            <a:ext cx="8915400" cy="3777622"/>
+          </a:xfrm>
+        </p:spPr>
+        <p:txBody>
+          <a:bodyPr>
+            <a:normAutofit/>
+          </a:bodyPr>
+          <a:lstStyle/>
+          <a:p>
+            <a:r>
+              <a:rPr lang="en-US" sz="2400" dirty="0"/>
+              <a:t>Find more rain data in different periods and see how it performs</a:t>
+            </a:r>
+          </a:p>
+          <a:p>
+            <a:r>
+              <a:rPr lang="en-US" sz="2400" dirty="0"/>
+              <a:t>Try a Random Forest Model</a:t>
+            </a:r>
+          </a:p>
+          <a:p>
+            <a:r>
+              <a:rPr lang="en-US" sz="2400" dirty="0"/>
+              <a:t>Test more attributes in </a:t>
+            </a:r>
+            <a:r>
+              <a:rPr lang="en-US" sz="2400" dirty="0" err="1"/>
+              <a:t>GridSearchCV</a:t>
+            </a:r>
+            <a:endParaRPr lang="en-US" sz="2400" dirty="0"/>
+          </a:p>
+          <a:p>
+            <a:pPr marL="0" indent="0">
+              <a:buNone/>
+            </a:pPr>
+            <a:endParaRPr lang="en-US" sz="2400" dirty="0"/>
+          </a:p>
+        </p:txBody>
+      </p:sp>
+    </p:spTree>
+    <p:extLst>
+      <p:ext uri="{BB962C8B-B14F-4D97-AF65-F5344CB8AC3E}">
+        <p14:creationId xmlns:p14="http://schemas.microsoft.com/office/powerpoint/2010/main" val="3975085898"/>
+      </p:ext>
+    </p:extLst>
+  </p:cSld>
+  <p:clrMapOvr>
+    <a:masterClrMapping/>
+  </p:clrMapOvr>
+</p:sld>
+</file>
+
+<file path=ppt/slides/slide15.xml><?xml version="1.0" encoding="utf-8"?>
+<p:sld xmlns:a="http://schemas.openxmlformats.org/drawingml/2006/main" xmlns:r="http://schemas.openxmlformats.org/officeDocument/2006/relationships" xmlns:p="http://schemas.openxmlformats.org/presentationml/2006/main">
+  <p:cSld>
+    <p:spTree>
+      <p:nvGrpSpPr>
+        <p:cNvPr id="1" name=""/>
+        <p:cNvGrpSpPr/>
+        <p:nvPr/>
+      </p:nvGrpSpPr>
+      <p:grpSpPr>
+        <a:xfrm>
+          <a:off x="0" y="0"/>
+          <a:ext cx="0" cy="0"/>
+          <a:chOff x="0" y="0"/>
+          <a:chExt cx="0" cy="0"/>
+        </a:xfrm>
+      </p:grpSpPr>
+      <p:sp>
+        <p:nvSpPr>
+          <p:cNvPr id="2" name="Title 1">
+            <a:extLst>
+              <a:ext uri="{FF2B5EF4-FFF2-40B4-BE49-F238E27FC236}">
+                <a16:creationId xmlns:a16="http://schemas.microsoft.com/office/drawing/2014/main" id="{9A4FF680-A039-CE42-80C9-5974AE45320B}"/>
+              </a:ext>
+            </a:extLst>
+          </p:cNvPr>
+          <p:cNvSpPr>
+            <a:spLocks noGrp="1"/>
+          </p:cNvSpPr>
+          <p:nvPr>
+            <p:ph type="ctrTitle"/>
+          </p:nvPr>
+        </p:nvSpPr>
+        <p:spPr/>
+        <p:txBody>
+          <a:bodyPr/>
+          <a:lstStyle/>
+          <a:p>
+            <a:r>
+              <a:rPr lang="en-US" dirty="0"/>
+              <a:t>Thank you for your time!</a:t>
+            </a:r>
+          </a:p>
+        </p:txBody>
+      </p:sp>
+    </p:spTree>
+    <p:extLst>
+      <p:ext uri="{BB962C8B-B14F-4D97-AF65-F5344CB8AC3E}">
+        <p14:creationId xmlns:p14="http://schemas.microsoft.com/office/powerpoint/2010/main" val="319019555"/>
+      </p:ext>
+    </p:extLst>
+  </p:cSld>
+  <p:clrMapOvr>
+    <a:masterClrMapping/>
+  </p:clrMapOvr>
+</p:sld>
+</file>
+
+<file path=ppt/slides/slide2.xml><?xml version="1.0" encoding="utf-8"?>
+<p:sld xmlns:a="http://schemas.openxmlformats.org/drawingml/2006/main" xmlns:r="http://schemas.openxmlformats.org/officeDocument/2006/relationships" xmlns:p="http://schemas.openxmlformats.org/presentationml/2006/main">
+  <p:cSld>
+    <p:spTree>
+      <p:nvGrpSpPr>
+        <p:cNvPr id="1" name=""/>
+        <p:cNvGrpSpPr/>
+        <p:nvPr/>
+      </p:nvGrpSpPr>
+      <p:grpSpPr>
+        <a:xfrm>
+          <a:off x="0" y="0"/>
+          <a:ext cx="0" cy="0"/>
+          <a:chOff x="0" y="0"/>
+          <a:chExt cx="0" cy="0"/>
+        </a:xfrm>
+      </p:grpSpPr>
+      <p:sp>
+        <p:nvSpPr>
+          <p:cNvPr id="2" name="Title 1">
+            <a:extLst>
+              <a:ext uri="{FF2B5EF4-FFF2-40B4-BE49-F238E27FC236}">
+                <a16:creationId xmlns:a16="http://schemas.microsoft.com/office/drawing/2014/main" id="{03173ADA-042E-854E-BAC3-83B92EE88588}"/>
+              </a:ext>
+            </a:extLst>
+          </p:cNvPr>
+          <p:cNvSpPr>
+            <a:spLocks noGrp="1"/>
+          </p:cNvSpPr>
+          <p:nvPr>
+            <p:ph type="title"/>
+          </p:nvPr>
+        </p:nvSpPr>
+        <p:spPr/>
+        <p:txBody>
+          <a:bodyPr/>
+          <a:lstStyle/>
+          <a:p>
+            <a:r>
+              <a:rPr lang="en-US" dirty="0"/>
+              <a:t>Objectives – 5 Step Model</a:t>
+            </a:r>
+          </a:p>
+        </p:txBody>
+      </p:sp>
+      <p:graphicFrame>
+        <p:nvGraphicFramePr>
+          <p:cNvPr id="5" name="Content Placeholder 2">
+            <a:extLst>
+              <a:ext uri="{FF2B5EF4-FFF2-40B4-BE49-F238E27FC236}">
+                <a16:creationId xmlns:a16="http://schemas.microsoft.com/office/drawing/2014/main" id="{792512B1-1AA2-4F1C-A703-0152AEDEB62F}"/>
+              </a:ext>
+            </a:extLst>
+          </p:cNvPr>
+          <p:cNvGraphicFramePr>
+            <a:graphicFrameLocks noGrp="1"/>
+          </p:cNvGraphicFramePr>
+          <p:nvPr>
+            <p:ph idx="1"/>
+            <p:extLst>
+              <p:ext uri="{D42A27DB-BD31-4B8C-83A1-F6EECF244321}">
+                <p14:modId xmlns:p14="http://schemas.microsoft.com/office/powerpoint/2010/main" val="1084914328"/>
+              </p:ext>
+            </p:extLst>
+          </p:nvPr>
+        </p:nvGraphicFramePr>
+        <p:xfrm>
+          <a:off x="2589213" y="2133600"/>
+          <a:ext cx="8915400" cy="3778250"/>
+        </p:xfrm>
+        <a:graphic>
+          <a:graphicData uri="http://schemas.openxmlformats.org/drawingml/2006/diagram">
+            <dgm:relIds xmlns:dgm="http://schemas.openxmlformats.org/drawingml/2006/diagram" xmlns:r="http://schemas.openxmlformats.org/officeDocument/2006/relationships" r:dm="rId2" r:lo="rId3" r:qs="rId4" r:cs="rId5"/>
+          </a:graphicData>
+        </a:graphic>
+      </p:graphicFrame>
+    </p:spTree>
+    <p:extLst>
+      <p:ext uri="{BB962C8B-B14F-4D97-AF65-F5344CB8AC3E}">
+        <p14:creationId xmlns:p14="http://schemas.microsoft.com/office/powerpoint/2010/main" val="442016146"/>
+      </p:ext>
+    </p:extLst>
+  </p:cSld>
+  <p:clrMapOvr>
+    <a:masterClrMapping/>
+  </p:clrMapOvr>
+</p:sld>
+</file>
+
+<file path=ppt/slides/slide3.xml><?xml version="1.0" encoding="utf-8"?>
+<p:sld xmlns:a="http://schemas.openxmlformats.org/drawingml/2006/main" xmlns:r="http://schemas.openxmlformats.org/officeDocument/2006/relationships" xmlns:p="http://schemas.openxmlformats.org/presentationml/2006/main">
+  <p:cSld>
+    <p:spTree>
+      <p:nvGrpSpPr>
+        <p:cNvPr id="1" name=""/>
+        <p:cNvGrpSpPr/>
+        <p:nvPr/>
+      </p:nvGrpSpPr>
+      <p:grpSpPr>
+        <a:xfrm>
+          <a:off x="0" y="0"/>
+          <a:ext cx="0" cy="0"/>
+          <a:chOff x="0" y="0"/>
+          <a:chExt cx="0" cy="0"/>
+        </a:xfrm>
+      </p:grpSpPr>
+      <p:sp>
+        <p:nvSpPr>
+          <p:cNvPr id="2" name="Title 1">
+            <a:extLst>
+              <a:ext uri="{FF2B5EF4-FFF2-40B4-BE49-F238E27FC236}">
+                <a16:creationId xmlns:a16="http://schemas.microsoft.com/office/drawing/2014/main" id="{6BF1EE19-30E3-684A-92C1-F6D772B69151}"/>
+              </a:ext>
+            </a:extLst>
+          </p:cNvPr>
+          <p:cNvSpPr>
+            <a:spLocks noGrp="1"/>
+          </p:cNvSpPr>
+          <p:nvPr>
+            <p:ph type="title"/>
+          </p:nvPr>
+        </p:nvSpPr>
+        <p:spPr/>
+        <p:txBody>
+          <a:bodyPr/>
+          <a:lstStyle/>
+          <a:p>
+            <a:r>
+              <a:rPr lang="en-US" dirty="0"/>
+              <a:t>Business Understanding</a:t>
+            </a:r>
+          </a:p>
+        </p:txBody>
+      </p:sp>
+      <p:sp>
+        <p:nvSpPr>
+          <p:cNvPr id="3" name="Content Placeholder 2">
+            <a:extLst>
+              <a:ext uri="{FF2B5EF4-FFF2-40B4-BE49-F238E27FC236}">
+                <a16:creationId xmlns:a16="http://schemas.microsoft.com/office/drawing/2014/main" id="{961D0452-65FB-E94A-A1BE-46B72B04EDEB}"/>
+              </a:ext>
+            </a:extLst>
+          </p:cNvPr>
+          <p:cNvSpPr>
+            <a:spLocks noGrp="1"/>
+          </p:cNvSpPr>
+          <p:nvPr>
+            <p:ph idx="1"/>
+          </p:nvPr>
+        </p:nvSpPr>
+        <p:spPr>
+          <a:xfrm>
+            <a:off x="2592925" y="1723292"/>
+            <a:ext cx="8915400" cy="3777622"/>
+          </a:xfrm>
+        </p:spPr>
+        <p:txBody>
+          <a:bodyPr>
+            <a:normAutofit/>
+          </a:bodyPr>
+          <a:lstStyle/>
+          <a:p>
+            <a:r>
+              <a:rPr lang="en-US" sz="2400" dirty="0"/>
+              <a:t>Stakeholders:</a:t>
+            </a:r>
+          </a:p>
+          <a:p>
+            <a:pPr lvl="1"/>
+            <a:r>
+              <a:rPr lang="en-US" sz="2000" dirty="0"/>
+              <a:t>Australian Government</a:t>
+            </a:r>
+          </a:p>
+          <a:p>
+            <a:pPr lvl="1"/>
+            <a:r>
+              <a:rPr lang="en-US" sz="2000" dirty="0"/>
+              <a:t>Citizens of Australia</a:t>
+            </a:r>
+          </a:p>
+          <a:p>
+            <a:pPr lvl="1"/>
+            <a:r>
+              <a:rPr lang="en-US" sz="2000" dirty="0"/>
+              <a:t>Firefighters of Australia</a:t>
+            </a:r>
+          </a:p>
+          <a:p>
+            <a:r>
+              <a:rPr lang="en-US" sz="2400" dirty="0"/>
+              <a:t>Business Problem:</a:t>
+            </a:r>
+          </a:p>
+          <a:p>
+            <a:pPr lvl="1"/>
+            <a:r>
+              <a:rPr lang="en-US" sz="2000" dirty="0"/>
+              <a:t>To understand which attributes best predict whether or not it will rain the next day</a:t>
+            </a:r>
+          </a:p>
+          <a:p>
+            <a:r>
+              <a:rPr lang="en-US" sz="2400" dirty="0"/>
+              <a:t>Predictive Classification Model</a:t>
+            </a:r>
+          </a:p>
+          <a:p>
+            <a:pPr lvl="1"/>
+            <a:endParaRPr lang="en-US" dirty="0"/>
+          </a:p>
+        </p:txBody>
+      </p:sp>
+    </p:spTree>
+    <p:extLst>
+      <p:ext uri="{BB962C8B-B14F-4D97-AF65-F5344CB8AC3E}">
+        <p14:creationId xmlns:p14="http://schemas.microsoft.com/office/powerpoint/2010/main" val="948472048"/>
+      </p:ext>
+    </p:extLst>
+  </p:cSld>
+  <p:clrMapOvr>
+    <a:masterClrMapping/>
+  </p:clrMapOvr>
+</p:sld>
+</file>
+
+<file path=ppt/slides/slide4.xml><?xml version="1.0" encoding="utf-8"?>
+<p:sld xmlns:a="http://schemas.openxmlformats.org/drawingml/2006/main" xmlns:r="http://schemas.openxmlformats.org/officeDocument/2006/relationships" xmlns:p="http://schemas.openxmlformats.org/presentationml/2006/main">
+  <p:cSld>
+    <p:spTree>
+      <p:nvGrpSpPr>
+        <p:cNvPr id="1" name=""/>
+        <p:cNvGrpSpPr/>
+        <p:nvPr/>
+      </p:nvGrpSpPr>
+      <p:grpSpPr>
+        <a:xfrm>
+          <a:off x="0" y="0"/>
+          <a:ext cx="0" cy="0"/>
+          <a:chOff x="0" y="0"/>
+          <a:chExt cx="0" cy="0"/>
+        </a:xfrm>
+      </p:grpSpPr>
+      <p:sp>
+        <p:nvSpPr>
+          <p:cNvPr id="2" name="Title 1">
+            <a:extLst>
+              <a:ext uri="{FF2B5EF4-FFF2-40B4-BE49-F238E27FC236}">
+                <a16:creationId xmlns:a16="http://schemas.microsoft.com/office/drawing/2014/main" id="{6BF1EE19-30E3-684A-92C1-F6D772B69151}"/>
+              </a:ext>
+            </a:extLst>
+          </p:cNvPr>
+          <p:cNvSpPr>
+            <a:spLocks noGrp="1"/>
+          </p:cNvSpPr>
+          <p:nvPr>
+            <p:ph type="title"/>
+          </p:nvPr>
+        </p:nvSpPr>
+        <p:spPr/>
+        <p:txBody>
+          <a:bodyPr/>
+          <a:lstStyle/>
+          <a:p>
+            <a:r>
+              <a:rPr lang="en-US" dirty="0"/>
+              <a:t>Data Understanding</a:t>
+            </a:r>
+          </a:p>
+        </p:txBody>
+      </p:sp>
+      <p:sp>
+        <p:nvSpPr>
+          <p:cNvPr id="3" name="Content Placeholder 2">
+            <a:extLst>
+              <a:ext uri="{FF2B5EF4-FFF2-40B4-BE49-F238E27FC236}">
+                <a16:creationId xmlns:a16="http://schemas.microsoft.com/office/drawing/2014/main" id="{961D0452-65FB-E94A-A1BE-46B72B04EDEB}"/>
+              </a:ext>
+            </a:extLst>
+          </p:cNvPr>
+          <p:cNvSpPr>
+            <a:spLocks noGrp="1"/>
+          </p:cNvSpPr>
+          <p:nvPr>
+            <p:ph idx="1"/>
+          </p:nvPr>
+        </p:nvSpPr>
+        <p:spPr>
+          <a:xfrm>
+            <a:off x="2335843" y="1540189"/>
+            <a:ext cx="8915400" cy="3777622"/>
+          </a:xfrm>
+        </p:spPr>
+        <p:txBody>
+          <a:bodyPr>
+            <a:normAutofit/>
+          </a:bodyPr>
+          <a:lstStyle/>
+          <a:p>
+            <a:r>
+              <a:rPr lang="en-US" sz="2400" dirty="0"/>
+              <a:t>Various Weather Data</a:t>
+            </a:r>
+          </a:p>
+          <a:p>
+            <a:pPr lvl="1"/>
+            <a:r>
+              <a:rPr lang="en-US" sz="2200" dirty="0"/>
+              <a:t>Wind Patterns</a:t>
+            </a:r>
+          </a:p>
+          <a:p>
+            <a:pPr lvl="1"/>
+            <a:r>
+              <a:rPr lang="en-US" sz="2200" dirty="0"/>
+              <a:t>Sunshine Data</a:t>
+            </a:r>
+          </a:p>
+          <a:p>
+            <a:pPr lvl="1"/>
+            <a:r>
+              <a:rPr lang="en-US" sz="2200" dirty="0"/>
+              <a:t>Cloud Data</a:t>
+            </a:r>
+          </a:p>
+          <a:p>
+            <a:pPr lvl="1"/>
+            <a:r>
+              <a:rPr lang="en-US" sz="2200" dirty="0"/>
+              <a:t>Humidity</a:t>
+            </a:r>
+          </a:p>
+          <a:p>
+            <a:pPr lvl="1"/>
+            <a:r>
+              <a:rPr lang="en-US" sz="2200" dirty="0"/>
+              <a:t>Temperature</a:t>
+            </a:r>
+          </a:p>
+          <a:p>
+            <a:pPr lvl="1"/>
+            <a:r>
+              <a:rPr lang="en-US" sz="2200" dirty="0"/>
+              <a:t>Etc.</a:t>
+            </a:r>
+          </a:p>
+          <a:p>
+            <a:r>
+              <a:rPr lang="en-US" sz="2400" dirty="0"/>
+              <a:t>Histograms of Columns</a:t>
+            </a:r>
+          </a:p>
+          <a:p>
+            <a:endParaRPr lang="en-US" sz="2400" dirty="0"/>
+          </a:p>
+          <a:p>
+            <a:pPr lvl="1"/>
+            <a:endParaRPr lang="en-US" dirty="0"/>
+          </a:p>
+        </p:txBody>
+      </p:sp>
+    </p:spTree>
+    <p:extLst>
+      <p:ext uri="{BB962C8B-B14F-4D97-AF65-F5344CB8AC3E}">
+        <p14:creationId xmlns:p14="http://schemas.microsoft.com/office/powerpoint/2010/main" val="4102961490"/>
+      </p:ext>
+    </p:extLst>
+  </p:cSld>
+  <p:clrMapOvr>
+    <a:masterClrMapping/>
+  </p:clrMapOvr>
+</p:sld>
+</file>
+
+<file path=ppt/slides/slide5.xml><?xml version="1.0" encoding="utf-8"?>
+<p:sld xmlns:a="http://schemas.openxmlformats.org/drawingml/2006/main" xmlns:r="http://schemas.openxmlformats.org/officeDocument/2006/relationships" xmlns:p="http://schemas.openxmlformats.org/presentationml/2006/main">
+  <p:cSld>
+    <p:spTree>
+      <p:nvGrpSpPr>
+        <p:cNvPr id="1" name=""/>
+        <p:cNvGrpSpPr/>
+        <p:nvPr/>
+      </p:nvGrpSpPr>
+      <p:grpSpPr>
+        <a:xfrm>
+          <a:off x="0" y="0"/>
+          <a:ext cx="0" cy="0"/>
+          <a:chOff x="0" y="0"/>
+          <a:chExt cx="0" cy="0"/>
+        </a:xfrm>
+      </p:grpSpPr>
+      <p:pic>
+        <p:nvPicPr>
+          <p:cNvPr id="4" name="Picture 3" descr="A picture containing crossword puzzle, shoji, scoreboard, cabinet&#10;&#10;Description automatically generated">
+            <a:extLst>
+              <a:ext uri="{FF2B5EF4-FFF2-40B4-BE49-F238E27FC236}">
+                <a16:creationId xmlns:a16="http://schemas.microsoft.com/office/drawing/2014/main" id="{2E1AC62E-2BF5-5545-8B54-785AEF9E0840}"/>
+              </a:ext>
+            </a:extLst>
+          </p:cNvPr>
+          <p:cNvPicPr>
+            <a:picLocks noChangeAspect="1"/>
+          </p:cNvPicPr>
+          <p:nvPr/>
+        </p:nvPicPr>
+        <p:blipFill rotWithShape="1">
+          <a:blip r:embed="rId2"/>
+          <a:srcRect b="50000"/>
+          <a:stretch/>
+        </p:blipFill>
+        <p:spPr>
+          <a:xfrm>
+            <a:off x="54176" y="206477"/>
+            <a:ext cx="12083648" cy="6233652"/>
+          </a:xfrm>
+          <a:prstGeom prst="rect">
+            <a:avLst/>
+          </a:prstGeom>
+        </p:spPr>
+      </p:pic>
+    </p:spTree>
+    <p:extLst>
+      <p:ext uri="{BB962C8B-B14F-4D97-AF65-F5344CB8AC3E}">
+        <p14:creationId xmlns:p14="http://schemas.microsoft.com/office/powerpoint/2010/main" val="2643083701"/>
+      </p:ext>
+    </p:extLst>
+  </p:cSld>
+  <p:clrMapOvr>
+    <a:masterClrMapping/>
+  </p:clrMapOvr>
+</p:sld>
+</file>
+
+<file path=ppt/slides/slide6.xml><?xml version="1.0" encoding="utf-8"?>
+<p:sld xmlns:a="http://schemas.openxmlformats.org/drawingml/2006/main" xmlns:r="http://schemas.openxmlformats.org/officeDocument/2006/relationships" xmlns:p="http://schemas.openxmlformats.org/presentationml/2006/main">
+  <p:cSld>
+    <p:spTree>
+      <p:nvGrpSpPr>
+        <p:cNvPr id="1" name=""/>
+        <p:cNvGrpSpPr/>
+        <p:nvPr/>
+      </p:nvGrpSpPr>
+      <p:grpSpPr>
+        <a:xfrm>
+          <a:off x="0" y="0"/>
+          <a:ext cx="0" cy="0"/>
+          <a:chOff x="0" y="0"/>
+          <a:chExt cx="0" cy="0"/>
+        </a:xfrm>
+      </p:grpSpPr>
+      <p:pic>
+        <p:nvPicPr>
+          <p:cNvPr id="3" name="Picture 2" descr="A picture containing crossword puzzle, shoji, scoreboard, cabinet&#10;&#10;Description automatically generated">
+            <a:extLst>
+              <a:ext uri="{FF2B5EF4-FFF2-40B4-BE49-F238E27FC236}">
+                <a16:creationId xmlns:a16="http://schemas.microsoft.com/office/drawing/2014/main" id="{D9D328D8-198E-2543-83D5-2F1D9816BB82}"/>
+              </a:ext>
+            </a:extLst>
+          </p:cNvPr>
+          <p:cNvPicPr>
+            <a:picLocks noChangeAspect="1"/>
+          </p:cNvPicPr>
+          <p:nvPr/>
+        </p:nvPicPr>
+        <p:blipFill rotWithShape="1">
+          <a:blip r:embed="rId2"/>
+          <a:srcRect t="49672"/>
+          <a:stretch/>
+        </p:blipFill>
+        <p:spPr>
+          <a:xfrm>
+            <a:off x="154806" y="235974"/>
+            <a:ext cx="11882388" cy="5771535"/>
+          </a:xfrm>
+          <a:prstGeom prst="rect">
+            <a:avLst/>
+          </a:prstGeom>
+        </p:spPr>
+      </p:pic>
+    </p:spTree>
+    <p:extLst>
+      <p:ext uri="{BB962C8B-B14F-4D97-AF65-F5344CB8AC3E}">
+        <p14:creationId xmlns:p14="http://schemas.microsoft.com/office/powerpoint/2010/main" val="3638771423"/>
+      </p:ext>
+    </p:extLst>
+  </p:cSld>
+  <p:clrMapOvr>
+    <a:masterClrMapping/>
+  </p:clrMapOvr>
+</p:sld>
+</file>
+
+<file path=ppt/slides/slide7.xml><?xml version="1.0" encoding="utf-8"?>
+<p:sld xmlns:a="http://schemas.openxmlformats.org/drawingml/2006/main" xmlns:r="http://schemas.openxmlformats.org/officeDocument/2006/relationships" xmlns:p="http://schemas.openxmlformats.org/presentationml/2006/main">
+  <p:cSld>
+    <p:spTree>
+      <p:nvGrpSpPr>
+        <p:cNvPr id="1" name=""/>
+        <p:cNvGrpSpPr/>
+        <p:nvPr/>
+      </p:nvGrpSpPr>
+      <p:grpSpPr>
+        <a:xfrm>
+          <a:off x="0" y="0"/>
+          <a:ext cx="0" cy="0"/>
+          <a:chOff x="0" y="0"/>
+          <a:chExt cx="0" cy="0"/>
+        </a:xfrm>
+      </p:grpSpPr>
+      <p:sp>
+        <p:nvSpPr>
+          <p:cNvPr id="2" name="Title 1">
+            <a:extLst>
+              <a:ext uri="{FF2B5EF4-FFF2-40B4-BE49-F238E27FC236}">
+                <a16:creationId xmlns:a16="http://schemas.microsoft.com/office/drawing/2014/main" id="{6BF1EE19-30E3-684A-92C1-F6D772B69151}"/>
+              </a:ext>
+            </a:extLst>
+          </p:cNvPr>
+          <p:cNvSpPr>
+            <a:spLocks noGrp="1"/>
+          </p:cNvSpPr>
+          <p:nvPr>
+            <p:ph type="title"/>
+          </p:nvPr>
+        </p:nvSpPr>
+        <p:spPr/>
+        <p:txBody>
+          <a:bodyPr/>
+          <a:lstStyle/>
+          <a:p>
+            <a:r>
+              <a:rPr lang="en-US" dirty="0"/>
+              <a:t>Data Preparation</a:t>
+            </a:r>
+          </a:p>
+        </p:txBody>
+      </p:sp>
+      <p:sp>
+        <p:nvSpPr>
+          <p:cNvPr id="3" name="Content Placeholder 2">
+            <a:extLst>
+              <a:ext uri="{FF2B5EF4-FFF2-40B4-BE49-F238E27FC236}">
+                <a16:creationId xmlns:a16="http://schemas.microsoft.com/office/drawing/2014/main" id="{961D0452-65FB-E94A-A1BE-46B72B04EDEB}"/>
+              </a:ext>
+            </a:extLst>
+          </p:cNvPr>
+          <p:cNvSpPr>
+            <a:spLocks noGrp="1"/>
+          </p:cNvSpPr>
+          <p:nvPr>
+            <p:ph idx="1"/>
+          </p:nvPr>
+        </p:nvSpPr>
+        <p:spPr>
+          <a:xfrm>
+            <a:off x="2589212" y="1664677"/>
+            <a:ext cx="8915400" cy="3777622"/>
+          </a:xfrm>
+        </p:spPr>
+        <p:txBody>
+          <a:bodyPr>
+            <a:normAutofit/>
+          </a:bodyPr>
+          <a:lstStyle/>
+          <a:p>
+            <a:r>
+              <a:rPr lang="en-US" sz="2400" dirty="0"/>
+              <a:t>Create Dummy Variables</a:t>
+            </a:r>
+          </a:p>
+          <a:p>
+            <a:r>
+              <a:rPr lang="en-US" sz="2400" dirty="0"/>
+              <a:t>Train and Test Split:</a:t>
+            </a:r>
+          </a:p>
+          <a:p>
+            <a:pPr lvl="1"/>
+            <a:r>
+              <a:rPr lang="en-US" sz="2000" dirty="0"/>
+              <a:t>Fill empty data</a:t>
+            </a:r>
+          </a:p>
+          <a:p>
+            <a:pPr lvl="1"/>
+            <a:r>
+              <a:rPr lang="en-US" sz="2000" dirty="0"/>
+              <a:t>Check for erroneous data</a:t>
+            </a:r>
+          </a:p>
+          <a:p>
+            <a:pPr lvl="1"/>
+            <a:r>
+              <a:rPr lang="en-US" sz="2000" dirty="0"/>
+              <a:t>Normalize data</a:t>
+            </a:r>
+          </a:p>
+          <a:p>
+            <a:r>
+              <a:rPr lang="en-US" sz="2200" dirty="0"/>
+              <a:t>Clean all columns to ensure better modeling</a:t>
+            </a:r>
+          </a:p>
+          <a:p>
+            <a:endParaRPr lang="en-US" sz="2400" dirty="0"/>
+          </a:p>
+          <a:p>
+            <a:pPr lvl="1"/>
+            <a:endParaRPr lang="en-US" dirty="0"/>
+          </a:p>
+        </p:txBody>
+      </p:sp>
+    </p:spTree>
+    <p:extLst>
+      <p:ext uri="{BB962C8B-B14F-4D97-AF65-F5344CB8AC3E}">
+        <p14:creationId xmlns:p14="http://schemas.microsoft.com/office/powerpoint/2010/main" val="1582307326"/>
+      </p:ext>
+    </p:extLst>
+  </p:cSld>
+  <p:clrMapOvr>
+    <a:masterClrMapping/>
+  </p:clrMapOvr>
+</p:sld>
+</file>
+
+<file path=ppt/slides/slide8.xml><?xml version="1.0" encoding="utf-8"?>
+<p:sld xmlns:a="http://schemas.openxmlformats.org/drawingml/2006/main" xmlns:r="http://schemas.openxmlformats.org/officeDocument/2006/relationships" xmlns:p="http://schemas.openxmlformats.org/presentationml/2006/main">
+  <p:cSld>
+    <p:spTree>
+      <p:nvGrpSpPr>
+        <p:cNvPr id="1" name=""/>
+        <p:cNvGrpSpPr/>
+        <p:nvPr/>
+      </p:nvGrpSpPr>
+      <p:grpSpPr>
+        <a:xfrm>
+          <a:off x="0" y="0"/>
+          <a:ext cx="0" cy="0"/>
+          <a:chOff x="0" y="0"/>
+          <a:chExt cx="0" cy="0"/>
+        </a:xfrm>
+      </p:grpSpPr>
+      <p:sp>
+        <p:nvSpPr>
+          <p:cNvPr id="2" name="Title 1">
+            <a:extLst>
+              <a:ext uri="{FF2B5EF4-FFF2-40B4-BE49-F238E27FC236}">
+                <a16:creationId xmlns:a16="http://schemas.microsoft.com/office/drawing/2014/main" id="{CADF0FD5-64C6-194F-A48E-B1DE2390B2F5}"/>
+              </a:ext>
+            </a:extLst>
+          </p:cNvPr>
+          <p:cNvSpPr>
+            <a:spLocks noGrp="1"/>
+          </p:cNvSpPr>
+          <p:nvPr>
+            <p:ph type="title"/>
+          </p:nvPr>
+        </p:nvSpPr>
+        <p:spPr/>
+        <p:txBody>
+          <a:bodyPr/>
+          <a:lstStyle/>
+          <a:p>
+            <a:r>
+              <a:rPr lang="en-US" dirty="0"/>
+              <a:t>Modeling</a:t>
+            </a:r>
+          </a:p>
+        </p:txBody>
+      </p:sp>
+      <p:sp>
+        <p:nvSpPr>
+          <p:cNvPr id="3" name="Content Placeholder 2">
+            <a:extLst>
+              <a:ext uri="{FF2B5EF4-FFF2-40B4-BE49-F238E27FC236}">
+                <a16:creationId xmlns:a16="http://schemas.microsoft.com/office/drawing/2014/main" id="{5E21F994-5586-4342-B169-1CB0D857A23F}"/>
+              </a:ext>
+            </a:extLst>
+          </p:cNvPr>
+          <p:cNvSpPr>
+            <a:spLocks noGrp="1"/>
+          </p:cNvSpPr>
+          <p:nvPr>
+            <p:ph idx="1"/>
+          </p:nvPr>
+        </p:nvSpPr>
+        <p:spPr>
+          <a:xfrm>
+            <a:off x="2589212" y="1816413"/>
+            <a:ext cx="8915400" cy="4009955"/>
+          </a:xfrm>
+        </p:spPr>
+        <p:txBody>
+          <a:bodyPr>
+            <a:normAutofit/>
+          </a:bodyPr>
+          <a:lstStyle/>
+          <a:p>
+            <a:r>
+              <a:rPr lang="en-US" sz="2200" b="1" dirty="0"/>
+              <a:t>Logistic Regression</a:t>
+            </a:r>
+          </a:p>
+          <a:p>
+            <a:pPr lvl="1"/>
+            <a:r>
+              <a:rPr lang="en-US" sz="2000" dirty="0"/>
+              <a:t>Best Model: </a:t>
+            </a:r>
+            <a:r>
+              <a:rPr lang="en-US" sz="2000" b="1" dirty="0"/>
+              <a:t>84.19%</a:t>
+            </a:r>
+            <a:r>
+              <a:rPr lang="en-US" sz="2000" dirty="0"/>
+              <a:t> Accurate</a:t>
+            </a:r>
+          </a:p>
+          <a:p>
+            <a:r>
+              <a:rPr lang="en-US" sz="2200" dirty="0"/>
+              <a:t>K-Nearest Neighbors</a:t>
+            </a:r>
+          </a:p>
+          <a:p>
+            <a:pPr lvl="1"/>
+            <a:r>
+              <a:rPr lang="en-US" sz="2000" dirty="0"/>
+              <a:t>Best Model: 81.21% Accurate</a:t>
+            </a:r>
+          </a:p>
+          <a:p>
+            <a:r>
+              <a:rPr lang="en-US" sz="2200" dirty="0"/>
+              <a:t>Decision Trees</a:t>
+            </a:r>
+            <a:endParaRPr lang="en-US" sz="2200" dirty="0">
+              <a:sym typeface="Wingdings" pitchFamily="2" charset="2"/>
+            </a:endParaRPr>
+          </a:p>
+          <a:p>
+            <a:pPr lvl="1"/>
+            <a:r>
+              <a:rPr lang="en-US" sz="2000" dirty="0"/>
+              <a:t>Best Model: 82.44% Accurate</a:t>
+            </a:r>
+          </a:p>
+          <a:p>
+            <a:pPr lvl="1"/>
+            <a:endParaRPr lang="en-US" sz="2000" dirty="0"/>
+          </a:p>
+          <a:p>
+            <a:endParaRPr lang="en-US" sz="2200" dirty="0"/>
+          </a:p>
+          <a:p>
+            <a:endParaRPr lang="en-US" sz="2200" dirty="0"/>
+          </a:p>
+        </p:txBody>
+      </p:sp>
+    </p:spTree>
+    <p:extLst>
+      <p:ext uri="{BB962C8B-B14F-4D97-AF65-F5344CB8AC3E}">
+        <p14:creationId xmlns:p14="http://schemas.microsoft.com/office/powerpoint/2010/main" val="238484717"/>
+      </p:ext>
+    </p:extLst>
+  </p:cSld>
+  <p:clrMapOvr>
+    <a:masterClrMapping/>
+  </p:clrMapOvr>
+</p:sld>
+</file>
+
+<file path=ppt/slides/slide9.xml><?xml version="1.0" encoding="utf-8"?>
 <p:sld xmlns:a="http://schemas.openxmlformats.org/drawingml/2006/main" xmlns:r="http://schemas.openxmlformats.org/officeDocument/2006/relationships" xmlns:p="http://schemas.openxmlformats.org/presentationml/2006/main">
   <p:cSld>
     <p:bg>
@@ -12987,7 +17651,7 @@
         </p:nvSpPr>
         <p:spPr>
           <a:xfrm>
-            <a:off x="811017" y="0"/>
+            <a:off x="1640156" y="-20659"/>
             <a:ext cx="8911687" cy="1280890"/>
           </a:xfrm>
         </p:spPr>
@@ -12997,7 +17661,7 @@
           <a:p>
             <a:r>
               <a:rPr lang="en-US" dirty="0"/>
-              <a:t>Homoscedasticity</a:t>
+              <a:t>Logistic Regression: Confusion Matrix</a:t>
             </a:r>
           </a:p>
         </p:txBody>
@@ -13341,17 +18005,29 @@
           <a:p>
             <a:r>
               <a:rPr lang="en-US" sz="2200" dirty="0"/>
-              <a:t>Residuals seem even, however at higher prices the model tends to overpredict price</a:t>
+              <a:t>84% Accurate</a:t>
+            </a:r>
+          </a:p>
+          <a:p>
+            <a:r>
+              <a:rPr lang="en-US" sz="2200" dirty="0"/>
+              <a:t>7% Type I Error</a:t>
+            </a:r>
+          </a:p>
+          <a:p>
+            <a:r>
+              <a:rPr lang="en-US" sz="2200" dirty="0"/>
+              <a:t>9% Type II Error</a:t>
             </a:r>
           </a:p>
         </p:txBody>
       </p:sp>
       <p:pic>
         <p:nvPicPr>
-          <p:cNvPr id="5" name="Picture 4" descr="Chart, scatter chart&#10;&#10;Description automatically generated">
+          <p:cNvPr id="6" name="Picture 5" descr="Chart&#10;&#10;Description automatically generated">
             <a:extLst>
               <a:ext uri="{FF2B5EF4-FFF2-40B4-BE49-F238E27FC236}">
-                <a16:creationId xmlns:a16="http://schemas.microsoft.com/office/drawing/2014/main" id="{62F59317-0887-4F40-9B4D-DB79D265A534}"/>
+                <a16:creationId xmlns:a16="http://schemas.microsoft.com/office/drawing/2014/main" id="{83A74FDA-C543-184C-A549-61D7C48D7398}"/>
               </a:ext>
             </a:extLst>
           </p:cNvPr>
@@ -13368,8 +18044,8 @@
         </p:blipFill>
         <p:spPr>
           <a:xfrm>
-            <a:off x="8219" y="587618"/>
-            <a:ext cx="8351862" cy="6270382"/>
+            <a:off x="2436812" y="1513412"/>
+            <a:ext cx="5281113" cy="4130303"/>
           </a:xfrm>
           <a:prstGeom prst="rect">
             <a:avLst/>
@@ -13380,1501 +18056,6 @@
     <p:extLst>
       <p:ext uri="{BB962C8B-B14F-4D97-AF65-F5344CB8AC3E}">
         <p14:creationId xmlns:p14="http://schemas.microsoft.com/office/powerpoint/2010/main" val="3775387276"/>
-      </p:ext>
-    </p:extLst>
-  </p:cSld>
-  <p:clrMapOvr>
-    <a:masterClrMapping/>
-  </p:clrMapOvr>
-</p:sld>
-</file>
-
-<file path=ppt/slides/slide13.xml><?xml version="1.0" encoding="utf-8"?>
-<p:sld xmlns:a="http://schemas.openxmlformats.org/drawingml/2006/main" xmlns:r="http://schemas.openxmlformats.org/officeDocument/2006/relationships" xmlns:p="http://schemas.openxmlformats.org/presentationml/2006/main">
-  <p:cSld>
-    <p:spTree>
-      <p:nvGrpSpPr>
-        <p:cNvPr id="1" name=""/>
-        <p:cNvGrpSpPr/>
-        <p:nvPr/>
-      </p:nvGrpSpPr>
-      <p:grpSpPr>
-        <a:xfrm>
-          <a:off x="0" y="0"/>
-          <a:ext cx="0" cy="0"/>
-          <a:chOff x="0" y="0"/>
-          <a:chExt cx="0" cy="0"/>
-        </a:xfrm>
-      </p:grpSpPr>
-      <p:sp>
-        <p:nvSpPr>
-          <p:cNvPr id="2" name="Title 1">
-            <a:extLst>
-              <a:ext uri="{FF2B5EF4-FFF2-40B4-BE49-F238E27FC236}">
-                <a16:creationId xmlns:a16="http://schemas.microsoft.com/office/drawing/2014/main" id="{AE3B13C3-41F1-0549-9618-E8E0DBDB646E}"/>
-              </a:ext>
-            </a:extLst>
-          </p:cNvPr>
-          <p:cNvSpPr>
-            <a:spLocks noGrp="1"/>
-          </p:cNvSpPr>
-          <p:nvPr>
-            <p:ph type="title"/>
-          </p:nvPr>
-        </p:nvSpPr>
-        <p:spPr/>
-        <p:txBody>
-          <a:bodyPr/>
-          <a:lstStyle/>
-          <a:p>
-            <a:r>
-              <a:rPr lang="en-US" dirty="0"/>
-              <a:t>Next Steps – Improve Model</a:t>
-            </a:r>
-          </a:p>
-        </p:txBody>
-      </p:sp>
-      <p:sp>
-        <p:nvSpPr>
-          <p:cNvPr id="3" name="Content Placeholder 2">
-            <a:extLst>
-              <a:ext uri="{FF2B5EF4-FFF2-40B4-BE49-F238E27FC236}">
-                <a16:creationId xmlns:a16="http://schemas.microsoft.com/office/drawing/2014/main" id="{CA8CA6DF-0C6A-3847-9AD2-89A8ED34CB5C}"/>
-              </a:ext>
-            </a:extLst>
-          </p:cNvPr>
-          <p:cNvSpPr>
-            <a:spLocks noGrp="1"/>
-          </p:cNvSpPr>
-          <p:nvPr>
-            <p:ph idx="1"/>
-          </p:nvPr>
-        </p:nvSpPr>
-        <p:spPr/>
-        <p:txBody>
-          <a:bodyPr>
-            <a:normAutofit/>
-          </a:bodyPr>
-          <a:lstStyle/>
-          <a:p>
-            <a:r>
-              <a:rPr lang="en-US" sz="2400" dirty="0"/>
-              <a:t>Add more features to model:</a:t>
-            </a:r>
-          </a:p>
-          <a:p>
-            <a:pPr lvl="1"/>
-            <a:r>
-              <a:rPr lang="en-US" sz="2200" dirty="0"/>
-              <a:t>House color</a:t>
-            </a:r>
-          </a:p>
-          <a:p>
-            <a:pPr lvl="1"/>
-            <a:r>
-              <a:rPr lang="en-US" sz="2200" dirty="0"/>
-              <a:t>Location</a:t>
-            </a:r>
-          </a:p>
-          <a:p>
-            <a:pPr lvl="1"/>
-            <a:r>
-              <a:rPr lang="en-US" sz="2200" dirty="0"/>
-              <a:t>Proximity of Police Station</a:t>
-            </a:r>
-          </a:p>
-          <a:p>
-            <a:r>
-              <a:rPr lang="en-US" sz="2400" dirty="0"/>
-              <a:t>Add more data for higher priced houses</a:t>
-            </a:r>
-          </a:p>
-          <a:p>
-            <a:pPr marL="0" indent="0">
-              <a:buNone/>
-            </a:pPr>
-            <a:endParaRPr lang="en-US" sz="2400" dirty="0"/>
-          </a:p>
-        </p:txBody>
-      </p:sp>
-    </p:spTree>
-    <p:extLst>
-      <p:ext uri="{BB962C8B-B14F-4D97-AF65-F5344CB8AC3E}">
-        <p14:creationId xmlns:p14="http://schemas.microsoft.com/office/powerpoint/2010/main" val="3741287621"/>
-      </p:ext>
-    </p:extLst>
-  </p:cSld>
-  <p:clrMapOvr>
-    <a:masterClrMapping/>
-  </p:clrMapOvr>
-</p:sld>
-</file>
-
-<file path=ppt/slides/slide14.xml><?xml version="1.0" encoding="utf-8"?>
-<p:sld xmlns:a="http://schemas.openxmlformats.org/drawingml/2006/main" xmlns:r="http://schemas.openxmlformats.org/officeDocument/2006/relationships" xmlns:p="http://schemas.openxmlformats.org/presentationml/2006/main">
-  <p:cSld>
-    <p:spTree>
-      <p:nvGrpSpPr>
-        <p:cNvPr id="1" name=""/>
-        <p:cNvGrpSpPr/>
-        <p:nvPr/>
-      </p:nvGrpSpPr>
-      <p:grpSpPr>
-        <a:xfrm>
-          <a:off x="0" y="0"/>
-          <a:ext cx="0" cy="0"/>
-          <a:chOff x="0" y="0"/>
-          <a:chExt cx="0" cy="0"/>
-        </a:xfrm>
-      </p:grpSpPr>
-      <p:sp>
-        <p:nvSpPr>
-          <p:cNvPr id="2" name="Title 1">
-            <a:extLst>
-              <a:ext uri="{FF2B5EF4-FFF2-40B4-BE49-F238E27FC236}">
-                <a16:creationId xmlns:a16="http://schemas.microsoft.com/office/drawing/2014/main" id="{9A4FF680-A039-CE42-80C9-5974AE45320B}"/>
-              </a:ext>
-            </a:extLst>
-          </p:cNvPr>
-          <p:cNvSpPr>
-            <a:spLocks noGrp="1"/>
-          </p:cNvSpPr>
-          <p:nvPr>
-            <p:ph type="ctrTitle"/>
-          </p:nvPr>
-        </p:nvSpPr>
-        <p:spPr/>
-        <p:txBody>
-          <a:bodyPr/>
-          <a:lstStyle/>
-          <a:p>
-            <a:r>
-              <a:rPr lang="en-US" dirty="0"/>
-              <a:t>Thank you for your time!</a:t>
-            </a:r>
-          </a:p>
-        </p:txBody>
-      </p:sp>
-    </p:spTree>
-    <p:extLst>
-      <p:ext uri="{BB962C8B-B14F-4D97-AF65-F5344CB8AC3E}">
-        <p14:creationId xmlns:p14="http://schemas.microsoft.com/office/powerpoint/2010/main" val="319019555"/>
-      </p:ext>
-    </p:extLst>
-  </p:cSld>
-  <p:clrMapOvr>
-    <a:masterClrMapping/>
-  </p:clrMapOvr>
-</p:sld>
-</file>
-
-<file path=ppt/slides/slide2.xml><?xml version="1.0" encoding="utf-8"?>
-<p:sld xmlns:a="http://schemas.openxmlformats.org/drawingml/2006/main" xmlns:r="http://schemas.openxmlformats.org/officeDocument/2006/relationships" xmlns:p="http://schemas.openxmlformats.org/presentationml/2006/main">
-  <p:cSld>
-    <p:spTree>
-      <p:nvGrpSpPr>
-        <p:cNvPr id="1" name=""/>
-        <p:cNvGrpSpPr/>
-        <p:nvPr/>
-      </p:nvGrpSpPr>
-      <p:grpSpPr>
-        <a:xfrm>
-          <a:off x="0" y="0"/>
-          <a:ext cx="0" cy="0"/>
-          <a:chOff x="0" y="0"/>
-          <a:chExt cx="0" cy="0"/>
-        </a:xfrm>
-      </p:grpSpPr>
-      <p:sp>
-        <p:nvSpPr>
-          <p:cNvPr id="2" name="Title 1">
-            <a:extLst>
-              <a:ext uri="{FF2B5EF4-FFF2-40B4-BE49-F238E27FC236}">
-                <a16:creationId xmlns:a16="http://schemas.microsoft.com/office/drawing/2014/main" id="{03173ADA-042E-854E-BAC3-83B92EE88588}"/>
-              </a:ext>
-            </a:extLst>
-          </p:cNvPr>
-          <p:cNvSpPr>
-            <a:spLocks noGrp="1"/>
-          </p:cNvSpPr>
-          <p:nvPr>
-            <p:ph type="title"/>
-          </p:nvPr>
-        </p:nvSpPr>
-        <p:spPr/>
-        <p:txBody>
-          <a:bodyPr/>
-          <a:lstStyle/>
-          <a:p>
-            <a:r>
-              <a:rPr lang="en-US" dirty="0"/>
-              <a:t>Objectives – 5 Step Model</a:t>
-            </a:r>
-          </a:p>
-        </p:txBody>
-      </p:sp>
-      <p:graphicFrame>
-        <p:nvGraphicFramePr>
-          <p:cNvPr id="5" name="Content Placeholder 2">
-            <a:extLst>
-              <a:ext uri="{FF2B5EF4-FFF2-40B4-BE49-F238E27FC236}">
-                <a16:creationId xmlns:a16="http://schemas.microsoft.com/office/drawing/2014/main" id="{792512B1-1AA2-4F1C-A703-0152AEDEB62F}"/>
-              </a:ext>
-            </a:extLst>
-          </p:cNvPr>
-          <p:cNvGraphicFramePr>
-            <a:graphicFrameLocks noGrp="1"/>
-          </p:cNvGraphicFramePr>
-          <p:nvPr>
-            <p:ph idx="1"/>
-            <p:extLst>
-              <p:ext uri="{D42A27DB-BD31-4B8C-83A1-F6EECF244321}">
-                <p14:modId xmlns:p14="http://schemas.microsoft.com/office/powerpoint/2010/main" val="453597886"/>
-              </p:ext>
-            </p:extLst>
-          </p:nvPr>
-        </p:nvGraphicFramePr>
-        <p:xfrm>
-          <a:off x="2589213" y="2133600"/>
-          <a:ext cx="8915400" cy="3778250"/>
-        </p:xfrm>
-        <a:graphic>
-          <a:graphicData uri="http://schemas.openxmlformats.org/drawingml/2006/diagram">
-            <dgm:relIds xmlns:dgm="http://schemas.openxmlformats.org/drawingml/2006/diagram" xmlns:r="http://schemas.openxmlformats.org/officeDocument/2006/relationships" r:dm="rId2" r:lo="rId3" r:qs="rId4" r:cs="rId5"/>
-          </a:graphicData>
-        </a:graphic>
-      </p:graphicFrame>
-    </p:spTree>
-    <p:extLst>
-      <p:ext uri="{BB962C8B-B14F-4D97-AF65-F5344CB8AC3E}">
-        <p14:creationId xmlns:p14="http://schemas.microsoft.com/office/powerpoint/2010/main" val="442016146"/>
-      </p:ext>
-    </p:extLst>
-  </p:cSld>
-  <p:clrMapOvr>
-    <a:masterClrMapping/>
-  </p:clrMapOvr>
-</p:sld>
-</file>
-
-<file path=ppt/slides/slide3.xml><?xml version="1.0" encoding="utf-8"?>
-<p:sld xmlns:a="http://schemas.openxmlformats.org/drawingml/2006/main" xmlns:r="http://schemas.openxmlformats.org/officeDocument/2006/relationships" xmlns:p="http://schemas.openxmlformats.org/presentationml/2006/main">
-  <p:cSld>
-    <p:spTree>
-      <p:nvGrpSpPr>
-        <p:cNvPr id="1" name=""/>
-        <p:cNvGrpSpPr/>
-        <p:nvPr/>
-      </p:nvGrpSpPr>
-      <p:grpSpPr>
-        <a:xfrm>
-          <a:off x="0" y="0"/>
-          <a:ext cx="0" cy="0"/>
-          <a:chOff x="0" y="0"/>
-          <a:chExt cx="0" cy="0"/>
-        </a:xfrm>
-      </p:grpSpPr>
-      <p:sp>
-        <p:nvSpPr>
-          <p:cNvPr id="2" name="Title 1">
-            <a:extLst>
-              <a:ext uri="{FF2B5EF4-FFF2-40B4-BE49-F238E27FC236}">
-                <a16:creationId xmlns:a16="http://schemas.microsoft.com/office/drawing/2014/main" id="{6BF1EE19-30E3-684A-92C1-F6D772B69151}"/>
-              </a:ext>
-            </a:extLst>
-          </p:cNvPr>
-          <p:cNvSpPr>
-            <a:spLocks noGrp="1"/>
-          </p:cNvSpPr>
-          <p:nvPr>
-            <p:ph type="title"/>
-          </p:nvPr>
-        </p:nvSpPr>
-        <p:spPr/>
-        <p:txBody>
-          <a:bodyPr/>
-          <a:lstStyle/>
-          <a:p>
-            <a:r>
-              <a:rPr lang="en-US" dirty="0"/>
-              <a:t>Business Understanding</a:t>
-            </a:r>
-          </a:p>
-        </p:txBody>
-      </p:sp>
-      <p:sp>
-        <p:nvSpPr>
-          <p:cNvPr id="3" name="Content Placeholder 2">
-            <a:extLst>
-              <a:ext uri="{FF2B5EF4-FFF2-40B4-BE49-F238E27FC236}">
-                <a16:creationId xmlns:a16="http://schemas.microsoft.com/office/drawing/2014/main" id="{961D0452-65FB-E94A-A1BE-46B72B04EDEB}"/>
-              </a:ext>
-            </a:extLst>
-          </p:cNvPr>
-          <p:cNvSpPr>
-            <a:spLocks noGrp="1"/>
-          </p:cNvSpPr>
-          <p:nvPr>
-            <p:ph idx="1"/>
-          </p:nvPr>
-        </p:nvSpPr>
-        <p:spPr>
-          <a:xfrm>
-            <a:off x="2592925" y="1723292"/>
-            <a:ext cx="8915400" cy="3777622"/>
-          </a:xfrm>
-        </p:spPr>
-        <p:txBody>
-          <a:bodyPr>
-            <a:normAutofit lnSpcReduction="10000"/>
-          </a:bodyPr>
-          <a:lstStyle/>
-          <a:p>
-            <a:r>
-              <a:rPr lang="en-US" sz="2400" dirty="0"/>
-              <a:t>Stakeholders:</a:t>
-            </a:r>
-          </a:p>
-          <a:p>
-            <a:pPr lvl="1"/>
-            <a:r>
-              <a:rPr lang="en-US" sz="2000" dirty="0"/>
-              <a:t>Home Improve Inc.</a:t>
-            </a:r>
-          </a:p>
-          <a:p>
-            <a:pPr lvl="1"/>
-            <a:r>
-              <a:rPr lang="en-US" sz="2000" dirty="0"/>
-              <a:t>Homeowners</a:t>
-            </a:r>
-          </a:p>
-          <a:p>
-            <a:pPr lvl="1"/>
-            <a:r>
-              <a:rPr lang="en-US" sz="2000" dirty="0"/>
-              <a:t>Home buyers</a:t>
-            </a:r>
-          </a:p>
-          <a:p>
-            <a:pPr lvl="1"/>
-            <a:r>
-              <a:rPr lang="en-US" sz="2000" dirty="0"/>
-              <a:t>Real-Estate Agents</a:t>
-            </a:r>
-          </a:p>
-          <a:p>
-            <a:r>
-              <a:rPr lang="en-US" sz="2400" dirty="0"/>
-              <a:t>Business Problem:</a:t>
-            </a:r>
-          </a:p>
-          <a:p>
-            <a:pPr lvl="1"/>
-            <a:r>
-              <a:rPr lang="en-US" sz="2000" dirty="0"/>
-              <a:t>To help customers understand and improve the value of their home</a:t>
-            </a:r>
-          </a:p>
-          <a:p>
-            <a:r>
-              <a:rPr lang="en-US" sz="2400" dirty="0"/>
-              <a:t>Predictive and Inferential Model</a:t>
-            </a:r>
-          </a:p>
-          <a:p>
-            <a:pPr lvl="1"/>
-            <a:endParaRPr lang="en-US" dirty="0"/>
-          </a:p>
-        </p:txBody>
-      </p:sp>
-    </p:spTree>
-    <p:extLst>
-      <p:ext uri="{BB962C8B-B14F-4D97-AF65-F5344CB8AC3E}">
-        <p14:creationId xmlns:p14="http://schemas.microsoft.com/office/powerpoint/2010/main" val="948472048"/>
-      </p:ext>
-    </p:extLst>
-  </p:cSld>
-  <p:clrMapOvr>
-    <a:masterClrMapping/>
-  </p:clrMapOvr>
-</p:sld>
-</file>
-
-<file path=ppt/slides/slide4.xml><?xml version="1.0" encoding="utf-8"?>
-<p:sld xmlns:a="http://schemas.openxmlformats.org/drawingml/2006/main" xmlns:r="http://schemas.openxmlformats.org/officeDocument/2006/relationships" xmlns:p="http://schemas.openxmlformats.org/presentationml/2006/main">
-  <p:cSld>
-    <p:spTree>
-      <p:nvGrpSpPr>
-        <p:cNvPr id="1" name=""/>
-        <p:cNvGrpSpPr/>
-        <p:nvPr/>
-      </p:nvGrpSpPr>
-      <p:grpSpPr>
-        <a:xfrm>
-          <a:off x="0" y="0"/>
-          <a:ext cx="0" cy="0"/>
-          <a:chOff x="0" y="0"/>
-          <a:chExt cx="0" cy="0"/>
-        </a:xfrm>
-      </p:grpSpPr>
-      <p:sp>
-        <p:nvSpPr>
-          <p:cNvPr id="2" name="Title 1">
-            <a:extLst>
-              <a:ext uri="{FF2B5EF4-FFF2-40B4-BE49-F238E27FC236}">
-                <a16:creationId xmlns:a16="http://schemas.microsoft.com/office/drawing/2014/main" id="{6BF1EE19-30E3-684A-92C1-F6D772B69151}"/>
-              </a:ext>
-            </a:extLst>
-          </p:cNvPr>
-          <p:cNvSpPr>
-            <a:spLocks noGrp="1"/>
-          </p:cNvSpPr>
-          <p:nvPr>
-            <p:ph type="title"/>
-          </p:nvPr>
-        </p:nvSpPr>
-        <p:spPr/>
-        <p:txBody>
-          <a:bodyPr/>
-          <a:lstStyle/>
-          <a:p>
-            <a:r>
-              <a:rPr lang="en-US" dirty="0"/>
-              <a:t>Data Understanding</a:t>
-            </a:r>
-          </a:p>
-        </p:txBody>
-      </p:sp>
-      <p:sp>
-        <p:nvSpPr>
-          <p:cNvPr id="3" name="Content Placeholder 2">
-            <a:extLst>
-              <a:ext uri="{FF2B5EF4-FFF2-40B4-BE49-F238E27FC236}">
-                <a16:creationId xmlns:a16="http://schemas.microsoft.com/office/drawing/2014/main" id="{961D0452-65FB-E94A-A1BE-46B72B04EDEB}"/>
-              </a:ext>
-            </a:extLst>
-          </p:cNvPr>
-          <p:cNvSpPr>
-            <a:spLocks noGrp="1"/>
-          </p:cNvSpPr>
-          <p:nvPr>
-            <p:ph idx="1"/>
-          </p:nvPr>
-        </p:nvSpPr>
-        <p:spPr>
-          <a:xfrm>
-            <a:off x="2589212" y="1664677"/>
-            <a:ext cx="8915400" cy="3777622"/>
-          </a:xfrm>
-        </p:spPr>
-        <p:txBody>
-          <a:bodyPr>
-            <a:normAutofit/>
-          </a:bodyPr>
-          <a:lstStyle/>
-          <a:p>
-            <a:r>
-              <a:rPr lang="en-US" sz="2400" dirty="0"/>
-              <a:t>Homes in Kings County, Washington</a:t>
-            </a:r>
-          </a:p>
-          <a:p>
-            <a:r>
-              <a:rPr lang="en-US" sz="2400" dirty="0"/>
-              <a:t>Important Housing Information:</a:t>
-            </a:r>
-          </a:p>
-          <a:p>
-            <a:pPr lvl="1"/>
-            <a:r>
-              <a:rPr lang="en-US" sz="2200" dirty="0"/>
-              <a:t>Price</a:t>
-            </a:r>
-          </a:p>
-          <a:p>
-            <a:pPr lvl="1"/>
-            <a:r>
-              <a:rPr lang="en-US" sz="2200" dirty="0"/>
-              <a:t>Bedrooms</a:t>
-            </a:r>
-          </a:p>
-          <a:p>
-            <a:pPr lvl="1"/>
-            <a:r>
-              <a:rPr lang="en-US" sz="2200" dirty="0"/>
-              <a:t>Sq Feet</a:t>
-            </a:r>
-          </a:p>
-          <a:p>
-            <a:pPr lvl="1"/>
-            <a:r>
-              <a:rPr lang="en-US" sz="2200" dirty="0"/>
-              <a:t>Grade</a:t>
-            </a:r>
-          </a:p>
-          <a:p>
-            <a:pPr lvl="1"/>
-            <a:r>
-              <a:rPr lang="en-US" sz="2200" dirty="0"/>
-              <a:t>Floors</a:t>
-            </a:r>
-          </a:p>
-          <a:p>
-            <a:pPr lvl="1"/>
-            <a:r>
-              <a:rPr lang="en-US" sz="2200" dirty="0"/>
-              <a:t>Etc.</a:t>
-            </a:r>
-          </a:p>
-          <a:p>
-            <a:endParaRPr lang="en-US" sz="2400" dirty="0"/>
-          </a:p>
-          <a:p>
-            <a:pPr lvl="1"/>
-            <a:endParaRPr lang="en-US" dirty="0"/>
-          </a:p>
-        </p:txBody>
-      </p:sp>
-    </p:spTree>
-    <p:extLst>
-      <p:ext uri="{BB962C8B-B14F-4D97-AF65-F5344CB8AC3E}">
-        <p14:creationId xmlns:p14="http://schemas.microsoft.com/office/powerpoint/2010/main" val="4102961490"/>
-      </p:ext>
-    </p:extLst>
-  </p:cSld>
-  <p:clrMapOvr>
-    <a:masterClrMapping/>
-  </p:clrMapOvr>
-</p:sld>
-</file>
-
-<file path=ppt/slides/slide5.xml><?xml version="1.0" encoding="utf-8"?>
-<p:sld xmlns:a="http://schemas.openxmlformats.org/drawingml/2006/main" xmlns:r="http://schemas.openxmlformats.org/officeDocument/2006/relationships" xmlns:p="http://schemas.openxmlformats.org/presentationml/2006/main">
-  <p:cSld>
-    <p:spTree>
-      <p:nvGrpSpPr>
-        <p:cNvPr id="1" name=""/>
-        <p:cNvGrpSpPr/>
-        <p:nvPr/>
-      </p:nvGrpSpPr>
-      <p:grpSpPr>
-        <a:xfrm>
-          <a:off x="0" y="0"/>
-          <a:ext cx="0" cy="0"/>
-          <a:chOff x="0" y="0"/>
-          <a:chExt cx="0" cy="0"/>
-        </a:xfrm>
-      </p:grpSpPr>
-      <p:sp>
-        <p:nvSpPr>
-          <p:cNvPr id="2" name="Title 1">
-            <a:extLst>
-              <a:ext uri="{FF2B5EF4-FFF2-40B4-BE49-F238E27FC236}">
-                <a16:creationId xmlns:a16="http://schemas.microsoft.com/office/drawing/2014/main" id="{6BF1EE19-30E3-684A-92C1-F6D772B69151}"/>
-              </a:ext>
-            </a:extLst>
-          </p:cNvPr>
-          <p:cNvSpPr>
-            <a:spLocks noGrp="1"/>
-          </p:cNvSpPr>
-          <p:nvPr>
-            <p:ph type="title"/>
-          </p:nvPr>
-        </p:nvSpPr>
-        <p:spPr/>
-        <p:txBody>
-          <a:bodyPr/>
-          <a:lstStyle/>
-          <a:p>
-            <a:r>
-              <a:rPr lang="en-US" dirty="0"/>
-              <a:t>Data Preparation</a:t>
-            </a:r>
-          </a:p>
-        </p:txBody>
-      </p:sp>
-      <p:sp>
-        <p:nvSpPr>
-          <p:cNvPr id="3" name="Content Placeholder 2">
-            <a:extLst>
-              <a:ext uri="{FF2B5EF4-FFF2-40B4-BE49-F238E27FC236}">
-                <a16:creationId xmlns:a16="http://schemas.microsoft.com/office/drawing/2014/main" id="{961D0452-65FB-E94A-A1BE-46B72B04EDEB}"/>
-              </a:ext>
-            </a:extLst>
-          </p:cNvPr>
-          <p:cNvSpPr>
-            <a:spLocks noGrp="1"/>
-          </p:cNvSpPr>
-          <p:nvPr>
-            <p:ph idx="1"/>
-          </p:nvPr>
-        </p:nvSpPr>
-        <p:spPr>
-          <a:xfrm>
-            <a:off x="2589212" y="1664677"/>
-            <a:ext cx="8915400" cy="3777622"/>
-          </a:xfrm>
-        </p:spPr>
-        <p:txBody>
-          <a:bodyPr>
-            <a:normAutofit/>
-          </a:bodyPr>
-          <a:lstStyle/>
-          <a:p>
-            <a:r>
-              <a:rPr lang="en-US" sz="2400" dirty="0"/>
-              <a:t>Train and test data:</a:t>
-            </a:r>
-          </a:p>
-          <a:p>
-            <a:pPr lvl="1"/>
-            <a:r>
-              <a:rPr lang="en-US" sz="2000" dirty="0"/>
-              <a:t>Remove outliers</a:t>
-            </a:r>
-          </a:p>
-          <a:p>
-            <a:pPr lvl="1"/>
-            <a:r>
-              <a:rPr lang="en-US" sz="2000" dirty="0"/>
-              <a:t>Fill empty data</a:t>
-            </a:r>
-          </a:p>
-          <a:p>
-            <a:pPr lvl="1"/>
-            <a:r>
-              <a:rPr lang="en-US" sz="2000" dirty="0"/>
-              <a:t>Check for erroneous data</a:t>
-            </a:r>
-          </a:p>
-          <a:p>
-            <a:r>
-              <a:rPr lang="en-US" sz="2200" dirty="0"/>
-              <a:t>Clean all columns to ensure better modeling</a:t>
-            </a:r>
-          </a:p>
-          <a:p>
-            <a:endParaRPr lang="en-US" sz="2400" dirty="0"/>
-          </a:p>
-          <a:p>
-            <a:pPr lvl="1"/>
-            <a:endParaRPr lang="en-US" dirty="0"/>
-          </a:p>
-        </p:txBody>
-      </p:sp>
-    </p:spTree>
-    <p:extLst>
-      <p:ext uri="{BB962C8B-B14F-4D97-AF65-F5344CB8AC3E}">
-        <p14:creationId xmlns:p14="http://schemas.microsoft.com/office/powerpoint/2010/main" val="1582307326"/>
-      </p:ext>
-    </p:extLst>
-  </p:cSld>
-  <p:clrMapOvr>
-    <a:masterClrMapping/>
-  </p:clrMapOvr>
-</p:sld>
-</file>
-
-<file path=ppt/slides/slide6.xml><?xml version="1.0" encoding="utf-8"?>
-<p:sld xmlns:a="http://schemas.openxmlformats.org/drawingml/2006/main" xmlns:r="http://schemas.openxmlformats.org/officeDocument/2006/relationships" xmlns:p="http://schemas.openxmlformats.org/presentationml/2006/main">
-  <p:cSld>
-    <p:bg>
-      <p:bgPr>
-        <a:gradFill rotWithShape="1">
-          <a:gsLst>
-            <a:gs pos="0">
-              <a:schemeClr val="bg2">
-                <a:tint val="90000"/>
-                <a:lumMod val="120000"/>
-              </a:schemeClr>
-            </a:gs>
-            <a:gs pos="100000">
-              <a:schemeClr val="bg2">
-                <a:shade val="98000"/>
-                <a:satMod val="120000"/>
-                <a:lumMod val="98000"/>
-              </a:schemeClr>
-            </a:gs>
-          </a:gsLst>
-          <a:lin ang="5400000" scaled="0"/>
-        </a:gradFill>
-        <a:effectLst/>
-      </p:bgPr>
-    </p:bg>
-    <p:spTree>
-      <p:nvGrpSpPr>
-        <p:cNvPr id="1" name=""/>
-        <p:cNvGrpSpPr/>
-        <p:nvPr/>
-      </p:nvGrpSpPr>
-      <p:grpSpPr>
-        <a:xfrm>
-          <a:off x="0" y="0"/>
-          <a:ext cx="0" cy="0"/>
-          <a:chOff x="0" y="0"/>
-          <a:chExt cx="0" cy="0"/>
-        </a:xfrm>
-      </p:grpSpPr>
-      <p:sp>
-        <p:nvSpPr>
-          <p:cNvPr id="2" name="Title 1">
-            <a:extLst>
-              <a:ext uri="{FF2B5EF4-FFF2-40B4-BE49-F238E27FC236}">
-                <a16:creationId xmlns:a16="http://schemas.microsoft.com/office/drawing/2014/main" id="{6BF1EE19-30E3-684A-92C1-F6D772B69151}"/>
-              </a:ext>
-            </a:extLst>
-          </p:cNvPr>
-          <p:cNvSpPr>
-            <a:spLocks noGrp="1"/>
-          </p:cNvSpPr>
-          <p:nvPr>
-            <p:ph type="title"/>
-          </p:nvPr>
-        </p:nvSpPr>
-        <p:spPr>
-          <a:xfrm>
-            <a:off x="1792825" y="598710"/>
-            <a:ext cx="8911687" cy="1280890"/>
-          </a:xfrm>
-        </p:spPr>
-        <p:txBody>
-          <a:bodyPr/>
-          <a:lstStyle/>
-          <a:p>
-            <a:r>
-              <a:rPr lang="en-US" dirty="0"/>
-              <a:t>Modeling</a:t>
-            </a:r>
-          </a:p>
-        </p:txBody>
-      </p:sp>
-      <p:sp>
-        <p:nvSpPr>
-          <p:cNvPr id="3" name="Content Placeholder 2">
-            <a:extLst>
-              <a:ext uri="{FF2B5EF4-FFF2-40B4-BE49-F238E27FC236}">
-                <a16:creationId xmlns:a16="http://schemas.microsoft.com/office/drawing/2014/main" id="{961D0452-65FB-E94A-A1BE-46B72B04EDEB}"/>
-              </a:ext>
-            </a:extLst>
-          </p:cNvPr>
-          <p:cNvSpPr>
-            <a:spLocks noGrp="1"/>
-          </p:cNvSpPr>
-          <p:nvPr>
-            <p:ph idx="1"/>
-          </p:nvPr>
-        </p:nvSpPr>
-        <p:spPr>
-          <a:xfrm>
-            <a:off x="684212" y="1540189"/>
-            <a:ext cx="3570288" cy="3777622"/>
-          </a:xfrm>
-        </p:spPr>
-        <p:txBody>
-          <a:bodyPr>
-            <a:normAutofit/>
-          </a:bodyPr>
-          <a:lstStyle/>
-          <a:p>
-            <a:r>
-              <a:rPr lang="en-US" sz="2400" dirty="0"/>
-              <a:t>What are the most correlated variables?</a:t>
-            </a:r>
-          </a:p>
-          <a:p>
-            <a:pPr lvl="1"/>
-            <a:r>
-              <a:rPr lang="en-US" sz="2200" dirty="0"/>
-              <a:t>Grade &amp; living space</a:t>
-            </a:r>
-          </a:p>
-          <a:p>
-            <a:pPr lvl="1"/>
-            <a:endParaRPr lang="en-US" dirty="0"/>
-          </a:p>
-        </p:txBody>
-      </p:sp>
-      <p:pic>
-        <p:nvPicPr>
-          <p:cNvPr id="7" name="Picture 6" descr="Timeline&#10;&#10;Description automatically generated">
-            <a:extLst>
-              <a:ext uri="{FF2B5EF4-FFF2-40B4-BE49-F238E27FC236}">
-                <a16:creationId xmlns:a16="http://schemas.microsoft.com/office/drawing/2014/main" id="{4338DD43-343F-1249-8326-C33BDA0B67C9}"/>
-              </a:ext>
-            </a:extLst>
-          </p:cNvPr>
-          <p:cNvPicPr>
-            <a:picLocks noChangeAspect="1"/>
-          </p:cNvPicPr>
-          <p:nvPr/>
-        </p:nvPicPr>
-        <p:blipFill>
-          <a:blip r:embed="rId3"/>
-          <a:stretch>
-            <a:fillRect/>
-          </a:stretch>
-        </p:blipFill>
-        <p:spPr>
-          <a:xfrm>
-            <a:off x="4419601" y="381000"/>
-            <a:ext cx="7772399" cy="6477000"/>
-          </a:xfrm>
-          <a:prstGeom prst="rect">
-            <a:avLst/>
-          </a:prstGeom>
-        </p:spPr>
-      </p:pic>
-      <p:sp>
-        <p:nvSpPr>
-          <p:cNvPr id="8" name="Rectangle 7">
-            <a:extLst>
-              <a:ext uri="{FF2B5EF4-FFF2-40B4-BE49-F238E27FC236}">
-                <a16:creationId xmlns:a16="http://schemas.microsoft.com/office/drawing/2014/main" id="{C210E40F-72E1-0C4D-806C-144896E559C2}"/>
-              </a:ext>
-            </a:extLst>
-          </p:cNvPr>
-          <p:cNvSpPr/>
-          <p:nvPr/>
-        </p:nvSpPr>
-        <p:spPr>
-          <a:xfrm>
-            <a:off x="4635500" y="1447800"/>
-            <a:ext cx="1270000" cy="330200"/>
-          </a:xfrm>
-          <a:prstGeom prst="rect">
-            <a:avLst/>
-          </a:prstGeom>
-          <a:noFill/>
-          <a:ln>
-            <a:solidFill>
-              <a:schemeClr val="accent2"/>
-            </a:solidFill>
-          </a:ln>
-        </p:spPr>
-        <p:style>
-          <a:lnRef idx="2">
-            <a:schemeClr val="accent1">
-              <a:shade val="50000"/>
-            </a:schemeClr>
-          </a:lnRef>
-          <a:fillRef idx="1">
-            <a:schemeClr val="accent1"/>
-          </a:fillRef>
-          <a:effectRef idx="0">
-            <a:schemeClr val="accent1"/>
-          </a:effectRef>
-          <a:fontRef idx="minor">
-            <a:schemeClr val="lt1"/>
-          </a:fontRef>
-        </p:style>
-        <p:txBody>
-          <a:bodyPr rtlCol="0" anchor="ctr"/>
-          <a:lstStyle/>
-          <a:p>
-            <a:pPr algn="ctr"/>
-            <a:endParaRPr lang="en-US"/>
-          </a:p>
-        </p:txBody>
-      </p:sp>
-      <p:sp>
-        <p:nvSpPr>
-          <p:cNvPr id="9" name="Rectangle 8">
-            <a:extLst>
-              <a:ext uri="{FF2B5EF4-FFF2-40B4-BE49-F238E27FC236}">
-                <a16:creationId xmlns:a16="http://schemas.microsoft.com/office/drawing/2014/main" id="{774DA8CD-3002-3249-845B-165487ECC7D0}"/>
-              </a:ext>
-            </a:extLst>
-          </p:cNvPr>
-          <p:cNvSpPr/>
-          <p:nvPr/>
-        </p:nvSpPr>
-        <p:spPr>
-          <a:xfrm>
-            <a:off x="4635500" y="2984500"/>
-            <a:ext cx="1270000" cy="330200"/>
-          </a:xfrm>
-          <a:prstGeom prst="rect">
-            <a:avLst/>
-          </a:prstGeom>
-          <a:noFill/>
-          <a:ln>
-            <a:solidFill>
-              <a:schemeClr val="accent2"/>
-            </a:solidFill>
-          </a:ln>
-        </p:spPr>
-        <p:style>
-          <a:lnRef idx="2">
-            <a:schemeClr val="accent1">
-              <a:shade val="50000"/>
-            </a:schemeClr>
-          </a:lnRef>
-          <a:fillRef idx="1">
-            <a:schemeClr val="accent1"/>
-          </a:fillRef>
-          <a:effectRef idx="0">
-            <a:schemeClr val="accent1"/>
-          </a:effectRef>
-          <a:fontRef idx="minor">
-            <a:schemeClr val="lt1"/>
-          </a:fontRef>
-        </p:style>
-        <p:txBody>
-          <a:bodyPr rtlCol="0" anchor="ctr"/>
-          <a:lstStyle/>
-          <a:p>
-            <a:pPr algn="ctr"/>
-            <a:endParaRPr lang="en-US"/>
-          </a:p>
-        </p:txBody>
-      </p:sp>
-    </p:spTree>
-    <p:extLst>
-      <p:ext uri="{BB962C8B-B14F-4D97-AF65-F5344CB8AC3E}">
-        <p14:creationId xmlns:p14="http://schemas.microsoft.com/office/powerpoint/2010/main" val="1623554551"/>
-      </p:ext>
-    </p:extLst>
-  </p:cSld>
-  <p:clrMapOvr>
-    <a:masterClrMapping/>
-  </p:clrMapOvr>
-</p:sld>
-</file>
-
-<file path=ppt/slides/slide7.xml><?xml version="1.0" encoding="utf-8"?>
-<p:sld xmlns:a="http://schemas.openxmlformats.org/drawingml/2006/main" xmlns:r="http://schemas.openxmlformats.org/officeDocument/2006/relationships" xmlns:p="http://schemas.openxmlformats.org/presentationml/2006/main">
-  <p:cSld>
-    <p:spTree>
-      <p:nvGrpSpPr>
-        <p:cNvPr id="1" name=""/>
-        <p:cNvGrpSpPr/>
-        <p:nvPr/>
-      </p:nvGrpSpPr>
-      <p:grpSpPr>
-        <a:xfrm>
-          <a:off x="0" y="0"/>
-          <a:ext cx="0" cy="0"/>
-          <a:chOff x="0" y="0"/>
-          <a:chExt cx="0" cy="0"/>
-        </a:xfrm>
-      </p:grpSpPr>
-      <p:sp>
-        <p:nvSpPr>
-          <p:cNvPr id="2" name="Title 1">
-            <a:extLst>
-              <a:ext uri="{FF2B5EF4-FFF2-40B4-BE49-F238E27FC236}">
-                <a16:creationId xmlns:a16="http://schemas.microsoft.com/office/drawing/2014/main" id="{CADF0FD5-64C6-194F-A48E-B1DE2390B2F5}"/>
-              </a:ext>
-            </a:extLst>
-          </p:cNvPr>
-          <p:cNvSpPr>
-            <a:spLocks noGrp="1"/>
-          </p:cNvSpPr>
-          <p:nvPr>
-            <p:ph type="title"/>
-          </p:nvPr>
-        </p:nvSpPr>
-        <p:spPr/>
-        <p:txBody>
-          <a:bodyPr/>
-          <a:lstStyle/>
-          <a:p>
-            <a:r>
-              <a:rPr lang="en-US" dirty="0"/>
-              <a:t>Modeling</a:t>
-            </a:r>
-          </a:p>
-        </p:txBody>
-      </p:sp>
-      <p:sp>
-        <p:nvSpPr>
-          <p:cNvPr id="3" name="Content Placeholder 2">
-            <a:extLst>
-              <a:ext uri="{FF2B5EF4-FFF2-40B4-BE49-F238E27FC236}">
-                <a16:creationId xmlns:a16="http://schemas.microsoft.com/office/drawing/2014/main" id="{5E21F994-5586-4342-B169-1CB0D857A23F}"/>
-              </a:ext>
-            </a:extLst>
-          </p:cNvPr>
-          <p:cNvSpPr>
-            <a:spLocks noGrp="1"/>
-          </p:cNvSpPr>
-          <p:nvPr>
-            <p:ph idx="1"/>
-          </p:nvPr>
-        </p:nvSpPr>
-        <p:spPr>
-          <a:xfrm>
-            <a:off x="2589212" y="1816413"/>
-            <a:ext cx="8915400" cy="4009955"/>
-          </a:xfrm>
-        </p:spPr>
-        <p:txBody>
-          <a:bodyPr>
-            <a:normAutofit/>
-          </a:bodyPr>
-          <a:lstStyle/>
-          <a:p>
-            <a:r>
-              <a:rPr lang="en-US" sz="2200" dirty="0"/>
-              <a:t>Baseline Model (Grade and Sq. Feet Living):</a:t>
-            </a:r>
-          </a:p>
-          <a:p>
-            <a:pPr lvl="1"/>
-            <a:r>
-              <a:rPr lang="en-US" sz="2000" dirty="0"/>
-              <a:t>Train: 0.403</a:t>
-            </a:r>
-          </a:p>
-          <a:p>
-            <a:pPr lvl="1"/>
-            <a:r>
-              <a:rPr lang="en-US" sz="2000" dirty="0"/>
-              <a:t>Validation: 0.400</a:t>
-            </a:r>
-          </a:p>
-          <a:p>
-            <a:r>
-              <a:rPr lang="en-US" sz="2200" dirty="0"/>
-              <a:t>Second Model (Numeric Fields):</a:t>
-            </a:r>
-          </a:p>
-          <a:p>
-            <a:pPr lvl="1"/>
-            <a:r>
-              <a:rPr lang="en-US" sz="2000" dirty="0"/>
-              <a:t>Train: 0.488</a:t>
-            </a:r>
-          </a:p>
-          <a:p>
-            <a:pPr lvl="1"/>
-            <a:r>
-              <a:rPr lang="en-US" sz="2000" dirty="0"/>
-              <a:t>Validation: 0.485</a:t>
-            </a:r>
-          </a:p>
-          <a:p>
-            <a:r>
-              <a:rPr lang="en-US" sz="2200" dirty="0"/>
-              <a:t>Final Model</a:t>
-            </a:r>
-            <a:r>
-              <a:rPr lang="en-US" sz="2200" dirty="0">
-                <a:sym typeface="Wingdings" pitchFamily="2" charset="2"/>
-              </a:rPr>
-              <a:t>: </a:t>
-            </a:r>
-          </a:p>
-          <a:p>
-            <a:pPr lvl="1"/>
-            <a:r>
-              <a:rPr lang="en-US" sz="2000" dirty="0"/>
-              <a:t>Train: 0.505</a:t>
-            </a:r>
-          </a:p>
-          <a:p>
-            <a:pPr lvl="1"/>
-            <a:r>
-              <a:rPr lang="en-US" sz="2000" dirty="0"/>
-              <a:t>Validation: 0.498</a:t>
-            </a:r>
-          </a:p>
-          <a:p>
-            <a:pPr lvl="1"/>
-            <a:endParaRPr lang="en-US" sz="2000" dirty="0"/>
-          </a:p>
-          <a:p>
-            <a:endParaRPr lang="en-US" sz="2200" dirty="0"/>
-          </a:p>
-          <a:p>
-            <a:endParaRPr lang="en-US" sz="2200" dirty="0"/>
-          </a:p>
-        </p:txBody>
-      </p:sp>
-    </p:spTree>
-    <p:extLst>
-      <p:ext uri="{BB962C8B-B14F-4D97-AF65-F5344CB8AC3E}">
-        <p14:creationId xmlns:p14="http://schemas.microsoft.com/office/powerpoint/2010/main" val="238484717"/>
-      </p:ext>
-    </p:extLst>
-  </p:cSld>
-  <p:clrMapOvr>
-    <a:masterClrMapping/>
-  </p:clrMapOvr>
-</p:sld>
-</file>
-
-<file path=ppt/slides/slide8.xml><?xml version="1.0" encoding="utf-8"?>
-<p:sld xmlns:a="http://schemas.openxmlformats.org/drawingml/2006/main" xmlns:r="http://schemas.openxmlformats.org/officeDocument/2006/relationships" xmlns:p="http://schemas.openxmlformats.org/presentationml/2006/main">
-  <p:cSld>
-    <p:bg>
-      <p:bgPr>
-        <a:solidFill>
-          <a:schemeClr val="bg1"/>
-        </a:solidFill>
-        <a:effectLst/>
-      </p:bgPr>
-    </p:bg>
-    <p:spTree>
-      <p:nvGrpSpPr>
-        <p:cNvPr id="1" name=""/>
-        <p:cNvGrpSpPr/>
-        <p:nvPr/>
-      </p:nvGrpSpPr>
-      <p:grpSpPr>
-        <a:xfrm>
-          <a:off x="0" y="0"/>
-          <a:ext cx="0" cy="0"/>
-          <a:chOff x="0" y="0"/>
-          <a:chExt cx="0" cy="0"/>
-        </a:xfrm>
-      </p:grpSpPr>
-      <p:sp>
-        <p:nvSpPr>
-          <p:cNvPr id="2" name="Title 1">
-            <a:extLst>
-              <a:ext uri="{FF2B5EF4-FFF2-40B4-BE49-F238E27FC236}">
-                <a16:creationId xmlns:a16="http://schemas.microsoft.com/office/drawing/2014/main" id="{CADF0FD5-64C6-194F-A48E-B1DE2390B2F5}"/>
-              </a:ext>
-            </a:extLst>
-          </p:cNvPr>
-          <p:cNvSpPr>
-            <a:spLocks noGrp="1"/>
-          </p:cNvSpPr>
-          <p:nvPr>
-            <p:ph type="title"/>
-          </p:nvPr>
-        </p:nvSpPr>
-        <p:spPr>
-          <a:xfrm>
-            <a:off x="811017" y="0"/>
-            <a:ext cx="8911687" cy="1280890"/>
-          </a:xfrm>
-        </p:spPr>
-        <p:txBody>
-          <a:bodyPr/>
-          <a:lstStyle/>
-          <a:p>
-            <a:r>
-              <a:rPr lang="en-US" dirty="0"/>
-              <a:t>Final Model Attributes</a:t>
-            </a:r>
-          </a:p>
-        </p:txBody>
-      </p:sp>
-      <p:sp>
-        <p:nvSpPr>
-          <p:cNvPr id="3" name="Content Placeholder 2">
-            <a:extLst>
-              <a:ext uri="{FF2B5EF4-FFF2-40B4-BE49-F238E27FC236}">
-                <a16:creationId xmlns:a16="http://schemas.microsoft.com/office/drawing/2014/main" id="{5E21F994-5586-4342-B169-1CB0D857A23F}"/>
-              </a:ext>
-            </a:extLst>
-          </p:cNvPr>
-          <p:cNvSpPr>
-            <a:spLocks noGrp="1"/>
-          </p:cNvSpPr>
-          <p:nvPr>
-            <p:ph idx="1"/>
-          </p:nvPr>
-        </p:nvSpPr>
-        <p:spPr>
-          <a:xfrm>
-            <a:off x="2589212" y="1816413"/>
-            <a:ext cx="8915400" cy="4009955"/>
-          </a:xfrm>
-        </p:spPr>
-        <p:txBody>
-          <a:bodyPr>
-            <a:normAutofit/>
-          </a:bodyPr>
-          <a:lstStyle/>
-          <a:p>
-            <a:pPr lvl="1"/>
-            <a:endParaRPr lang="en-US" sz="2000" dirty="0"/>
-          </a:p>
-          <a:p>
-            <a:endParaRPr lang="en-US" sz="2200" dirty="0"/>
-          </a:p>
-          <a:p>
-            <a:endParaRPr lang="en-US" sz="2200" dirty="0"/>
-          </a:p>
-        </p:txBody>
-      </p:sp>
-      <p:pic>
-        <p:nvPicPr>
-          <p:cNvPr id="7" name="Picture 6" descr="Table, calendar&#10;&#10;Description automatically generated with medium confidence">
-            <a:extLst>
-              <a:ext uri="{FF2B5EF4-FFF2-40B4-BE49-F238E27FC236}">
-                <a16:creationId xmlns:a16="http://schemas.microsoft.com/office/drawing/2014/main" id="{A799DD41-1805-F24F-BFCB-B662426E68DA}"/>
-              </a:ext>
-            </a:extLst>
-          </p:cNvPr>
-          <p:cNvPicPr>
-            <a:picLocks noChangeAspect="1"/>
-          </p:cNvPicPr>
-          <p:nvPr/>
-        </p:nvPicPr>
-        <p:blipFill rotWithShape="1">
-          <a:blip r:embed="rId2"/>
-          <a:srcRect r="25481"/>
-          <a:stretch/>
-        </p:blipFill>
-        <p:spPr>
-          <a:xfrm>
-            <a:off x="0" y="597877"/>
-            <a:ext cx="9085385" cy="6260123"/>
-          </a:xfrm>
-          <a:prstGeom prst="rect">
-            <a:avLst/>
-          </a:prstGeom>
-        </p:spPr>
-      </p:pic>
-      <p:pic>
-        <p:nvPicPr>
-          <p:cNvPr id="9" name="Picture 8" descr="Table, calendar&#10;&#10;Description automatically generated with medium confidence">
-            <a:extLst>
-              <a:ext uri="{FF2B5EF4-FFF2-40B4-BE49-F238E27FC236}">
-                <a16:creationId xmlns:a16="http://schemas.microsoft.com/office/drawing/2014/main" id="{B6F34F2A-D4F8-D243-86A1-162568B2629E}"/>
-              </a:ext>
-            </a:extLst>
-          </p:cNvPr>
-          <p:cNvPicPr>
-            <a:picLocks noChangeAspect="1"/>
-          </p:cNvPicPr>
-          <p:nvPr/>
-        </p:nvPicPr>
-        <p:blipFill rotWithShape="1">
-          <a:blip r:embed="rId2"/>
-          <a:srcRect l="74519" b="50000"/>
-          <a:stretch/>
-        </p:blipFill>
-        <p:spPr>
-          <a:xfrm>
-            <a:off x="9085385" y="3638764"/>
-            <a:ext cx="3106615" cy="3219236"/>
-          </a:xfrm>
-          <a:prstGeom prst="rect">
-            <a:avLst/>
-          </a:prstGeom>
-        </p:spPr>
-      </p:pic>
-      <p:sp>
-        <p:nvSpPr>
-          <p:cNvPr id="10" name="Rectangle 9">
-            <a:extLst>
-              <a:ext uri="{FF2B5EF4-FFF2-40B4-BE49-F238E27FC236}">
-                <a16:creationId xmlns:a16="http://schemas.microsoft.com/office/drawing/2014/main" id="{6FF5CEE0-6EC8-FF42-BDF5-2E810487F856}"/>
-              </a:ext>
-            </a:extLst>
-          </p:cNvPr>
-          <p:cNvSpPr/>
-          <p:nvPr/>
-        </p:nvSpPr>
-        <p:spPr>
-          <a:xfrm>
-            <a:off x="0" y="0"/>
-            <a:ext cx="281354" cy="619786"/>
-          </a:xfrm>
-          <a:prstGeom prst="rect">
-            <a:avLst/>
-          </a:prstGeom>
-          <a:solidFill>
-            <a:schemeClr val="bg1"/>
-          </a:solidFill>
-          <a:ln>
-            <a:noFill/>
-          </a:ln>
-        </p:spPr>
-        <p:style>
-          <a:lnRef idx="2">
-            <a:schemeClr val="accent1">
-              <a:shade val="50000"/>
-            </a:schemeClr>
-          </a:lnRef>
-          <a:fillRef idx="1">
-            <a:schemeClr val="accent1"/>
-          </a:fillRef>
-          <a:effectRef idx="0">
-            <a:schemeClr val="accent1"/>
-          </a:effectRef>
-          <a:fontRef idx="minor">
-            <a:schemeClr val="lt1"/>
-          </a:fontRef>
-        </p:style>
-        <p:txBody>
-          <a:bodyPr rtlCol="0" anchor="ctr"/>
-          <a:lstStyle/>
-          <a:p>
-            <a:pPr algn="ctr"/>
-            <a:endParaRPr lang="en-US"/>
-          </a:p>
-        </p:txBody>
-      </p:sp>
-    </p:spTree>
-    <p:extLst>
-      <p:ext uri="{BB962C8B-B14F-4D97-AF65-F5344CB8AC3E}">
-        <p14:creationId xmlns:p14="http://schemas.microsoft.com/office/powerpoint/2010/main" val="3843375871"/>
-      </p:ext>
-    </p:extLst>
-  </p:cSld>
-  <p:clrMapOvr>
-    <a:masterClrMapping/>
-  </p:clrMapOvr>
-</p:sld>
-</file>
-
-<file path=ppt/slides/slide9.xml><?xml version="1.0" encoding="utf-8"?>
-<p:sld xmlns:a="http://schemas.openxmlformats.org/drawingml/2006/main" xmlns:r="http://schemas.openxmlformats.org/officeDocument/2006/relationships" xmlns:p="http://schemas.openxmlformats.org/presentationml/2006/main">
-  <p:cSld>
-    <p:spTree>
-      <p:nvGrpSpPr>
-        <p:cNvPr id="1" name=""/>
-        <p:cNvGrpSpPr/>
-        <p:nvPr/>
-      </p:nvGrpSpPr>
-      <p:grpSpPr>
-        <a:xfrm>
-          <a:off x="0" y="0"/>
-          <a:ext cx="0" cy="0"/>
-          <a:chOff x="0" y="0"/>
-          <a:chExt cx="0" cy="0"/>
-        </a:xfrm>
-      </p:grpSpPr>
-      <p:sp>
-        <p:nvSpPr>
-          <p:cNvPr id="2" name="Title 1">
-            <a:extLst>
-              <a:ext uri="{FF2B5EF4-FFF2-40B4-BE49-F238E27FC236}">
-                <a16:creationId xmlns:a16="http://schemas.microsoft.com/office/drawing/2014/main" id="{CADF0FD5-64C6-194F-A48E-B1DE2390B2F5}"/>
-              </a:ext>
-            </a:extLst>
-          </p:cNvPr>
-          <p:cNvSpPr>
-            <a:spLocks noGrp="1"/>
-          </p:cNvSpPr>
-          <p:nvPr>
-            <p:ph type="title"/>
-          </p:nvPr>
-        </p:nvSpPr>
-        <p:spPr/>
-        <p:txBody>
-          <a:bodyPr/>
-          <a:lstStyle/>
-          <a:p>
-            <a:r>
-              <a:rPr lang="en-US" dirty="0"/>
-              <a:t>Regression Statistics</a:t>
-            </a:r>
-          </a:p>
-        </p:txBody>
-      </p:sp>
-      <p:sp>
-        <p:nvSpPr>
-          <p:cNvPr id="3" name="Content Placeholder 2">
-            <a:extLst>
-              <a:ext uri="{FF2B5EF4-FFF2-40B4-BE49-F238E27FC236}">
-                <a16:creationId xmlns:a16="http://schemas.microsoft.com/office/drawing/2014/main" id="{5E21F994-5586-4342-B169-1CB0D857A23F}"/>
-              </a:ext>
-            </a:extLst>
-          </p:cNvPr>
-          <p:cNvSpPr>
-            <a:spLocks noGrp="1"/>
-          </p:cNvSpPr>
-          <p:nvPr>
-            <p:ph idx="1"/>
-          </p:nvPr>
-        </p:nvSpPr>
-        <p:spPr>
-          <a:xfrm>
-            <a:off x="2589212" y="1816413"/>
-            <a:ext cx="8915400" cy="4009955"/>
-          </a:xfrm>
-        </p:spPr>
-        <p:txBody>
-          <a:bodyPr>
-            <a:normAutofit fontScale="92500" lnSpcReduction="10000"/>
-          </a:bodyPr>
-          <a:lstStyle/>
-          <a:p>
-            <a:r>
-              <a:rPr lang="en-US" sz="2200" dirty="0"/>
-              <a:t>Mean Absolute Error: $118k</a:t>
-            </a:r>
-            <a:endParaRPr lang="en-US" sz="2000" dirty="0"/>
-          </a:p>
-          <a:p>
-            <a:r>
-              <a:rPr lang="en-US" sz="2200" dirty="0"/>
-              <a:t>Mean House Price: $481k</a:t>
-            </a:r>
-          </a:p>
-          <a:p>
-            <a:r>
-              <a:rPr lang="en-US" sz="2200" dirty="0"/>
-              <a:t>Coefficients:</a:t>
-            </a:r>
-          </a:p>
-          <a:p>
-            <a:pPr lvl="1"/>
-            <a:r>
-              <a:rPr lang="en-US" sz="2000" dirty="0"/>
-              <a:t>Sq Feet Living Space: $98</a:t>
-            </a:r>
-          </a:p>
-          <a:p>
-            <a:pPr lvl="1"/>
-            <a:r>
-              <a:rPr lang="en-US" sz="2000" dirty="0"/>
-              <a:t>Bedrooms: -$17,333</a:t>
-            </a:r>
-          </a:p>
-          <a:p>
-            <a:pPr lvl="1"/>
-            <a:r>
-              <a:rPr lang="en-US" sz="2000" dirty="0"/>
-              <a:t>Condition: $45,169</a:t>
-            </a:r>
-          </a:p>
-          <a:p>
-            <a:pPr lvl="1"/>
-            <a:r>
-              <a:rPr lang="en-US" sz="2000" dirty="0"/>
-              <a:t>Basement: $38,708</a:t>
-            </a:r>
-          </a:p>
-          <a:p>
-            <a:pPr lvl="1"/>
-            <a:r>
-              <a:rPr lang="en-US" sz="2000" dirty="0"/>
-              <a:t>Grade: $88,275 </a:t>
-            </a:r>
-          </a:p>
-          <a:p>
-            <a:pPr lvl="1"/>
-            <a:r>
-              <a:rPr lang="en-US" sz="2000" dirty="0"/>
-              <a:t>Renovated: $102,962</a:t>
-            </a:r>
-          </a:p>
-          <a:p>
-            <a:pPr lvl="1"/>
-            <a:r>
-              <a:rPr lang="en-US" sz="2000" dirty="0"/>
-              <a:t>Waterfront View: $242,268</a:t>
-            </a:r>
-            <a:endParaRPr lang="en-US" sz="2200" dirty="0"/>
-          </a:p>
-          <a:p>
-            <a:endParaRPr lang="en-US" sz="2200" dirty="0"/>
-          </a:p>
-        </p:txBody>
-      </p:sp>
-    </p:spTree>
-    <p:extLst>
-      <p:ext uri="{BB962C8B-B14F-4D97-AF65-F5344CB8AC3E}">
-        <p14:creationId xmlns:p14="http://schemas.microsoft.com/office/powerpoint/2010/main" val="3703804546"/>
       </p:ext>
     </p:extLst>
   </p:cSld>
@@ -15420,4 +18601,299 @@
     </a:ext>
   </a:extLst>
 </a:theme>
+</file>
+
+<file path=ppt/theme/theme3.xml><?xml version="1.0" encoding="utf-8"?>
+<a:theme xmlns:a="http://schemas.openxmlformats.org/drawingml/2006/main" name="Office Theme">
+  <a:themeElements>
+    <a:clrScheme name="Office">
+      <a:dk1>
+        <a:sysClr val="windowText" lastClr="000000"/>
+      </a:dk1>
+      <a:lt1>
+        <a:sysClr val="window" lastClr="FFFFFF"/>
+      </a:lt1>
+      <a:dk2>
+        <a:srgbClr val="44546A"/>
+      </a:dk2>
+      <a:lt2>
+        <a:srgbClr val="E7E6E6"/>
+      </a:lt2>
+      <a:accent1>
+        <a:srgbClr val="4472C4"/>
+      </a:accent1>
+      <a:accent2>
+        <a:srgbClr val="ED7D31"/>
+      </a:accent2>
+      <a:accent3>
+        <a:srgbClr val="A5A5A5"/>
+      </a:accent3>
+      <a:accent4>
+        <a:srgbClr val="FFC000"/>
+      </a:accent4>
+      <a:accent5>
+        <a:srgbClr val="5B9BD5"/>
+      </a:accent5>
+      <a:accent6>
+        <a:srgbClr val="70AD47"/>
+      </a:accent6>
+      <a:hlink>
+        <a:srgbClr val="0563C1"/>
+      </a:hlink>
+      <a:folHlink>
+        <a:srgbClr val="954F72"/>
+      </a:folHlink>
+    </a:clrScheme>
+    <a:fontScheme name="Office">
+      <a:majorFont>
+        <a:latin typeface="Calibri Light" panose="020F0302020204030204"/>
+        <a:ea typeface=""/>
+        <a:cs typeface=""/>
+        <a:font script="Jpan" typeface="游ゴシック Light"/>
+        <a:font script="Hang" typeface="맑은 고딕"/>
+        <a:font script="Hans" typeface="等线 Light"/>
+        <a:font script="Hant" typeface="新細明體"/>
+        <a:font script="Arab" typeface="Times New Roman"/>
+        <a:font script="Hebr" typeface="Times New Roman"/>
+        <a:font script="Thai" typeface="Angsana New"/>
+        <a:font script="Ethi" typeface="Nyala"/>
+        <a:font script="Beng" typeface="Vrinda"/>
+        <a:font script="Gujr" typeface="Shruti"/>
+        <a:font script="Khmr" typeface="MoolBoran"/>
+        <a:font script="Knda" typeface="Tunga"/>
+        <a:font script="Guru" typeface="Raavi"/>
+        <a:font script="Cans" typeface="Euphemia"/>
+        <a:font script="Cher" typeface="Plantagenet Cherokee"/>
+        <a:font script="Yiii" typeface="Microsoft Yi Baiti"/>
+        <a:font script="Tibt" typeface="Microsoft Himalaya"/>
+        <a:font script="Thaa" typeface="MV Boli"/>
+        <a:font script="Deva" typeface="Mangal"/>
+        <a:font script="Telu" typeface="Gautami"/>
+        <a:font script="Taml" typeface="Latha"/>
+        <a:font script="Syrc" typeface="Estrangelo Edessa"/>
+        <a:font script="Orya" typeface="Kalinga"/>
+        <a:font script="Mlym" typeface="Kartika"/>
+        <a:font script="Laoo" typeface="DokChampa"/>
+        <a:font script="Sinh" typeface="Iskoola Pota"/>
+        <a:font script="Mong" typeface="Mongolian Baiti"/>
+        <a:font script="Viet" typeface="Times New Roman"/>
+        <a:font script="Uigh" typeface="Microsoft Uighur"/>
+        <a:font script="Geor" typeface="Sylfaen"/>
+        <a:font script="Armn" typeface="Arial"/>
+        <a:font script="Bugi" typeface="Leelawadee UI"/>
+        <a:font script="Bopo" typeface="Microsoft JhengHei"/>
+        <a:font script="Java" typeface="Javanese Text"/>
+        <a:font script="Lisu" typeface="Segoe UI"/>
+        <a:font script="Mymr" typeface="Myanmar Text"/>
+        <a:font script="Nkoo" typeface="Ebrima"/>
+        <a:font script="Olck" typeface="Nirmala UI"/>
+        <a:font script="Osma" typeface="Ebrima"/>
+        <a:font script="Phag" typeface="Phagspa"/>
+        <a:font script="Syrn" typeface="Estrangelo Edessa"/>
+        <a:font script="Syrj" typeface="Estrangelo Edessa"/>
+        <a:font script="Syre" typeface="Estrangelo Edessa"/>
+        <a:font script="Sora" typeface="Nirmala UI"/>
+        <a:font script="Tale" typeface="Microsoft Tai Le"/>
+        <a:font script="Talu" typeface="Microsoft New Tai Lue"/>
+        <a:font script="Tfng" typeface="Ebrima"/>
+      </a:majorFont>
+      <a:minorFont>
+        <a:latin typeface="Calibri" panose="020F0502020204030204"/>
+        <a:ea typeface=""/>
+        <a:cs typeface=""/>
+        <a:font script="Jpan" typeface="游ゴシック"/>
+        <a:font script="Hang" typeface="맑은 고딕"/>
+        <a:font script="Hans" typeface="等线"/>
+        <a:font script="Hant" typeface="新細明體"/>
+        <a:font script="Arab" typeface="Arial"/>
+        <a:font script="Hebr" typeface="Arial"/>
+        <a:font script="Thai" typeface="Cordia New"/>
+        <a:font script="Ethi" typeface="Nyala"/>
+        <a:font script="Beng" typeface="Vrinda"/>
+        <a:font script="Gujr" typeface="Shruti"/>
+        <a:font script="Khmr" typeface="DaunPenh"/>
+        <a:font script="Knda" typeface="Tunga"/>
+        <a:font script="Guru" typeface="Raavi"/>
+        <a:font script="Cans" typeface="Euphemia"/>
+        <a:font script="Cher" typeface="Plantagenet Cherokee"/>
+        <a:font script="Yiii" typeface="Microsoft Yi Baiti"/>
+        <a:font script="Tibt" typeface="Microsoft Himalaya"/>
+        <a:font script="Thaa" typeface="MV Boli"/>
+        <a:font script="Deva" typeface="Mangal"/>
+        <a:font script="Telu" typeface="Gautami"/>
+        <a:font script="Taml" typeface="Latha"/>
+        <a:font script="Syrc" typeface="Estrangelo Edessa"/>
+        <a:font script="Orya" typeface="Kalinga"/>
+        <a:font script="Mlym" typeface="Kartika"/>
+        <a:font script="Laoo" typeface="DokChampa"/>
+        <a:font script="Sinh" typeface="Iskoola Pota"/>
+        <a:font script="Mong" typeface="Mongolian Baiti"/>
+        <a:font script="Viet" typeface="Arial"/>
+        <a:font script="Uigh" typeface="Microsoft Uighur"/>
+        <a:font script="Geor" typeface="Sylfaen"/>
+        <a:font script="Armn" typeface="Arial"/>
+        <a:font script="Bugi" typeface="Leelawadee UI"/>
+        <a:font script="Bopo" typeface="Microsoft JhengHei"/>
+        <a:font script="Java" typeface="Javanese Text"/>
+        <a:font script="Lisu" typeface="Segoe UI"/>
+        <a:font script="Mymr" typeface="Myanmar Text"/>
+        <a:font script="Nkoo" typeface="Ebrima"/>
+        <a:font script="Olck" typeface="Nirmala UI"/>
+        <a:font script="Osma" typeface="Ebrima"/>
+        <a:font script="Phag" typeface="Phagspa"/>
+        <a:font script="Syrn" typeface="Estrangelo Edessa"/>
+        <a:font script="Syrj" typeface="Estrangelo Edessa"/>
+        <a:font script="Syre" typeface="Estrangelo Edessa"/>
+        <a:font script="Sora" typeface="Nirmala UI"/>
+        <a:font script="Tale" typeface="Microsoft Tai Le"/>
+        <a:font script="Talu" typeface="Microsoft New Tai Lue"/>
+        <a:font script="Tfng" typeface="Ebrima"/>
+      </a:minorFont>
+    </a:fontScheme>
+    <a:fmtScheme name="Office">
+      <a:fillStyleLst>
+        <a:solidFill>
+          <a:schemeClr val="phClr"/>
+        </a:solidFill>
+        <a:gradFill rotWithShape="1">
+          <a:gsLst>
+            <a:gs pos="0">
+              <a:schemeClr val="phClr">
+                <a:lumMod val="110000"/>
+                <a:satMod val="105000"/>
+                <a:tint val="67000"/>
+              </a:schemeClr>
+            </a:gs>
+            <a:gs pos="50000">
+              <a:schemeClr val="phClr">
+                <a:lumMod val="105000"/>
+                <a:satMod val="103000"/>
+                <a:tint val="73000"/>
+              </a:schemeClr>
+            </a:gs>
+            <a:gs pos="100000">
+              <a:schemeClr val="phClr">
+                <a:lumMod val="105000"/>
+                <a:satMod val="109000"/>
+                <a:tint val="81000"/>
+              </a:schemeClr>
+            </a:gs>
+          </a:gsLst>
+          <a:lin ang="5400000" scaled="0"/>
+        </a:gradFill>
+        <a:gradFill rotWithShape="1">
+          <a:gsLst>
+            <a:gs pos="0">
+              <a:schemeClr val="phClr">
+                <a:satMod val="103000"/>
+                <a:lumMod val="102000"/>
+                <a:tint val="94000"/>
+              </a:schemeClr>
+            </a:gs>
+            <a:gs pos="50000">
+              <a:schemeClr val="phClr">
+                <a:satMod val="110000"/>
+                <a:lumMod val="100000"/>
+                <a:shade val="100000"/>
+              </a:schemeClr>
+            </a:gs>
+            <a:gs pos="100000">
+              <a:schemeClr val="phClr">
+                <a:lumMod val="99000"/>
+                <a:satMod val="120000"/>
+                <a:shade val="78000"/>
+              </a:schemeClr>
+            </a:gs>
+          </a:gsLst>
+          <a:lin ang="5400000" scaled="0"/>
+        </a:gradFill>
+      </a:fillStyleLst>
+      <a:lnStyleLst>
+        <a:ln w="6350" cap="flat" cmpd="sng" algn="ctr">
+          <a:solidFill>
+            <a:schemeClr val="phClr"/>
+          </a:solidFill>
+          <a:prstDash val="solid"/>
+          <a:miter lim="800000"/>
+        </a:ln>
+        <a:ln w="12700" cap="flat" cmpd="sng" algn="ctr">
+          <a:solidFill>
+            <a:schemeClr val="phClr"/>
+          </a:solidFill>
+          <a:prstDash val="solid"/>
+          <a:miter lim="800000"/>
+        </a:ln>
+        <a:ln w="19050" cap="flat" cmpd="sng" algn="ctr">
+          <a:solidFill>
+            <a:schemeClr val="phClr"/>
+          </a:solidFill>
+          <a:prstDash val="solid"/>
+          <a:miter lim="800000"/>
+        </a:ln>
+      </a:lnStyleLst>
+      <a:effectStyleLst>
+        <a:effectStyle>
+          <a:effectLst/>
+        </a:effectStyle>
+        <a:effectStyle>
+          <a:effectLst/>
+        </a:effectStyle>
+        <a:effectStyle>
+          <a:effectLst>
+            <a:outerShdw blurRad="57150" dist="19050" dir="5400000" algn="ctr" rotWithShape="0">
+              <a:srgbClr val="000000">
+                <a:alpha val="63000"/>
+              </a:srgbClr>
+            </a:outerShdw>
+          </a:effectLst>
+        </a:effectStyle>
+      </a:effectStyleLst>
+      <a:bgFillStyleLst>
+        <a:solidFill>
+          <a:schemeClr val="phClr"/>
+        </a:solidFill>
+        <a:solidFill>
+          <a:schemeClr val="phClr">
+            <a:tint val="95000"/>
+            <a:satMod val="170000"/>
+          </a:schemeClr>
+        </a:solidFill>
+        <a:gradFill rotWithShape="1">
+          <a:gsLst>
+            <a:gs pos="0">
+              <a:schemeClr val="phClr">
+                <a:tint val="93000"/>
+                <a:satMod val="150000"/>
+                <a:shade val="98000"/>
+                <a:lumMod val="102000"/>
+              </a:schemeClr>
+            </a:gs>
+            <a:gs pos="50000">
+              <a:schemeClr val="phClr">
+                <a:tint val="98000"/>
+                <a:satMod val="130000"/>
+                <a:shade val="90000"/>
+                <a:lumMod val="103000"/>
+              </a:schemeClr>
+            </a:gs>
+            <a:gs pos="100000">
+              <a:schemeClr val="phClr">
+                <a:shade val="63000"/>
+                <a:satMod val="120000"/>
+              </a:schemeClr>
+            </a:gs>
+          </a:gsLst>
+          <a:lin ang="5400000" scaled="0"/>
+        </a:gradFill>
+      </a:bgFillStyleLst>
+    </a:fmtScheme>
+  </a:themeElements>
+  <a:objectDefaults/>
+  <a:extraClrSchemeLst/>
+  <a:extLst>
+    <a:ext uri="{05A4C25C-085E-4340-85A3-A5531E510DB2}">
+      <thm15:themeFamily xmlns:thm15="http://schemas.microsoft.com/office/thememl/2012/main" name="Office Theme" id="{62F939B6-93AF-4DB8-9C6B-D6C7DFDC589F}" vid="{4A3C46E8-61CC-4603-A589-7422A47A8E4A}"/>
+    </a:ext>
+  </a:extLst>
+</a:theme>
 </file>
--- a/Module 3 Final Project Presentation.pptx
+++ b/Module 3 Final Project Presentation.pptx
@@ -3596,7 +3596,7 @@
           <a:p>
             <a:fld id="{D738C0C5-6B9F-F547-A11B-E04AFC0E239D}" type="datetimeFigureOut">
               <a:rPr lang="en-US" smtClean="0"/>
-              <a:t>12/13/21</a:t>
+              <a:t>12/14/21</a:t>
             </a:fld>
             <a:endParaRPr lang="en-US"/>
           </a:p>
@@ -4761,7 +4761,7 @@
             <a:fld id="{11A6662E-FAF4-44BC-88B5-85A7CBFB6D30}" type="datetime1">
               <a:rPr lang="en-US" smtClean="0"/>
               <a:pPr/>
-              <a:t>12/13/21</a:t>
+              <a:t>12/14/21</a:t>
             </a:fld>
             <a:endParaRPr lang="en-US" dirty="0"/>
           </a:p>
@@ -5107,7 +5107,7 @@
             <a:fld id="{57E0CF6C-748E-4B7A-BC8B-3011EF78ED13}" type="datetime1">
               <a:rPr lang="en-US" smtClean="0"/>
               <a:pPr/>
-              <a:t>12/13/21</a:t>
+              <a:t>12/14/21</a:t>
             </a:fld>
             <a:endParaRPr lang="en-US" dirty="0"/>
           </a:p>
@@ -5517,7 +5517,7 @@
             <a:fld id="{57E0CF6C-748E-4B7A-BC8B-3011EF78ED13}" type="datetime1">
               <a:rPr lang="en-US" smtClean="0"/>
               <a:pPr/>
-              <a:t>12/13/21</a:t>
+              <a:t>12/14/21</a:t>
             </a:fld>
             <a:endParaRPr lang="en-US" dirty="0"/>
           </a:p>
@@ -5862,7 +5862,7 @@
             <a:fld id="{57E0CF6C-748E-4B7A-BC8B-3011EF78ED13}" type="datetime1">
               <a:rPr lang="en-US" smtClean="0"/>
               <a:pPr/>
-              <a:t>12/13/21</a:t>
+              <a:t>12/14/21</a:t>
             </a:fld>
             <a:endParaRPr lang="en-US" dirty="0"/>
           </a:p>
@@ -6191,7 +6191,7 @@
             <a:fld id="{57E0CF6C-748E-4B7A-BC8B-3011EF78ED13}" type="datetime1">
               <a:rPr lang="en-US" smtClean="0"/>
               <a:pPr/>
-              <a:t>12/13/21</a:t>
+              <a:t>12/14/21</a:t>
             </a:fld>
             <a:endParaRPr lang="en-US" dirty="0"/>
           </a:p>
@@ -6596,7 +6596,7 @@
             <a:fld id="{57E0CF6C-748E-4B7A-BC8B-3011EF78ED13}" type="datetime1">
               <a:rPr lang="en-US" smtClean="0"/>
               <a:pPr/>
-              <a:t>12/13/21</a:t>
+              <a:t>12/14/21</a:t>
             </a:fld>
             <a:endParaRPr lang="en-US" dirty="0"/>
           </a:p>
@@ -6861,7 +6861,7 @@
           <a:p>
             <a:fld id="{4C559632-1575-4E14-B53B-3DC3D5ED3947}" type="datetime1">
               <a:rPr lang="en-US" smtClean="0"/>
-              <a:t>12/13/21</a:t>
+              <a:t>12/14/21</a:t>
             </a:fld>
             <a:endParaRPr lang="en-US"/>
           </a:p>
@@ -7123,7 +7123,7 @@
           <a:p>
             <a:fld id="{CC4A6868-2568-4CC9-B302-F37117B01A6E}" type="datetime1">
               <a:rPr lang="en-US" smtClean="0"/>
-              <a:t>12/13/21</a:t>
+              <a:t>12/14/21</a:t>
             </a:fld>
             <a:endParaRPr lang="en-US"/>
           </a:p>
@@ -7414,7 +7414,7 @@
             <a:fld id="{11A6662E-FAF4-44BC-88B5-85A7CBFB6D30}" type="datetime1">
               <a:rPr lang="en-US" smtClean="0"/>
               <a:pPr/>
-              <a:t>12/13/21</a:t>
+              <a:t>12/14/21</a:t>
             </a:fld>
             <a:endParaRPr lang="en-US" dirty="0"/>
           </a:p>
@@ -7619,7 +7619,7 @@
           <a:p>
             <a:fld id="{0055F08A-1E71-4B2B-BB49-E743F2903911}" type="datetime1">
               <a:rPr lang="en-US" smtClean="0"/>
-              <a:t>12/13/21</a:t>
+              <a:t>12/14/21</a:t>
             </a:fld>
             <a:endParaRPr lang="en-US" dirty="0"/>
           </a:p>
@@ -7894,7 +7894,7 @@
           <a:p>
             <a:fld id="{15417D9E-721A-44BB-8863-9873FE64DA75}" type="datetime1">
               <a:rPr lang="en-US" smtClean="0"/>
-              <a:t>12/13/21</a:t>
+              <a:t>12/14/21</a:t>
             </a:fld>
             <a:endParaRPr lang="en-US"/>
           </a:p>
@@ -8086,7 +8086,7 @@
           <a:p>
             <a:fld id="{0055F08A-1E71-4B2B-BB49-E743F2903911}" type="datetime1">
               <a:rPr lang="en-US" smtClean="0"/>
-              <a:t>12/13/21</a:t>
+              <a:t>12/14/21</a:t>
             </a:fld>
             <a:endParaRPr lang="en-US" dirty="0"/>
           </a:p>
@@ -8421,7 +8421,7 @@
           <a:p>
             <a:fld id="{5F31DA2F-80B8-49CF-99FB-5ABCA53A607A}" type="datetime1">
               <a:rPr lang="en-US" smtClean="0"/>
-              <a:t>12/13/21</a:t>
+              <a:t>12/14/21</a:t>
             </a:fld>
             <a:endParaRPr lang="en-US"/>
           </a:p>
@@ -8833,7 +8833,7 @@
           <a:p>
             <a:fld id="{28852172-E6C9-4B6C-929A-A9DE3837BBF1}" type="datetime1">
               <a:rPr lang="en-US" smtClean="0"/>
-              <a:t>12/13/21</a:t>
+              <a:t>12/14/21</a:t>
             </a:fld>
             <a:endParaRPr lang="en-US"/>
           </a:p>
@@ -8974,7 +8974,7 @@
           <a:p>
             <a:fld id="{3AB41CFF-90C9-47B3-9DA1-F2BF8D839F7E}" type="datetime1">
               <a:rPr lang="en-US" smtClean="0"/>
-              <a:t>12/13/21</a:t>
+              <a:t>12/14/21</a:t>
             </a:fld>
             <a:endParaRPr lang="en-US"/>
           </a:p>
@@ -9087,7 +9087,7 @@
           <a:p>
             <a:fld id="{F06048FA-06AB-4884-A69B-986B96E68A24}" type="datetime1">
               <a:rPr lang="en-US" smtClean="0"/>
-              <a:t>12/13/21</a:t>
+              <a:t>12/14/21</a:t>
             </a:fld>
             <a:endParaRPr lang="en-US"/>
           </a:p>
@@ -9398,7 +9398,7 @@
           <a:p>
             <a:fld id="{50DB7ABA-0172-4F9C-889D-567164F66BCD}" type="datetime1">
               <a:rPr lang="en-US" smtClean="0"/>
-              <a:t>12/13/21</a:t>
+              <a:t>12/14/21</a:t>
             </a:fld>
             <a:endParaRPr lang="en-US"/>
           </a:p>
@@ -9686,7 +9686,7 @@
           <a:p>
             <a:fld id="{78AC6A5B-8AE7-4A41-B5A7-9ADC6686DC18}" type="datetime1">
               <a:rPr lang="en-US" smtClean="0"/>
-              <a:t>12/13/21</a:t>
+              <a:t>12/14/21</a:t>
             </a:fld>
             <a:endParaRPr lang="en-US"/>
           </a:p>
@@ -9884,7 +9884,7 @@
           <a:p>
             <a:fld id="{4C559632-1575-4E14-B53B-3DC3D5ED3947}" type="datetime1">
               <a:rPr lang="en-US" smtClean="0"/>
-              <a:t>12/13/21</a:t>
+              <a:t>12/14/21</a:t>
             </a:fld>
             <a:endParaRPr lang="en-US"/>
           </a:p>
@@ -10092,7 +10092,7 @@
           <a:p>
             <a:fld id="{CC4A6868-2568-4CC9-B302-F37117B01A6E}" type="datetime1">
               <a:rPr lang="en-US" smtClean="0"/>
-              <a:t>12/13/21</a:t>
+              <a:t>12/14/21</a:t>
             </a:fld>
             <a:endParaRPr lang="en-US"/>
           </a:p>
@@ -10351,7 +10351,7 @@
           <a:p>
             <a:fld id="{15417D9E-721A-44BB-8863-9873FE64DA75}" type="datetime1">
               <a:rPr lang="en-US" smtClean="0"/>
-              <a:t>12/13/21</a:t>
+              <a:t>12/14/21</a:t>
             </a:fld>
             <a:endParaRPr lang="en-US"/>
           </a:p>
@@ -10674,7 +10674,7 @@
           <a:p>
             <a:fld id="{5F31DA2F-80B8-49CF-99FB-5ABCA53A607A}" type="datetime1">
               <a:rPr lang="en-US" smtClean="0"/>
-              <a:t>12/13/21</a:t>
+              <a:t>12/14/21</a:t>
             </a:fld>
             <a:endParaRPr lang="en-US"/>
           </a:p>
@@ -11131,7 +11131,7 @@
           <a:p>
             <a:fld id="{28852172-E6C9-4B6C-929A-A9DE3837BBF1}" type="datetime1">
               <a:rPr lang="en-US" smtClean="0"/>
-              <a:t>12/13/21</a:t>
+              <a:t>12/14/21</a:t>
             </a:fld>
             <a:endParaRPr lang="en-US"/>
           </a:p>
@@ -11336,7 +11336,7 @@
           <a:p>
             <a:fld id="{3AB41CFF-90C9-47B3-9DA1-F2BF8D839F7E}" type="datetime1">
               <a:rPr lang="en-US" smtClean="0"/>
-              <a:t>12/13/21</a:t>
+              <a:t>12/14/21</a:t>
             </a:fld>
             <a:endParaRPr lang="en-US"/>
           </a:p>
@@ -11513,7 +11513,7 @@
           <a:p>
             <a:fld id="{F06048FA-06AB-4884-A69B-986B96E68A24}" type="datetime1">
               <a:rPr lang="en-US" smtClean="0"/>
-              <a:t>12/13/21</a:t>
+              <a:t>12/14/21</a:t>
             </a:fld>
             <a:endParaRPr lang="en-US"/>
           </a:p>
@@ -11846,7 +11846,7 @@
           <a:p>
             <a:fld id="{50DB7ABA-0172-4F9C-889D-567164F66BCD}" type="datetime1">
               <a:rPr lang="en-US" smtClean="0"/>
-              <a:t>12/13/21</a:t>
+              <a:t>12/14/21</a:t>
             </a:fld>
             <a:endParaRPr lang="en-US"/>
           </a:p>
@@ -12191,7 +12191,7 @@
           <a:p>
             <a:fld id="{78AC6A5B-8AE7-4A41-B5A7-9ADC6686DC18}" type="datetime1">
               <a:rPr lang="en-US" smtClean="0"/>
-              <a:t>12/13/21</a:t>
+              <a:t>12/14/21</a:t>
             </a:fld>
             <a:endParaRPr lang="en-US"/>
           </a:p>
@@ -14309,7 +14309,7 @@
             <a:fld id="{57E0CF6C-748E-4B7A-BC8B-3011EF78ED13}" type="datetime1">
               <a:rPr lang="en-US" smtClean="0"/>
               <a:pPr/>
-              <a:t>12/13/21</a:t>
+              <a:t>12/14/21</a:t>
             </a:fld>
             <a:endParaRPr lang="en-US" dirty="0"/>
           </a:p>
@@ -14986,7 +14986,7 @@
             <a:fld id="{57E0CF6C-748E-4B7A-BC8B-3011EF78ED13}" type="datetime1">
               <a:rPr lang="en-US" smtClean="0"/>
               <a:pPr/>
-              <a:t>12/13/21</a:t>
+              <a:t>12/14/21</a:t>
             </a:fld>
             <a:endParaRPr lang="en-US" dirty="0"/>
           </a:p>
@@ -16548,7 +16548,7 @@
           <a:p>
             <a:r>
               <a:rPr lang="en-US" sz="2400" dirty="0"/>
-              <a:t>Best Model: Logistic Regression with an 82% Accuracy Score</a:t>
+              <a:t>Best Model: Logistic Regression with an 84% Accuracy Score</a:t>
             </a:r>
           </a:p>
           <a:p>
@@ -17034,7 +17034,11 @@
             <a:pPr lvl="1"/>
             <a:r>
               <a:rPr lang="en-US" sz="2000" dirty="0"/>
-              <a:t>To understand which attributes best predict whether or not it will rain the next day</a:t>
+              <a:t>To understand which attributes best predict whether or not it will </a:t>
+            </a:r>
+            <a:r>
+              <a:rPr lang="en-US" sz="2000" b="1" dirty="0"/>
+              <a:t>rain the next day</a:t>
             </a:r>
           </a:p>
           <a:p>
